--- a/Presentation/Accessibility For Digital Content & Services.pptx
+++ b/Presentation/Accessibility For Digital Content & Services.pptx
@@ -2,7 +2,7 @@
 <file path=ppt/presentation.xml><?xml version="1.0" encoding="utf-8"?>
 <p:presentation xmlns:a="http://schemas.openxmlformats.org/drawingml/2006/main" xmlns:r="http://schemas.openxmlformats.org/officeDocument/2006/relationships" xmlns:p="http://schemas.openxmlformats.org/presentationml/2006/main" saveSubsetFonts="1" autoCompressPictures="0" bookmarkIdSeed="3">
   <p:sldMasterIdLst>
-    <p:sldMasterId id="2147483660" r:id="rId4"/>
+    <p:sldMasterId id="2147483670" r:id="rId4"/>
   </p:sldMasterIdLst>
   <p:sldIdLst>
     <p:sldId id="266" r:id="rId5"/>
@@ -11,9 +11,10 @@
     <p:sldId id="321" r:id="rId8"/>
     <p:sldId id="322" r:id="rId9"/>
     <p:sldId id="311" r:id="rId10"/>
-    <p:sldId id="316" r:id="rId11"/>
-    <p:sldId id="318" r:id="rId12"/>
-    <p:sldId id="317" r:id="rId13"/>
+    <p:sldId id="323" r:id="rId11"/>
+    <p:sldId id="316" r:id="rId12"/>
+    <p:sldId id="318" r:id="rId13"/>
+    <p:sldId id="317" r:id="rId14"/>
   </p:sldIdLst>
   <p:sldSz cx="12192000" cy="6858000"/>
   <p:notesSz cx="6858000" cy="9144000"/>
@@ -21,7 +22,7 @@
     <a:defPPr>
       <a:defRPr lang="en-US"/>
     </a:defPPr>
-    <a:lvl1pPr marL="0" algn="l" defTabSz="914400" rtl="0" eaLnBrk="1" latinLnBrk="0" hangingPunct="1">
+    <a:lvl1pPr marL="0" algn="l" defTabSz="457200" rtl="0" eaLnBrk="1" latinLnBrk="0" hangingPunct="1">
       <a:defRPr sz="1800" kern="1200">
         <a:solidFill>
           <a:schemeClr val="tx1"/>
@@ -31,7 +32,7 @@
         <a:cs typeface="+mn-cs"/>
       </a:defRPr>
     </a:lvl1pPr>
-    <a:lvl2pPr marL="457200" algn="l" defTabSz="914400" rtl="0" eaLnBrk="1" latinLnBrk="0" hangingPunct="1">
+    <a:lvl2pPr marL="457200" algn="l" defTabSz="457200" rtl="0" eaLnBrk="1" latinLnBrk="0" hangingPunct="1">
       <a:defRPr sz="1800" kern="1200">
         <a:solidFill>
           <a:schemeClr val="tx1"/>
@@ -41,7 +42,7 @@
         <a:cs typeface="+mn-cs"/>
       </a:defRPr>
     </a:lvl2pPr>
-    <a:lvl3pPr marL="914400" algn="l" defTabSz="914400" rtl="0" eaLnBrk="1" latinLnBrk="0" hangingPunct="1">
+    <a:lvl3pPr marL="914400" algn="l" defTabSz="457200" rtl="0" eaLnBrk="1" latinLnBrk="0" hangingPunct="1">
       <a:defRPr sz="1800" kern="1200">
         <a:solidFill>
           <a:schemeClr val="tx1"/>
@@ -51,7 +52,7 @@
         <a:cs typeface="+mn-cs"/>
       </a:defRPr>
     </a:lvl3pPr>
-    <a:lvl4pPr marL="1371600" algn="l" defTabSz="914400" rtl="0" eaLnBrk="1" latinLnBrk="0" hangingPunct="1">
+    <a:lvl4pPr marL="1371600" algn="l" defTabSz="457200" rtl="0" eaLnBrk="1" latinLnBrk="0" hangingPunct="1">
       <a:defRPr sz="1800" kern="1200">
         <a:solidFill>
           <a:schemeClr val="tx1"/>
@@ -61,7 +62,7 @@
         <a:cs typeface="+mn-cs"/>
       </a:defRPr>
     </a:lvl4pPr>
-    <a:lvl5pPr marL="1828800" algn="l" defTabSz="914400" rtl="0" eaLnBrk="1" latinLnBrk="0" hangingPunct="1">
+    <a:lvl5pPr marL="1828800" algn="l" defTabSz="457200" rtl="0" eaLnBrk="1" latinLnBrk="0" hangingPunct="1">
       <a:defRPr sz="1800" kern="1200">
         <a:solidFill>
           <a:schemeClr val="tx1"/>
@@ -71,7 +72,7 @@
         <a:cs typeface="+mn-cs"/>
       </a:defRPr>
     </a:lvl5pPr>
-    <a:lvl6pPr marL="2286000" algn="l" defTabSz="914400" rtl="0" eaLnBrk="1" latinLnBrk="0" hangingPunct="1">
+    <a:lvl6pPr marL="2286000" algn="l" defTabSz="457200" rtl="0" eaLnBrk="1" latinLnBrk="0" hangingPunct="1">
       <a:defRPr sz="1800" kern="1200">
         <a:solidFill>
           <a:schemeClr val="tx1"/>
@@ -81,7 +82,7 @@
         <a:cs typeface="+mn-cs"/>
       </a:defRPr>
     </a:lvl6pPr>
-    <a:lvl7pPr marL="2743200" algn="l" defTabSz="914400" rtl="0" eaLnBrk="1" latinLnBrk="0" hangingPunct="1">
+    <a:lvl7pPr marL="2743200" algn="l" defTabSz="457200" rtl="0" eaLnBrk="1" latinLnBrk="0" hangingPunct="1">
       <a:defRPr sz="1800" kern="1200">
         <a:solidFill>
           <a:schemeClr val="tx1"/>
@@ -91,7 +92,7 @@
         <a:cs typeface="+mn-cs"/>
       </a:defRPr>
     </a:lvl7pPr>
-    <a:lvl8pPr marL="3200400" algn="l" defTabSz="914400" rtl="0" eaLnBrk="1" latinLnBrk="0" hangingPunct="1">
+    <a:lvl8pPr marL="3200400" algn="l" defTabSz="457200" rtl="0" eaLnBrk="1" latinLnBrk="0" hangingPunct="1">
       <a:defRPr sz="1800" kern="1200">
         <a:solidFill>
           <a:schemeClr val="tx1"/>
@@ -101,7 +102,7 @@
         <a:cs typeface="+mn-cs"/>
       </a:defRPr>
     </a:lvl8pPr>
-    <a:lvl9pPr marL="3657600" algn="l" defTabSz="914400" rtl="0" eaLnBrk="1" latinLnBrk="0" hangingPunct="1">
+    <a:lvl9pPr marL="3657600" algn="l" defTabSz="457200" rtl="0" eaLnBrk="1" latinLnBrk="0" hangingPunct="1">
       <a:defRPr sz="1800" kern="1200">
         <a:solidFill>
           <a:schemeClr val="tx1"/>
@@ -137,81 +138,561 @@
           <a:chExt cx="0" cy="0"/>
         </a:xfrm>
       </p:grpSpPr>
-      <p:sp>
-        <p:nvSpPr>
-          <p:cNvPr id="10" name="Rectangle 9">
-            <a:extLst>
-              <a:ext uri="{FF2B5EF4-FFF2-40B4-BE49-F238E27FC236}">
-                <a16:creationId xmlns:a16="http://schemas.microsoft.com/office/drawing/2014/main" id="{39E3965E-AC41-4711-9D10-E25ABB132D86}"/>
-              </a:ext>
-            </a:extLst>
-          </p:cNvPr>
-          <p:cNvSpPr/>
+      <p:grpSp>
+        <p:nvGrpSpPr>
+          <p:cNvPr id="7" name="Group 6"/>
+          <p:cNvGrpSpPr/>
           <p:nvPr/>
+        </p:nvGrpSpPr>
+        <p:grpSpPr>
+          <a:xfrm>
+            <a:off x="0" y="-8467"/>
+            <a:ext cx="12192000" cy="6866467"/>
+            <a:chOff x="0" y="-8467"/>
+            <a:chExt cx="12192000" cy="6866467"/>
+          </a:xfrm>
+        </p:grpSpPr>
+        <p:cxnSp>
+          <p:nvCxnSpPr>
+            <p:cNvPr id="32" name="Straight Connector 31"/>
+            <p:cNvCxnSpPr/>
+            <p:nvPr/>
+          </p:nvCxnSpPr>
+          <p:spPr>
+            <a:xfrm>
+              <a:off x="9371012" y="0"/>
+              <a:ext cx="1219200" cy="6858000"/>
+            </a:xfrm>
+            <a:prstGeom prst="line">
+              <a:avLst/>
+            </a:prstGeom>
+            <a:ln w="9525">
+              <a:solidFill>
+                <a:schemeClr val="bg1">
+                  <a:lumMod val="75000"/>
+                </a:schemeClr>
+              </a:solidFill>
+            </a:ln>
+          </p:spPr>
+          <p:style>
+            <a:lnRef idx="2">
+              <a:schemeClr val="accent1"/>
+            </a:lnRef>
+            <a:fillRef idx="0">
+              <a:schemeClr val="accent1"/>
+            </a:fillRef>
+            <a:effectRef idx="1">
+              <a:schemeClr val="accent1"/>
+            </a:effectRef>
+            <a:fontRef idx="minor">
+              <a:schemeClr val="tx1"/>
+            </a:fontRef>
+          </p:style>
+        </p:cxnSp>
+        <p:cxnSp>
+          <p:nvCxnSpPr>
+            <p:cNvPr id="21" name="Straight Connector 20"/>
+            <p:cNvCxnSpPr/>
+            <p:nvPr/>
+          </p:nvCxnSpPr>
+          <p:spPr>
+            <a:xfrm flipH="1">
+              <a:off x="7425267" y="3681413"/>
+              <a:ext cx="4763558" cy="3176587"/>
+            </a:xfrm>
+            <a:prstGeom prst="line">
+              <a:avLst/>
+            </a:prstGeom>
+            <a:ln w="9525">
+              <a:solidFill>
+                <a:schemeClr val="bg1">
+                  <a:lumMod val="85000"/>
+                </a:schemeClr>
+              </a:solidFill>
+            </a:ln>
+          </p:spPr>
+          <p:style>
+            <a:lnRef idx="2">
+              <a:schemeClr val="accent1"/>
+            </a:lnRef>
+            <a:fillRef idx="0">
+              <a:schemeClr val="accent1"/>
+            </a:fillRef>
+            <a:effectRef idx="1">
+              <a:schemeClr val="accent1"/>
+            </a:effectRef>
+            <a:fontRef idx="minor">
+              <a:schemeClr val="tx1"/>
+            </a:fontRef>
+          </p:style>
+        </p:cxnSp>
+        <p:sp>
+          <p:nvSpPr>
+            <p:cNvPr id="24" name="Rectangle 23"/>
+            <p:cNvSpPr/>
+            <p:nvPr/>
+          </p:nvSpPr>
+          <p:spPr>
+            <a:xfrm>
+              <a:off x="9181476" y="-8467"/>
+              <a:ext cx="3007349" cy="6866467"/>
+            </a:xfrm>
+            <a:custGeom>
+              <a:avLst/>
+              <a:gdLst/>
+              <a:ahLst/>
+              <a:cxnLst/>
+              <a:rect l="l" t="t" r="r" b="b"/>
+              <a:pathLst>
+                <a:path w="3007349" h="6866467">
+                  <a:moveTo>
+                    <a:pt x="2045532" y="0"/>
+                  </a:moveTo>
+                  <a:lnTo>
+                    <a:pt x="3007349" y="0"/>
+                  </a:lnTo>
+                  <a:lnTo>
+                    <a:pt x="3007349" y="6866467"/>
+                  </a:lnTo>
+                  <a:lnTo>
+                    <a:pt x="0" y="6866467"/>
+                  </a:lnTo>
+                  <a:lnTo>
+                    <a:pt x="2045532" y="0"/>
+                  </a:lnTo>
+                  <a:close/>
+                </a:path>
+              </a:pathLst>
+            </a:custGeom>
+            <a:solidFill>
+              <a:schemeClr val="accent1">
+                <a:alpha val="30000"/>
+              </a:schemeClr>
+            </a:solidFill>
+            <a:ln>
+              <a:noFill/>
+            </a:ln>
+            <a:effectLst/>
+          </p:spPr>
+          <p:style>
+            <a:lnRef idx="1">
+              <a:schemeClr val="accent1"/>
+            </a:lnRef>
+            <a:fillRef idx="3">
+              <a:schemeClr val="accent1"/>
+            </a:fillRef>
+            <a:effectRef idx="2">
+              <a:schemeClr val="accent1"/>
+            </a:effectRef>
+            <a:fontRef idx="minor">
+              <a:schemeClr val="lt1"/>
+            </a:fontRef>
+          </p:style>
+        </p:sp>
+        <p:sp>
+          <p:nvSpPr>
+            <p:cNvPr id="26" name="Rectangle 25"/>
+            <p:cNvSpPr/>
+            <p:nvPr/>
+          </p:nvSpPr>
+          <p:spPr>
+            <a:xfrm>
+              <a:off x="9603442" y="-8467"/>
+              <a:ext cx="2588558" cy="6866467"/>
+            </a:xfrm>
+            <a:custGeom>
+              <a:avLst/>
+              <a:gdLst/>
+              <a:ahLst/>
+              <a:cxnLst/>
+              <a:rect l="l" t="t" r="r" b="b"/>
+              <a:pathLst>
+                <a:path w="2573311" h="6866467">
+                  <a:moveTo>
+                    <a:pt x="0" y="0"/>
+                  </a:moveTo>
+                  <a:lnTo>
+                    <a:pt x="2573311" y="0"/>
+                  </a:lnTo>
+                  <a:lnTo>
+                    <a:pt x="2573311" y="6866467"/>
+                  </a:lnTo>
+                  <a:lnTo>
+                    <a:pt x="1202336" y="6866467"/>
+                  </a:lnTo>
+                  <a:lnTo>
+                    <a:pt x="0" y="0"/>
+                  </a:lnTo>
+                  <a:close/>
+                </a:path>
+              </a:pathLst>
+            </a:custGeom>
+            <a:solidFill>
+              <a:schemeClr val="accent1">
+                <a:alpha val="20000"/>
+              </a:schemeClr>
+            </a:solidFill>
+            <a:ln>
+              <a:noFill/>
+            </a:ln>
+            <a:effectLst/>
+          </p:spPr>
+          <p:style>
+            <a:lnRef idx="1">
+              <a:schemeClr val="accent1"/>
+            </a:lnRef>
+            <a:fillRef idx="3">
+              <a:schemeClr val="accent1"/>
+            </a:fillRef>
+            <a:effectRef idx="2">
+              <a:schemeClr val="accent1"/>
+            </a:effectRef>
+            <a:fontRef idx="minor">
+              <a:schemeClr val="lt1"/>
+            </a:fontRef>
+          </p:style>
+        </p:sp>
+        <p:sp>
+          <p:nvSpPr>
+            <p:cNvPr id="27" name="Isosceles Triangle 26"/>
+            <p:cNvSpPr/>
+            <p:nvPr/>
+          </p:nvSpPr>
+          <p:spPr>
+            <a:xfrm>
+              <a:off x="8932333" y="3048000"/>
+              <a:ext cx="3259667" cy="3810000"/>
+            </a:xfrm>
+            <a:prstGeom prst="triangle">
+              <a:avLst>
+                <a:gd name="adj" fmla="val 100000"/>
+              </a:avLst>
+            </a:prstGeom>
+            <a:solidFill>
+              <a:schemeClr val="accent2">
+                <a:alpha val="72000"/>
+              </a:schemeClr>
+            </a:solidFill>
+            <a:ln>
+              <a:noFill/>
+            </a:ln>
+            <a:effectLst/>
+          </p:spPr>
+          <p:style>
+            <a:lnRef idx="1">
+              <a:schemeClr val="accent1"/>
+            </a:lnRef>
+            <a:fillRef idx="3">
+              <a:schemeClr val="accent1"/>
+            </a:fillRef>
+            <a:effectRef idx="2">
+              <a:schemeClr val="accent1"/>
+            </a:effectRef>
+            <a:fontRef idx="minor">
+              <a:schemeClr val="lt1"/>
+            </a:fontRef>
+          </p:style>
+        </p:sp>
+        <p:sp>
+          <p:nvSpPr>
+            <p:cNvPr id="28" name="Rectangle 27"/>
+            <p:cNvSpPr/>
+            <p:nvPr/>
+          </p:nvSpPr>
+          <p:spPr>
+            <a:xfrm>
+              <a:off x="9334500" y="-8467"/>
+              <a:ext cx="2854326" cy="6866467"/>
+            </a:xfrm>
+            <a:custGeom>
+              <a:avLst/>
+              <a:gdLst/>
+              <a:ahLst/>
+              <a:cxnLst/>
+              <a:rect l="l" t="t" r="r" b="b"/>
+              <a:pathLst>
+                <a:path w="2858013" h="6866467">
+                  <a:moveTo>
+                    <a:pt x="0" y="0"/>
+                  </a:moveTo>
+                  <a:lnTo>
+                    <a:pt x="2858013" y="0"/>
+                  </a:lnTo>
+                  <a:lnTo>
+                    <a:pt x="2858013" y="6866467"/>
+                  </a:lnTo>
+                  <a:lnTo>
+                    <a:pt x="2473942" y="6866467"/>
+                  </a:lnTo>
+                  <a:lnTo>
+                    <a:pt x="0" y="0"/>
+                  </a:lnTo>
+                  <a:close/>
+                </a:path>
+              </a:pathLst>
+            </a:custGeom>
+            <a:solidFill>
+              <a:schemeClr val="accent2">
+                <a:lumMod val="75000"/>
+                <a:alpha val="70000"/>
+              </a:schemeClr>
+            </a:solidFill>
+            <a:ln>
+              <a:noFill/>
+            </a:ln>
+            <a:effectLst/>
+          </p:spPr>
+          <p:style>
+            <a:lnRef idx="1">
+              <a:schemeClr val="accent1"/>
+            </a:lnRef>
+            <a:fillRef idx="3">
+              <a:schemeClr val="accent1"/>
+            </a:fillRef>
+            <a:effectRef idx="2">
+              <a:schemeClr val="accent1"/>
+            </a:effectRef>
+            <a:fontRef idx="minor">
+              <a:schemeClr val="lt1"/>
+            </a:fontRef>
+          </p:style>
+        </p:sp>
+        <p:sp>
+          <p:nvSpPr>
+            <p:cNvPr id="29" name="Rectangle 28"/>
+            <p:cNvSpPr/>
+            <p:nvPr/>
+          </p:nvSpPr>
+          <p:spPr>
+            <a:xfrm>
+              <a:off x="10898730" y="-8467"/>
+              <a:ext cx="1290094" cy="6866467"/>
+            </a:xfrm>
+            <a:custGeom>
+              <a:avLst/>
+              <a:gdLst/>
+              <a:ahLst/>
+              <a:cxnLst/>
+              <a:rect l="l" t="t" r="r" b="b"/>
+              <a:pathLst>
+                <a:path w="1290094" h="6858000">
+                  <a:moveTo>
+                    <a:pt x="1019735" y="0"/>
+                  </a:moveTo>
+                  <a:lnTo>
+                    <a:pt x="1290094" y="0"/>
+                  </a:lnTo>
+                  <a:lnTo>
+                    <a:pt x="1290094" y="6858000"/>
+                  </a:lnTo>
+                  <a:lnTo>
+                    <a:pt x="0" y="6858000"/>
+                  </a:lnTo>
+                  <a:lnTo>
+                    <a:pt x="1019735" y="0"/>
+                  </a:lnTo>
+                  <a:close/>
+                </a:path>
+              </a:pathLst>
+            </a:custGeom>
+            <a:solidFill>
+              <a:schemeClr val="accent1">
+                <a:lumMod val="60000"/>
+                <a:lumOff val="40000"/>
+                <a:alpha val="70000"/>
+              </a:schemeClr>
+            </a:solidFill>
+            <a:ln>
+              <a:noFill/>
+            </a:ln>
+            <a:effectLst/>
+          </p:spPr>
+          <p:style>
+            <a:lnRef idx="1">
+              <a:schemeClr val="accent1"/>
+            </a:lnRef>
+            <a:fillRef idx="3">
+              <a:schemeClr val="accent1"/>
+            </a:fillRef>
+            <a:effectRef idx="2">
+              <a:schemeClr val="accent1"/>
+            </a:effectRef>
+            <a:fontRef idx="minor">
+              <a:schemeClr val="lt1"/>
+            </a:fontRef>
+          </p:style>
+        </p:sp>
+        <p:sp>
+          <p:nvSpPr>
+            <p:cNvPr id="30" name="Rectangle 29"/>
+            <p:cNvSpPr/>
+            <p:nvPr/>
+          </p:nvSpPr>
+          <p:spPr>
+            <a:xfrm>
+              <a:off x="10938999" y="-8467"/>
+              <a:ext cx="1249825" cy="6866467"/>
+            </a:xfrm>
+            <a:custGeom>
+              <a:avLst/>
+              <a:gdLst/>
+              <a:ahLst/>
+              <a:cxnLst/>
+              <a:rect l="l" t="t" r="r" b="b"/>
+              <a:pathLst>
+                <a:path w="1249825" h="6858000">
+                  <a:moveTo>
+                    <a:pt x="0" y="0"/>
+                  </a:moveTo>
+                  <a:lnTo>
+                    <a:pt x="1249825" y="0"/>
+                  </a:lnTo>
+                  <a:lnTo>
+                    <a:pt x="1249825" y="6858000"/>
+                  </a:lnTo>
+                  <a:lnTo>
+                    <a:pt x="1109382" y="6858000"/>
+                  </a:lnTo>
+                  <a:lnTo>
+                    <a:pt x="0" y="0"/>
+                  </a:lnTo>
+                  <a:close/>
+                </a:path>
+              </a:pathLst>
+            </a:custGeom>
+            <a:solidFill>
+              <a:schemeClr val="accent1">
+                <a:alpha val="65000"/>
+              </a:schemeClr>
+            </a:solidFill>
+            <a:ln>
+              <a:noFill/>
+            </a:ln>
+            <a:effectLst/>
+          </p:spPr>
+          <p:style>
+            <a:lnRef idx="1">
+              <a:schemeClr val="accent1"/>
+            </a:lnRef>
+            <a:fillRef idx="3">
+              <a:schemeClr val="accent1"/>
+            </a:fillRef>
+            <a:effectRef idx="2">
+              <a:schemeClr val="accent1"/>
+            </a:effectRef>
+            <a:fontRef idx="minor">
+              <a:schemeClr val="lt1"/>
+            </a:fontRef>
+          </p:style>
+        </p:sp>
+        <p:sp>
+          <p:nvSpPr>
+            <p:cNvPr id="31" name="Isosceles Triangle 30"/>
+            <p:cNvSpPr/>
+            <p:nvPr/>
+          </p:nvSpPr>
+          <p:spPr>
+            <a:xfrm>
+              <a:off x="10371666" y="3589867"/>
+              <a:ext cx="1817159" cy="3268133"/>
+            </a:xfrm>
+            <a:prstGeom prst="triangle">
+              <a:avLst>
+                <a:gd name="adj" fmla="val 100000"/>
+              </a:avLst>
+            </a:prstGeom>
+            <a:solidFill>
+              <a:schemeClr val="accent1">
+                <a:alpha val="80000"/>
+              </a:schemeClr>
+            </a:solidFill>
+            <a:ln>
+              <a:noFill/>
+            </a:ln>
+            <a:effectLst/>
+          </p:spPr>
+          <p:style>
+            <a:lnRef idx="1">
+              <a:schemeClr val="accent1"/>
+            </a:lnRef>
+            <a:fillRef idx="3">
+              <a:schemeClr val="accent1"/>
+            </a:fillRef>
+            <a:effectRef idx="2">
+              <a:schemeClr val="accent1"/>
+            </a:effectRef>
+            <a:fontRef idx="minor">
+              <a:schemeClr val="lt1"/>
+            </a:fontRef>
+          </p:style>
+        </p:sp>
+        <p:sp>
+          <p:nvSpPr>
+            <p:cNvPr id="19" name="Isosceles Triangle 18"/>
+            <p:cNvSpPr/>
+            <p:nvPr/>
+          </p:nvSpPr>
+          <p:spPr>
+            <a:xfrm rot="10800000">
+              <a:off x="0" y="0"/>
+              <a:ext cx="842596" cy="5666154"/>
+            </a:xfrm>
+            <a:prstGeom prst="triangle">
+              <a:avLst>
+                <a:gd name="adj" fmla="val 100000"/>
+              </a:avLst>
+            </a:prstGeom>
+            <a:solidFill>
+              <a:schemeClr val="accent1">
+                <a:alpha val="85000"/>
+              </a:schemeClr>
+            </a:solidFill>
+            <a:ln>
+              <a:noFill/>
+            </a:ln>
+            <a:effectLst/>
+          </p:spPr>
+          <p:style>
+            <a:lnRef idx="1">
+              <a:schemeClr val="accent1"/>
+            </a:lnRef>
+            <a:fillRef idx="3">
+              <a:schemeClr val="accent1"/>
+            </a:fillRef>
+            <a:effectRef idx="2">
+              <a:schemeClr val="accent1"/>
+            </a:effectRef>
+            <a:fontRef idx="minor">
+              <a:schemeClr val="lt1"/>
+            </a:fontRef>
+          </p:style>
+        </p:sp>
+      </p:grpSp>
+      <p:sp>
+        <p:nvSpPr>
+          <p:cNvPr id="2" name="Title 1"/>
+          <p:cNvSpPr>
+            <a:spLocks noGrp="1"/>
+          </p:cNvSpPr>
+          <p:nvPr>
+            <p:ph type="ctrTitle"/>
+          </p:nvPr>
         </p:nvSpPr>
         <p:spPr>
           <a:xfrm>
-            <a:off x="3175" y="6400800"/>
-            <a:ext cx="12188825" cy="457200"/>
-          </a:xfrm>
-          <a:prstGeom prst="rect">
-            <a:avLst/>
-          </a:prstGeom>
-          <a:solidFill>
-            <a:srgbClr val="262626"/>
-          </a:solidFill>
-          <a:ln>
-            <a:noFill/>
-          </a:ln>
-        </p:spPr>
-        <p:style>
-          <a:lnRef idx="2">
-            <a:schemeClr val="accent1">
-              <a:shade val="50000"/>
-            </a:schemeClr>
-          </a:lnRef>
-          <a:fillRef idx="1">
-            <a:schemeClr val="accent1"/>
-          </a:fillRef>
-          <a:effectRef idx="0">
-            <a:schemeClr val="accent1"/>
-          </a:effectRef>
-          <a:fontRef idx="minor">
-            <a:schemeClr val="lt1"/>
-          </a:fontRef>
-        </p:style>
-      </p:sp>
-      <p:sp>
-        <p:nvSpPr>
-          <p:cNvPr id="2" name="Title 1"/>
-          <p:cNvSpPr>
-            <a:spLocks noGrp="1"/>
-          </p:cNvSpPr>
-          <p:nvPr>
-            <p:ph type="ctrTitle"/>
-          </p:nvPr>
-        </p:nvSpPr>
-        <p:spPr>
-          <a:xfrm>
-            <a:off x="1097280" y="758952"/>
-            <a:ext cx="10058400" cy="3566160"/>
+            <a:off x="1507067" y="2404534"/>
+            <a:ext cx="7766936" cy="1646302"/>
           </a:xfrm>
         </p:spPr>
         <p:txBody>
           <a:bodyPr anchor="b">
-            <a:normAutofit/>
+            <a:noAutofit/>
           </a:bodyPr>
           <a:lstStyle>
-            <a:lvl1pPr algn="l">
-              <a:lnSpc>
-                <a:spcPct val="90000"/>
-              </a:lnSpc>
-              <a:defRPr sz="8000" spc="-50" baseline="0">
-                <a:solidFill>
-                  <a:schemeClr val="tx1">
-                    <a:lumMod val="85000"/>
-                    <a:lumOff val="15000"/>
-                  </a:schemeClr>
+            <a:lvl1pPr algn="r">
+              <a:defRPr sz="5400">
+                <a:solidFill>
+                  <a:schemeClr val="accent1"/>
                 </a:solidFill>
               </a:defRPr>
             </a:lvl1pPr>
@@ -237,55 +718,103 @@
         </p:nvSpPr>
         <p:spPr>
           <a:xfrm>
-            <a:off x="1100051" y="4645152"/>
-            <a:ext cx="10058400" cy="1143000"/>
+            <a:off x="1507067" y="4050833"/>
+            <a:ext cx="7766936" cy="1096899"/>
           </a:xfrm>
         </p:spPr>
         <p:txBody>
-          <a:bodyPr lIns="91440" rIns="91440">
-            <a:normAutofit/>
-          </a:bodyPr>
+          <a:bodyPr anchor="t"/>
           <a:lstStyle>
-            <a:lvl1pPr marL="0" indent="0" algn="l">
-              <a:buNone/>
-              <a:defRPr sz="2400" cap="all" spc="200" baseline="0">
-                <a:solidFill>
-                  <a:schemeClr val="tx1"/>
-                </a:solidFill>
-                <a:latin typeface="+mn-lt"/>
+            <a:lvl1pPr marL="0" indent="0" algn="r">
+              <a:buNone/>
+              <a:defRPr>
+                <a:solidFill>
+                  <a:schemeClr val="tx1">
+                    <a:lumMod val="50000"/>
+                    <a:lumOff val="50000"/>
+                  </a:schemeClr>
+                </a:solidFill>
               </a:defRPr>
             </a:lvl1pPr>
             <a:lvl2pPr marL="457200" indent="0" algn="ctr">
               <a:buNone/>
-              <a:defRPr sz="2400"/>
+              <a:defRPr>
+                <a:solidFill>
+                  <a:schemeClr val="tx1">
+                    <a:tint val="75000"/>
+                  </a:schemeClr>
+                </a:solidFill>
+              </a:defRPr>
             </a:lvl2pPr>
             <a:lvl3pPr marL="914400" indent="0" algn="ctr">
               <a:buNone/>
-              <a:defRPr sz="2400"/>
+              <a:defRPr>
+                <a:solidFill>
+                  <a:schemeClr val="tx1">
+                    <a:tint val="75000"/>
+                  </a:schemeClr>
+                </a:solidFill>
+              </a:defRPr>
             </a:lvl3pPr>
             <a:lvl4pPr marL="1371600" indent="0" algn="ctr">
               <a:buNone/>
-              <a:defRPr sz="2000"/>
+              <a:defRPr>
+                <a:solidFill>
+                  <a:schemeClr val="tx1">
+                    <a:tint val="75000"/>
+                  </a:schemeClr>
+                </a:solidFill>
+              </a:defRPr>
             </a:lvl4pPr>
             <a:lvl5pPr marL="1828800" indent="0" algn="ctr">
               <a:buNone/>
-              <a:defRPr sz="2000"/>
+              <a:defRPr>
+                <a:solidFill>
+                  <a:schemeClr val="tx1">
+                    <a:tint val="75000"/>
+                  </a:schemeClr>
+                </a:solidFill>
+              </a:defRPr>
             </a:lvl5pPr>
             <a:lvl6pPr marL="2286000" indent="0" algn="ctr">
               <a:buNone/>
-              <a:defRPr sz="2000"/>
+              <a:defRPr>
+                <a:solidFill>
+                  <a:schemeClr val="tx1">
+                    <a:tint val="75000"/>
+                  </a:schemeClr>
+                </a:solidFill>
+              </a:defRPr>
             </a:lvl6pPr>
             <a:lvl7pPr marL="2743200" indent="0" algn="ctr">
               <a:buNone/>
-              <a:defRPr sz="2000"/>
+              <a:defRPr>
+                <a:solidFill>
+                  <a:schemeClr val="tx1">
+                    <a:tint val="75000"/>
+                  </a:schemeClr>
+                </a:solidFill>
+              </a:defRPr>
             </a:lvl7pPr>
             <a:lvl8pPr marL="3200400" indent="0" algn="ctr">
               <a:buNone/>
-              <a:defRPr sz="2000"/>
+              <a:defRPr>
+                <a:solidFill>
+                  <a:schemeClr val="tx1">
+                    <a:tint val="75000"/>
+                  </a:schemeClr>
+                </a:solidFill>
+              </a:defRPr>
             </a:lvl8pPr>
             <a:lvl9pPr marL="3657600" indent="0" algn="ctr">
               <a:buNone/>
-              <a:defRPr sz="2000"/>
+              <a:defRPr>
+                <a:solidFill>
+                  <a:schemeClr val="tx1">
+                    <a:tint val="75000"/>
+                  </a:schemeClr>
+                </a:solidFill>
+              </a:defRPr>
             </a:lvl9pPr>
           </a:lstStyle>
           <a:p>
@@ -297,59 +826,9 @@
           </a:p>
         </p:txBody>
       </p:sp>
-      <p:cxnSp>
-        <p:nvCxnSpPr>
-          <p:cNvPr id="9" name="Straight Connector 8">
-            <a:extLst>
-              <a:ext uri="{FF2B5EF4-FFF2-40B4-BE49-F238E27FC236}">
-                <a16:creationId xmlns:a16="http://schemas.microsoft.com/office/drawing/2014/main" id="{1F5DC8C3-BA5F-4EED-BB9A-A14272BD82A1}"/>
-              </a:ext>
-            </a:extLst>
-          </p:cNvPr>
-          <p:cNvCxnSpPr/>
-          <p:nvPr/>
-        </p:nvCxnSpPr>
-        <p:spPr>
-          <a:xfrm>
-            <a:off x="1207658" y="4474741"/>
-            <a:ext cx="9875520" cy="0"/>
-          </a:xfrm>
-          <a:prstGeom prst="line">
-            <a:avLst/>
-          </a:prstGeom>
-          <a:ln w="12700">
-            <a:solidFill>
-              <a:schemeClr val="tx1">
-                <a:lumMod val="75000"/>
-                <a:lumOff val="25000"/>
-              </a:schemeClr>
-            </a:solidFill>
-          </a:ln>
-        </p:spPr>
-        <p:style>
-          <a:lnRef idx="1">
-            <a:schemeClr val="accent1"/>
-          </a:lnRef>
-          <a:fillRef idx="0">
-            <a:schemeClr val="accent1"/>
-          </a:fillRef>
-          <a:effectRef idx="0">
-            <a:schemeClr val="accent1"/>
-          </a:effectRef>
-          <a:fontRef idx="minor">
-            <a:schemeClr val="tx1"/>
-          </a:fontRef>
-        </p:style>
-      </p:cxnSp>
-      <p:sp>
-        <p:nvSpPr>
-          <p:cNvPr id="4" name="Date Placeholder 3">
-            <a:extLst>
-              <a:ext uri="{FF2B5EF4-FFF2-40B4-BE49-F238E27FC236}">
-                <a16:creationId xmlns:a16="http://schemas.microsoft.com/office/drawing/2014/main" id="{9925CCF1-92C0-4AF3-BFAF-4921631915AB}"/>
-              </a:ext>
-            </a:extLst>
-          </p:cNvPr>
+      <p:sp>
+        <p:nvSpPr>
+          <p:cNvPr id="4" name="Date Placeholder 3"/>
           <p:cNvSpPr>
             <a:spLocks noGrp="1"/>
           </p:cNvSpPr>
@@ -364,7 +843,7 @@
           <a:p>
             <a:fld id="{9184DA70-C731-4C70-880D-CCD4705E623C}" type="datetime1">
               <a:rPr lang="en-US" smtClean="0"/>
-              <a:t>3/18/2022</a:t>
+              <a:t>3/21/2022</a:t>
             </a:fld>
             <a:endParaRPr lang="en-US" dirty="0"/>
           </a:p>
@@ -372,13 +851,7 @@
       </p:sp>
       <p:sp>
         <p:nvSpPr>
-          <p:cNvPr id="5" name="Footer Placeholder 4">
-            <a:extLst>
-              <a:ext uri="{FF2B5EF4-FFF2-40B4-BE49-F238E27FC236}">
-                <a16:creationId xmlns:a16="http://schemas.microsoft.com/office/drawing/2014/main" id="{051A78A9-3DFF-4937-A9F2-5D8CF495F367}"/>
-              </a:ext>
-            </a:extLst>
-          </p:cNvPr>
+          <p:cNvPr id="5" name="Footer Placeholder 4"/>
           <p:cNvSpPr>
             <a:spLocks noGrp="1"/>
           </p:cNvSpPr>
@@ -397,13 +870,7 @@
       </p:sp>
       <p:sp>
         <p:nvSpPr>
-          <p:cNvPr id="6" name="Slide Number Placeholder 5">
-            <a:extLst>
-              <a:ext uri="{FF2B5EF4-FFF2-40B4-BE49-F238E27FC236}">
-                <a16:creationId xmlns:a16="http://schemas.microsoft.com/office/drawing/2014/main" id="{5FAEB271-5CC0-4759-BC6E-8BE53AB227C0}"/>
-              </a:ext>
-            </a:extLst>
-          </p:cNvPr>
+          <p:cNvPr id="6" name="Slide Number Placeholder 5"/>
           <p:cNvSpPr>
             <a:spLocks noGrp="1"/>
           </p:cNvSpPr>
@@ -427,13 +894,1983 @@
     </p:spTree>
     <p:extLst>
       <p:ext uri="{BB962C8B-B14F-4D97-AF65-F5344CB8AC3E}">
-        <p14:creationId xmlns:p14="http://schemas.microsoft.com/office/powerpoint/2010/main" val="1487293234"/>
+        <p14:creationId xmlns:p14="http://schemas.microsoft.com/office/powerpoint/2010/main" val="4117566210"/>
       </p:ext>
     </p:extLst>
   </p:cSld>
   <p:clrMapOvr>
     <a:masterClrMapping/>
   </p:clrMapOvr>
+</p:sldLayout>
+</file>
+
+<file path=ppt/slideLayouts/slideLayout10.xml><?xml version="1.0" encoding="utf-8"?>
+<p:sldLayout xmlns:a="http://schemas.openxmlformats.org/drawingml/2006/main" xmlns:r="http://schemas.openxmlformats.org/officeDocument/2006/relationships" xmlns:p="http://schemas.openxmlformats.org/presentationml/2006/main" preserve="1">
+  <p:cSld name="Title and Caption">
+    <p:spTree>
+      <p:nvGrpSpPr>
+        <p:cNvPr id="1" name=""/>
+        <p:cNvGrpSpPr/>
+        <p:nvPr/>
+      </p:nvGrpSpPr>
+      <p:grpSpPr>
+        <a:xfrm>
+          <a:off x="0" y="0"/>
+          <a:ext cx="0" cy="0"/>
+          <a:chOff x="0" y="0"/>
+          <a:chExt cx="0" cy="0"/>
+        </a:xfrm>
+      </p:grpSpPr>
+      <p:sp>
+        <p:nvSpPr>
+          <p:cNvPr id="2" name="Title 1"/>
+          <p:cNvSpPr>
+            <a:spLocks noGrp="1"/>
+          </p:cNvSpPr>
+          <p:nvPr>
+            <p:ph type="title"/>
+          </p:nvPr>
+        </p:nvSpPr>
+        <p:spPr>
+          <a:xfrm>
+            <a:off x="677335" y="609600"/>
+            <a:ext cx="8596668" cy="3403600"/>
+          </a:xfrm>
+        </p:spPr>
+        <p:txBody>
+          <a:bodyPr anchor="ctr">
+            <a:normAutofit/>
+          </a:bodyPr>
+          <a:lstStyle>
+            <a:lvl1pPr algn="l">
+              <a:defRPr sz="4400" b="0" cap="none"/>
+            </a:lvl1pPr>
+          </a:lstStyle>
+          <a:p>
+            <a:r>
+              <a:rPr lang="en-US"/>
+              <a:t>Click to edit Master title style</a:t>
+            </a:r>
+            <a:endParaRPr lang="en-US" dirty="0"/>
+          </a:p>
+        </p:txBody>
+      </p:sp>
+      <p:sp>
+        <p:nvSpPr>
+          <p:cNvPr id="3" name="Text Placeholder 2"/>
+          <p:cNvSpPr>
+            <a:spLocks noGrp="1"/>
+          </p:cNvSpPr>
+          <p:nvPr>
+            <p:ph type="body" idx="1"/>
+          </p:nvPr>
+        </p:nvSpPr>
+        <p:spPr>
+          <a:xfrm>
+            <a:off x="677335" y="4470400"/>
+            <a:ext cx="8596668" cy="1570962"/>
+          </a:xfrm>
+        </p:spPr>
+        <p:txBody>
+          <a:bodyPr anchor="ctr">
+            <a:normAutofit/>
+          </a:bodyPr>
+          <a:lstStyle>
+            <a:lvl1pPr marL="0" indent="0" algn="l">
+              <a:buNone/>
+              <a:defRPr sz="1800">
+                <a:solidFill>
+                  <a:schemeClr val="tx1">
+                    <a:lumMod val="75000"/>
+                    <a:lumOff val="25000"/>
+                  </a:schemeClr>
+                </a:solidFill>
+              </a:defRPr>
+            </a:lvl1pPr>
+            <a:lvl2pPr marL="457200" indent="0">
+              <a:buNone/>
+              <a:defRPr sz="1800">
+                <a:solidFill>
+                  <a:schemeClr val="tx1">
+                    <a:tint val="75000"/>
+                  </a:schemeClr>
+                </a:solidFill>
+              </a:defRPr>
+            </a:lvl2pPr>
+            <a:lvl3pPr marL="914400" indent="0">
+              <a:buNone/>
+              <a:defRPr sz="1600">
+                <a:solidFill>
+                  <a:schemeClr val="tx1">
+                    <a:tint val="75000"/>
+                  </a:schemeClr>
+                </a:solidFill>
+              </a:defRPr>
+            </a:lvl3pPr>
+            <a:lvl4pPr marL="1371600" indent="0">
+              <a:buNone/>
+              <a:defRPr sz="1400">
+                <a:solidFill>
+                  <a:schemeClr val="tx1">
+                    <a:tint val="75000"/>
+                  </a:schemeClr>
+                </a:solidFill>
+              </a:defRPr>
+            </a:lvl4pPr>
+            <a:lvl5pPr marL="1828800" indent="0">
+              <a:buNone/>
+              <a:defRPr sz="1400">
+                <a:solidFill>
+                  <a:schemeClr val="tx1">
+                    <a:tint val="75000"/>
+                  </a:schemeClr>
+                </a:solidFill>
+              </a:defRPr>
+            </a:lvl5pPr>
+            <a:lvl6pPr marL="2286000" indent="0">
+              <a:buNone/>
+              <a:defRPr sz="1400">
+                <a:solidFill>
+                  <a:schemeClr val="tx1">
+                    <a:tint val="75000"/>
+                  </a:schemeClr>
+                </a:solidFill>
+              </a:defRPr>
+            </a:lvl6pPr>
+            <a:lvl7pPr marL="2743200" indent="0">
+              <a:buNone/>
+              <a:defRPr sz="1400">
+                <a:solidFill>
+                  <a:schemeClr val="tx1">
+                    <a:tint val="75000"/>
+                  </a:schemeClr>
+                </a:solidFill>
+              </a:defRPr>
+            </a:lvl7pPr>
+            <a:lvl8pPr marL="3200400" indent="0">
+              <a:buNone/>
+              <a:defRPr sz="1400">
+                <a:solidFill>
+                  <a:schemeClr val="tx1">
+                    <a:tint val="75000"/>
+                  </a:schemeClr>
+                </a:solidFill>
+              </a:defRPr>
+            </a:lvl8pPr>
+            <a:lvl9pPr marL="3657600" indent="0">
+              <a:buNone/>
+              <a:defRPr sz="1400">
+                <a:solidFill>
+                  <a:schemeClr val="tx1">
+                    <a:tint val="75000"/>
+                  </a:schemeClr>
+                </a:solidFill>
+              </a:defRPr>
+            </a:lvl9pPr>
+          </a:lstStyle>
+          <a:p>
+            <a:pPr lvl="0"/>
+            <a:r>
+              <a:rPr lang="en-US"/>
+              <a:t>Click to edit Master text styles</a:t>
+            </a:r>
+          </a:p>
+        </p:txBody>
+      </p:sp>
+      <p:sp>
+        <p:nvSpPr>
+          <p:cNvPr id="4" name="Date Placeholder 3"/>
+          <p:cNvSpPr>
+            <a:spLocks noGrp="1"/>
+          </p:cNvSpPr>
+          <p:nvPr>
+            <p:ph type="dt" sz="half" idx="10"/>
+          </p:nvPr>
+        </p:nvSpPr>
+        <p:spPr/>
+        <p:txBody>
+          <a:bodyPr/>
+          <a:lstStyle/>
+          <a:p>
+            <a:fld id="{62D6E202-B606-4609-B914-27C9371A1F6D}" type="datetime1">
+              <a:rPr lang="en-US" smtClean="0"/>
+              <a:t>3/21/2022</a:t>
+            </a:fld>
+            <a:endParaRPr lang="en-US" dirty="0"/>
+          </a:p>
+        </p:txBody>
+      </p:sp>
+      <p:sp>
+        <p:nvSpPr>
+          <p:cNvPr id="5" name="Footer Placeholder 4"/>
+          <p:cNvSpPr>
+            <a:spLocks noGrp="1"/>
+          </p:cNvSpPr>
+          <p:nvPr>
+            <p:ph type="ftr" sz="quarter" idx="11"/>
+          </p:nvPr>
+        </p:nvSpPr>
+        <p:spPr/>
+        <p:txBody>
+          <a:bodyPr/>
+          <a:lstStyle/>
+          <a:p>
+            <a:endParaRPr lang="en-US" dirty="0"/>
+          </a:p>
+        </p:txBody>
+      </p:sp>
+      <p:sp>
+        <p:nvSpPr>
+          <p:cNvPr id="6" name="Slide Number Placeholder 5"/>
+          <p:cNvSpPr>
+            <a:spLocks noGrp="1"/>
+          </p:cNvSpPr>
+          <p:nvPr>
+            <p:ph type="sldNum" sz="quarter" idx="12"/>
+          </p:nvPr>
+        </p:nvSpPr>
+        <p:spPr/>
+        <p:txBody>
+          <a:bodyPr/>
+          <a:lstStyle/>
+          <a:p>
+            <a:fld id="{3A98EE3D-8CD1-4C3F-BD1C-C98C9596463C}" type="slidenum">
+              <a:rPr lang="en-US" smtClean="0"/>
+              <a:t>‹#›</a:t>
+            </a:fld>
+            <a:endParaRPr lang="en-US" dirty="0"/>
+          </a:p>
+        </p:txBody>
+      </p:sp>
+    </p:spTree>
+    <p:extLst>
+      <p:ext uri="{BB962C8B-B14F-4D97-AF65-F5344CB8AC3E}">
+        <p14:creationId xmlns:p14="http://schemas.microsoft.com/office/powerpoint/2010/main" val="3924816809"/>
+      </p:ext>
+    </p:extLst>
+  </p:cSld>
+  <p:clrMapOvr>
+    <a:masterClrMapping/>
+  </p:clrMapOvr>
+  <p:hf sldNum="0" hdr="0" ftr="0" dt="0"/>
+</p:sldLayout>
+</file>
+
+<file path=ppt/slideLayouts/slideLayout11.xml><?xml version="1.0" encoding="utf-8"?>
+<p:sldLayout xmlns:a="http://schemas.openxmlformats.org/drawingml/2006/main" xmlns:r="http://schemas.openxmlformats.org/officeDocument/2006/relationships" xmlns:p="http://schemas.openxmlformats.org/presentationml/2006/main" preserve="1">
+  <p:cSld name="Quote with Caption">
+    <p:spTree>
+      <p:nvGrpSpPr>
+        <p:cNvPr id="1" name=""/>
+        <p:cNvGrpSpPr/>
+        <p:nvPr/>
+      </p:nvGrpSpPr>
+      <p:grpSpPr>
+        <a:xfrm>
+          <a:off x="0" y="0"/>
+          <a:ext cx="0" cy="0"/>
+          <a:chOff x="0" y="0"/>
+          <a:chExt cx="0" cy="0"/>
+        </a:xfrm>
+      </p:grpSpPr>
+      <p:sp>
+        <p:nvSpPr>
+          <p:cNvPr id="2" name="Title 1"/>
+          <p:cNvSpPr>
+            <a:spLocks noGrp="1"/>
+          </p:cNvSpPr>
+          <p:nvPr>
+            <p:ph type="title"/>
+          </p:nvPr>
+        </p:nvSpPr>
+        <p:spPr>
+          <a:xfrm>
+            <a:off x="931334" y="609600"/>
+            <a:ext cx="8094134" cy="3022600"/>
+          </a:xfrm>
+        </p:spPr>
+        <p:txBody>
+          <a:bodyPr anchor="ctr">
+            <a:normAutofit/>
+          </a:bodyPr>
+          <a:lstStyle>
+            <a:lvl1pPr algn="l">
+              <a:defRPr sz="4400" b="0" cap="none"/>
+            </a:lvl1pPr>
+          </a:lstStyle>
+          <a:p>
+            <a:r>
+              <a:rPr lang="en-US"/>
+              <a:t>Click to edit Master title style</a:t>
+            </a:r>
+            <a:endParaRPr lang="en-US" dirty="0"/>
+          </a:p>
+        </p:txBody>
+      </p:sp>
+      <p:sp>
+        <p:nvSpPr>
+          <p:cNvPr id="23" name="Text Placeholder 9"/>
+          <p:cNvSpPr>
+            <a:spLocks noGrp="1"/>
+          </p:cNvSpPr>
+          <p:nvPr>
+            <p:ph type="body" sz="quarter" idx="13"/>
+          </p:nvPr>
+        </p:nvSpPr>
+        <p:spPr>
+          <a:xfrm>
+            <a:off x="1366139" y="3632200"/>
+            <a:ext cx="7224524" cy="381000"/>
+          </a:xfrm>
+        </p:spPr>
+        <p:txBody>
+          <a:bodyPr anchor="ctr">
+            <a:noAutofit/>
+          </a:bodyPr>
+          <a:lstStyle>
+            <a:lvl1pPr marL="0" indent="0">
+              <a:buFontTx/>
+              <a:buNone/>
+              <a:defRPr sz="1600">
+                <a:solidFill>
+                  <a:schemeClr val="tx1">
+                    <a:lumMod val="50000"/>
+                    <a:lumOff val="50000"/>
+                  </a:schemeClr>
+                </a:solidFill>
+              </a:defRPr>
+            </a:lvl1pPr>
+            <a:lvl2pPr marL="457200" indent="0">
+              <a:buFontTx/>
+              <a:buNone/>
+              <a:defRPr/>
+            </a:lvl2pPr>
+            <a:lvl3pPr marL="914400" indent="0">
+              <a:buFontTx/>
+              <a:buNone/>
+              <a:defRPr/>
+            </a:lvl3pPr>
+            <a:lvl4pPr marL="1371600" indent="0">
+              <a:buFontTx/>
+              <a:buNone/>
+              <a:defRPr/>
+            </a:lvl4pPr>
+            <a:lvl5pPr marL="1828800" indent="0">
+              <a:buFontTx/>
+              <a:buNone/>
+              <a:defRPr/>
+            </a:lvl5pPr>
+          </a:lstStyle>
+          <a:p>
+            <a:pPr lvl="0"/>
+            <a:r>
+              <a:rPr lang="en-US"/>
+              <a:t>Click to edit Master text styles</a:t>
+            </a:r>
+          </a:p>
+        </p:txBody>
+      </p:sp>
+      <p:sp>
+        <p:nvSpPr>
+          <p:cNvPr id="3" name="Text Placeholder 2"/>
+          <p:cNvSpPr>
+            <a:spLocks noGrp="1"/>
+          </p:cNvSpPr>
+          <p:nvPr>
+            <p:ph type="body" idx="1"/>
+          </p:nvPr>
+        </p:nvSpPr>
+        <p:spPr>
+          <a:xfrm>
+            <a:off x="677335" y="4470400"/>
+            <a:ext cx="8596668" cy="1570962"/>
+          </a:xfrm>
+        </p:spPr>
+        <p:txBody>
+          <a:bodyPr anchor="ctr">
+            <a:normAutofit/>
+          </a:bodyPr>
+          <a:lstStyle>
+            <a:lvl1pPr marL="0" indent="0" algn="l">
+              <a:buNone/>
+              <a:defRPr sz="1800">
+                <a:solidFill>
+                  <a:schemeClr val="tx1">
+                    <a:lumMod val="75000"/>
+                    <a:lumOff val="25000"/>
+                  </a:schemeClr>
+                </a:solidFill>
+              </a:defRPr>
+            </a:lvl1pPr>
+            <a:lvl2pPr marL="457200" indent="0">
+              <a:buNone/>
+              <a:defRPr sz="1800">
+                <a:solidFill>
+                  <a:schemeClr val="tx1">
+                    <a:tint val="75000"/>
+                  </a:schemeClr>
+                </a:solidFill>
+              </a:defRPr>
+            </a:lvl2pPr>
+            <a:lvl3pPr marL="914400" indent="0">
+              <a:buNone/>
+              <a:defRPr sz="1600">
+                <a:solidFill>
+                  <a:schemeClr val="tx1">
+                    <a:tint val="75000"/>
+                  </a:schemeClr>
+                </a:solidFill>
+              </a:defRPr>
+            </a:lvl3pPr>
+            <a:lvl4pPr marL="1371600" indent="0">
+              <a:buNone/>
+              <a:defRPr sz="1400">
+                <a:solidFill>
+                  <a:schemeClr val="tx1">
+                    <a:tint val="75000"/>
+                  </a:schemeClr>
+                </a:solidFill>
+              </a:defRPr>
+            </a:lvl4pPr>
+            <a:lvl5pPr marL="1828800" indent="0">
+              <a:buNone/>
+              <a:defRPr sz="1400">
+                <a:solidFill>
+                  <a:schemeClr val="tx1">
+                    <a:tint val="75000"/>
+                  </a:schemeClr>
+                </a:solidFill>
+              </a:defRPr>
+            </a:lvl5pPr>
+            <a:lvl6pPr marL="2286000" indent="0">
+              <a:buNone/>
+              <a:defRPr sz="1400">
+                <a:solidFill>
+                  <a:schemeClr val="tx1">
+                    <a:tint val="75000"/>
+                  </a:schemeClr>
+                </a:solidFill>
+              </a:defRPr>
+            </a:lvl6pPr>
+            <a:lvl7pPr marL="2743200" indent="0">
+              <a:buNone/>
+              <a:defRPr sz="1400">
+                <a:solidFill>
+                  <a:schemeClr val="tx1">
+                    <a:tint val="75000"/>
+                  </a:schemeClr>
+                </a:solidFill>
+              </a:defRPr>
+            </a:lvl7pPr>
+            <a:lvl8pPr marL="3200400" indent="0">
+              <a:buNone/>
+              <a:defRPr sz="1400">
+                <a:solidFill>
+                  <a:schemeClr val="tx1">
+                    <a:tint val="75000"/>
+                  </a:schemeClr>
+                </a:solidFill>
+              </a:defRPr>
+            </a:lvl8pPr>
+            <a:lvl9pPr marL="3657600" indent="0">
+              <a:buNone/>
+              <a:defRPr sz="1400">
+                <a:solidFill>
+                  <a:schemeClr val="tx1">
+                    <a:tint val="75000"/>
+                  </a:schemeClr>
+                </a:solidFill>
+              </a:defRPr>
+            </a:lvl9pPr>
+          </a:lstStyle>
+          <a:p>
+            <a:pPr lvl="0"/>
+            <a:r>
+              <a:rPr lang="en-US"/>
+              <a:t>Click to edit Master text styles</a:t>
+            </a:r>
+          </a:p>
+        </p:txBody>
+      </p:sp>
+      <p:sp>
+        <p:nvSpPr>
+          <p:cNvPr id="4" name="Date Placeholder 3"/>
+          <p:cNvSpPr>
+            <a:spLocks noGrp="1"/>
+          </p:cNvSpPr>
+          <p:nvPr>
+            <p:ph type="dt" sz="half" idx="10"/>
+          </p:nvPr>
+        </p:nvSpPr>
+        <p:spPr/>
+        <p:txBody>
+          <a:bodyPr/>
+          <a:lstStyle/>
+          <a:p>
+            <a:fld id="{62D6E202-B606-4609-B914-27C9371A1F6D}" type="datetime1">
+              <a:rPr lang="en-US" smtClean="0"/>
+              <a:t>3/21/2022</a:t>
+            </a:fld>
+            <a:endParaRPr lang="en-US" dirty="0"/>
+          </a:p>
+        </p:txBody>
+      </p:sp>
+      <p:sp>
+        <p:nvSpPr>
+          <p:cNvPr id="5" name="Footer Placeholder 4"/>
+          <p:cNvSpPr>
+            <a:spLocks noGrp="1"/>
+          </p:cNvSpPr>
+          <p:nvPr>
+            <p:ph type="ftr" sz="quarter" idx="11"/>
+          </p:nvPr>
+        </p:nvSpPr>
+        <p:spPr/>
+        <p:txBody>
+          <a:bodyPr/>
+          <a:lstStyle/>
+          <a:p>
+            <a:endParaRPr lang="en-US" dirty="0"/>
+          </a:p>
+        </p:txBody>
+      </p:sp>
+      <p:sp>
+        <p:nvSpPr>
+          <p:cNvPr id="6" name="Slide Number Placeholder 5"/>
+          <p:cNvSpPr>
+            <a:spLocks noGrp="1"/>
+          </p:cNvSpPr>
+          <p:nvPr>
+            <p:ph type="sldNum" sz="quarter" idx="12"/>
+          </p:nvPr>
+        </p:nvSpPr>
+        <p:spPr/>
+        <p:txBody>
+          <a:bodyPr/>
+          <a:lstStyle/>
+          <a:p>
+            <a:fld id="{3A98EE3D-8CD1-4C3F-BD1C-C98C9596463C}" type="slidenum">
+              <a:rPr lang="en-US" smtClean="0"/>
+              <a:t>‹#›</a:t>
+            </a:fld>
+            <a:endParaRPr lang="en-US" dirty="0"/>
+          </a:p>
+        </p:txBody>
+      </p:sp>
+      <p:sp>
+        <p:nvSpPr>
+          <p:cNvPr id="20" name="TextBox 19"/>
+          <p:cNvSpPr txBox="1"/>
+          <p:nvPr/>
+        </p:nvSpPr>
+        <p:spPr>
+          <a:xfrm>
+            <a:off x="541870" y="790378"/>
+            <a:ext cx="609600" cy="584776"/>
+          </a:xfrm>
+          <a:prstGeom prst="rect">
+            <a:avLst/>
+          </a:prstGeom>
+        </p:spPr>
+        <p:txBody>
+          <a:bodyPr vert="horz" lIns="91440" tIns="45720" rIns="91440" bIns="45720" rtlCol="0" anchor="ctr">
+            <a:noAutofit/>
+          </a:bodyPr>
+          <a:lstStyle/>
+          <a:p>
+            <a:pPr lvl="0"/>
+            <a:r>
+              <a:rPr lang="en-US" sz="8000" baseline="0" dirty="0">
+                <a:ln w="3175" cmpd="sng">
+                  <a:noFill/>
+                </a:ln>
+                <a:solidFill>
+                  <a:schemeClr val="accent1">
+                    <a:lumMod val="60000"/>
+                    <a:lumOff val="40000"/>
+                  </a:schemeClr>
+                </a:solidFill>
+                <a:effectLst/>
+                <a:latin typeface="Arial"/>
+              </a:rPr>
+              <a:t>“</a:t>
+            </a:r>
+          </a:p>
+        </p:txBody>
+      </p:sp>
+      <p:sp>
+        <p:nvSpPr>
+          <p:cNvPr id="22" name="TextBox 21"/>
+          <p:cNvSpPr txBox="1"/>
+          <p:nvPr/>
+        </p:nvSpPr>
+        <p:spPr>
+          <a:xfrm>
+            <a:off x="8893011" y="2886556"/>
+            <a:ext cx="609600" cy="584776"/>
+          </a:xfrm>
+          <a:prstGeom prst="rect">
+            <a:avLst/>
+          </a:prstGeom>
+        </p:spPr>
+        <p:txBody>
+          <a:bodyPr vert="horz" lIns="91440" tIns="45720" rIns="91440" bIns="45720" rtlCol="0" anchor="ctr">
+            <a:noAutofit/>
+          </a:bodyPr>
+          <a:lstStyle/>
+          <a:p>
+            <a:pPr lvl="0"/>
+            <a:r>
+              <a:rPr lang="en-US" sz="8000" baseline="0" dirty="0">
+                <a:ln w="3175" cmpd="sng">
+                  <a:noFill/>
+                </a:ln>
+                <a:solidFill>
+                  <a:schemeClr val="accent1">
+                    <a:lumMod val="60000"/>
+                    <a:lumOff val="40000"/>
+                  </a:schemeClr>
+                </a:solidFill>
+                <a:latin typeface="Arial"/>
+              </a:rPr>
+              <a:t>”</a:t>
+            </a:r>
+            <a:endParaRPr lang="en-US" dirty="0">
+              <a:solidFill>
+                <a:schemeClr val="accent1">
+                  <a:lumMod val="60000"/>
+                  <a:lumOff val="40000"/>
+                </a:schemeClr>
+              </a:solidFill>
+              <a:latin typeface="Arial"/>
+            </a:endParaRPr>
+          </a:p>
+        </p:txBody>
+      </p:sp>
+    </p:spTree>
+    <p:extLst>
+      <p:ext uri="{BB962C8B-B14F-4D97-AF65-F5344CB8AC3E}">
+        <p14:creationId xmlns:p14="http://schemas.microsoft.com/office/powerpoint/2010/main" val="2830225558"/>
+      </p:ext>
+    </p:extLst>
+  </p:cSld>
+  <p:clrMapOvr>
+    <a:masterClrMapping/>
+  </p:clrMapOvr>
+  <p:hf sldNum="0" hdr="0" ftr="0" dt="0"/>
+</p:sldLayout>
+</file>
+
+<file path=ppt/slideLayouts/slideLayout12.xml><?xml version="1.0" encoding="utf-8"?>
+<p:sldLayout xmlns:a="http://schemas.openxmlformats.org/drawingml/2006/main" xmlns:r="http://schemas.openxmlformats.org/officeDocument/2006/relationships" xmlns:p="http://schemas.openxmlformats.org/presentationml/2006/main" preserve="1">
+  <p:cSld name="Name Card">
+    <p:spTree>
+      <p:nvGrpSpPr>
+        <p:cNvPr id="1" name=""/>
+        <p:cNvGrpSpPr/>
+        <p:nvPr/>
+      </p:nvGrpSpPr>
+      <p:grpSpPr>
+        <a:xfrm>
+          <a:off x="0" y="0"/>
+          <a:ext cx="0" cy="0"/>
+          <a:chOff x="0" y="0"/>
+          <a:chExt cx="0" cy="0"/>
+        </a:xfrm>
+      </p:grpSpPr>
+      <p:sp>
+        <p:nvSpPr>
+          <p:cNvPr id="2" name="Title 1"/>
+          <p:cNvSpPr>
+            <a:spLocks noGrp="1"/>
+          </p:cNvSpPr>
+          <p:nvPr>
+            <p:ph type="title"/>
+          </p:nvPr>
+        </p:nvSpPr>
+        <p:spPr>
+          <a:xfrm>
+            <a:off x="677335" y="1931988"/>
+            <a:ext cx="8596668" cy="2595460"/>
+          </a:xfrm>
+        </p:spPr>
+        <p:txBody>
+          <a:bodyPr anchor="b">
+            <a:normAutofit/>
+          </a:bodyPr>
+          <a:lstStyle>
+            <a:lvl1pPr algn="l">
+              <a:defRPr sz="4400" b="0" cap="none"/>
+            </a:lvl1pPr>
+          </a:lstStyle>
+          <a:p>
+            <a:r>
+              <a:rPr lang="en-US"/>
+              <a:t>Click to edit Master title style</a:t>
+            </a:r>
+            <a:endParaRPr lang="en-US" dirty="0"/>
+          </a:p>
+        </p:txBody>
+      </p:sp>
+      <p:sp>
+        <p:nvSpPr>
+          <p:cNvPr id="3" name="Text Placeholder 2"/>
+          <p:cNvSpPr>
+            <a:spLocks noGrp="1"/>
+          </p:cNvSpPr>
+          <p:nvPr>
+            <p:ph type="body" idx="1"/>
+          </p:nvPr>
+        </p:nvSpPr>
+        <p:spPr>
+          <a:xfrm>
+            <a:off x="677335" y="4527448"/>
+            <a:ext cx="8596668" cy="1513914"/>
+          </a:xfrm>
+        </p:spPr>
+        <p:txBody>
+          <a:bodyPr anchor="t">
+            <a:normAutofit/>
+          </a:bodyPr>
+          <a:lstStyle>
+            <a:lvl1pPr marL="0" indent="0" algn="l">
+              <a:buNone/>
+              <a:defRPr sz="1800">
+                <a:solidFill>
+                  <a:schemeClr val="tx1">
+                    <a:lumMod val="75000"/>
+                    <a:lumOff val="25000"/>
+                  </a:schemeClr>
+                </a:solidFill>
+              </a:defRPr>
+            </a:lvl1pPr>
+            <a:lvl2pPr marL="457200" indent="0">
+              <a:buNone/>
+              <a:defRPr sz="1800">
+                <a:solidFill>
+                  <a:schemeClr val="tx1">
+                    <a:tint val="75000"/>
+                  </a:schemeClr>
+                </a:solidFill>
+              </a:defRPr>
+            </a:lvl2pPr>
+            <a:lvl3pPr marL="914400" indent="0">
+              <a:buNone/>
+              <a:defRPr sz="1600">
+                <a:solidFill>
+                  <a:schemeClr val="tx1">
+                    <a:tint val="75000"/>
+                  </a:schemeClr>
+                </a:solidFill>
+              </a:defRPr>
+            </a:lvl3pPr>
+            <a:lvl4pPr marL="1371600" indent="0">
+              <a:buNone/>
+              <a:defRPr sz="1400">
+                <a:solidFill>
+                  <a:schemeClr val="tx1">
+                    <a:tint val="75000"/>
+                  </a:schemeClr>
+                </a:solidFill>
+              </a:defRPr>
+            </a:lvl4pPr>
+            <a:lvl5pPr marL="1828800" indent="0">
+              <a:buNone/>
+              <a:defRPr sz="1400">
+                <a:solidFill>
+                  <a:schemeClr val="tx1">
+                    <a:tint val="75000"/>
+                  </a:schemeClr>
+                </a:solidFill>
+              </a:defRPr>
+            </a:lvl5pPr>
+            <a:lvl6pPr marL="2286000" indent="0">
+              <a:buNone/>
+              <a:defRPr sz="1400">
+                <a:solidFill>
+                  <a:schemeClr val="tx1">
+                    <a:tint val="75000"/>
+                  </a:schemeClr>
+                </a:solidFill>
+              </a:defRPr>
+            </a:lvl6pPr>
+            <a:lvl7pPr marL="2743200" indent="0">
+              <a:buNone/>
+              <a:defRPr sz="1400">
+                <a:solidFill>
+                  <a:schemeClr val="tx1">
+                    <a:tint val="75000"/>
+                  </a:schemeClr>
+                </a:solidFill>
+              </a:defRPr>
+            </a:lvl7pPr>
+            <a:lvl8pPr marL="3200400" indent="0">
+              <a:buNone/>
+              <a:defRPr sz="1400">
+                <a:solidFill>
+                  <a:schemeClr val="tx1">
+                    <a:tint val="75000"/>
+                  </a:schemeClr>
+                </a:solidFill>
+              </a:defRPr>
+            </a:lvl8pPr>
+            <a:lvl9pPr marL="3657600" indent="0">
+              <a:buNone/>
+              <a:defRPr sz="1400">
+                <a:solidFill>
+                  <a:schemeClr val="tx1">
+                    <a:tint val="75000"/>
+                  </a:schemeClr>
+                </a:solidFill>
+              </a:defRPr>
+            </a:lvl9pPr>
+          </a:lstStyle>
+          <a:p>
+            <a:pPr lvl="0"/>
+            <a:r>
+              <a:rPr lang="en-US"/>
+              <a:t>Click to edit Master text styles</a:t>
+            </a:r>
+          </a:p>
+        </p:txBody>
+      </p:sp>
+      <p:sp>
+        <p:nvSpPr>
+          <p:cNvPr id="4" name="Date Placeholder 3"/>
+          <p:cNvSpPr>
+            <a:spLocks noGrp="1"/>
+          </p:cNvSpPr>
+          <p:nvPr>
+            <p:ph type="dt" sz="half" idx="10"/>
+          </p:nvPr>
+        </p:nvSpPr>
+        <p:spPr/>
+        <p:txBody>
+          <a:bodyPr/>
+          <a:lstStyle/>
+          <a:p>
+            <a:fld id="{62D6E202-B606-4609-B914-27C9371A1F6D}" type="datetime1">
+              <a:rPr lang="en-US" smtClean="0"/>
+              <a:t>3/21/2022</a:t>
+            </a:fld>
+            <a:endParaRPr lang="en-US" dirty="0"/>
+          </a:p>
+        </p:txBody>
+      </p:sp>
+      <p:sp>
+        <p:nvSpPr>
+          <p:cNvPr id="5" name="Footer Placeholder 4"/>
+          <p:cNvSpPr>
+            <a:spLocks noGrp="1"/>
+          </p:cNvSpPr>
+          <p:nvPr>
+            <p:ph type="ftr" sz="quarter" idx="11"/>
+          </p:nvPr>
+        </p:nvSpPr>
+        <p:spPr/>
+        <p:txBody>
+          <a:bodyPr/>
+          <a:lstStyle/>
+          <a:p>
+            <a:endParaRPr lang="en-US" dirty="0"/>
+          </a:p>
+        </p:txBody>
+      </p:sp>
+      <p:sp>
+        <p:nvSpPr>
+          <p:cNvPr id="6" name="Slide Number Placeholder 5"/>
+          <p:cNvSpPr>
+            <a:spLocks noGrp="1"/>
+          </p:cNvSpPr>
+          <p:nvPr>
+            <p:ph type="sldNum" sz="quarter" idx="12"/>
+          </p:nvPr>
+        </p:nvSpPr>
+        <p:spPr/>
+        <p:txBody>
+          <a:bodyPr/>
+          <a:lstStyle/>
+          <a:p>
+            <a:fld id="{3A98EE3D-8CD1-4C3F-BD1C-C98C9596463C}" type="slidenum">
+              <a:rPr lang="en-US" smtClean="0"/>
+              <a:t>‹#›</a:t>
+            </a:fld>
+            <a:endParaRPr lang="en-US" dirty="0"/>
+          </a:p>
+        </p:txBody>
+      </p:sp>
+    </p:spTree>
+    <p:extLst>
+      <p:ext uri="{BB962C8B-B14F-4D97-AF65-F5344CB8AC3E}">
+        <p14:creationId xmlns:p14="http://schemas.microsoft.com/office/powerpoint/2010/main" val="3736389215"/>
+      </p:ext>
+    </p:extLst>
+  </p:cSld>
+  <p:clrMapOvr>
+    <a:masterClrMapping/>
+  </p:clrMapOvr>
+  <p:hf sldNum="0" hdr="0" ftr="0" dt="0"/>
+</p:sldLayout>
+</file>
+
+<file path=ppt/slideLayouts/slideLayout13.xml><?xml version="1.0" encoding="utf-8"?>
+<p:sldLayout xmlns:a="http://schemas.openxmlformats.org/drawingml/2006/main" xmlns:r="http://schemas.openxmlformats.org/officeDocument/2006/relationships" xmlns:p="http://schemas.openxmlformats.org/presentationml/2006/main" preserve="1">
+  <p:cSld name="Quote Name Card">
+    <p:spTree>
+      <p:nvGrpSpPr>
+        <p:cNvPr id="1" name=""/>
+        <p:cNvGrpSpPr/>
+        <p:nvPr/>
+      </p:nvGrpSpPr>
+      <p:grpSpPr>
+        <a:xfrm>
+          <a:off x="0" y="0"/>
+          <a:ext cx="0" cy="0"/>
+          <a:chOff x="0" y="0"/>
+          <a:chExt cx="0" cy="0"/>
+        </a:xfrm>
+      </p:grpSpPr>
+      <p:sp>
+        <p:nvSpPr>
+          <p:cNvPr id="2" name="Title 1"/>
+          <p:cNvSpPr>
+            <a:spLocks noGrp="1"/>
+          </p:cNvSpPr>
+          <p:nvPr>
+            <p:ph type="title"/>
+          </p:nvPr>
+        </p:nvSpPr>
+        <p:spPr>
+          <a:xfrm>
+            <a:off x="931334" y="609600"/>
+            <a:ext cx="8094134" cy="3022600"/>
+          </a:xfrm>
+        </p:spPr>
+        <p:txBody>
+          <a:bodyPr anchor="ctr">
+            <a:normAutofit/>
+          </a:bodyPr>
+          <a:lstStyle>
+            <a:lvl1pPr algn="l">
+              <a:defRPr sz="4400" b="0" cap="none"/>
+            </a:lvl1pPr>
+          </a:lstStyle>
+          <a:p>
+            <a:r>
+              <a:rPr lang="en-US"/>
+              <a:t>Click to edit Master title style</a:t>
+            </a:r>
+            <a:endParaRPr lang="en-US" dirty="0"/>
+          </a:p>
+        </p:txBody>
+      </p:sp>
+      <p:sp>
+        <p:nvSpPr>
+          <p:cNvPr id="23" name="Text Placeholder 9"/>
+          <p:cNvSpPr>
+            <a:spLocks noGrp="1"/>
+          </p:cNvSpPr>
+          <p:nvPr>
+            <p:ph type="body" sz="quarter" idx="13"/>
+          </p:nvPr>
+        </p:nvSpPr>
+        <p:spPr>
+          <a:xfrm>
+            <a:off x="677332" y="4013200"/>
+            <a:ext cx="8596669" cy="514248"/>
+          </a:xfrm>
+        </p:spPr>
+        <p:txBody>
+          <a:bodyPr anchor="b">
+            <a:noAutofit/>
+          </a:bodyPr>
+          <a:lstStyle>
+            <a:lvl1pPr marL="0" indent="0">
+              <a:buFontTx/>
+              <a:buNone/>
+              <a:defRPr sz="2400">
+                <a:solidFill>
+                  <a:schemeClr val="tx1">
+                    <a:lumMod val="75000"/>
+                    <a:lumOff val="25000"/>
+                  </a:schemeClr>
+                </a:solidFill>
+              </a:defRPr>
+            </a:lvl1pPr>
+            <a:lvl2pPr marL="457200" indent="0">
+              <a:buFontTx/>
+              <a:buNone/>
+              <a:defRPr/>
+            </a:lvl2pPr>
+            <a:lvl3pPr marL="914400" indent="0">
+              <a:buFontTx/>
+              <a:buNone/>
+              <a:defRPr/>
+            </a:lvl3pPr>
+            <a:lvl4pPr marL="1371600" indent="0">
+              <a:buFontTx/>
+              <a:buNone/>
+              <a:defRPr/>
+            </a:lvl4pPr>
+            <a:lvl5pPr marL="1828800" indent="0">
+              <a:buFontTx/>
+              <a:buNone/>
+              <a:defRPr/>
+            </a:lvl5pPr>
+          </a:lstStyle>
+          <a:p>
+            <a:pPr lvl="0"/>
+            <a:r>
+              <a:rPr lang="en-US"/>
+              <a:t>Click to edit Master text styles</a:t>
+            </a:r>
+          </a:p>
+        </p:txBody>
+      </p:sp>
+      <p:sp>
+        <p:nvSpPr>
+          <p:cNvPr id="3" name="Text Placeholder 2"/>
+          <p:cNvSpPr>
+            <a:spLocks noGrp="1"/>
+          </p:cNvSpPr>
+          <p:nvPr>
+            <p:ph type="body" idx="1"/>
+          </p:nvPr>
+        </p:nvSpPr>
+        <p:spPr>
+          <a:xfrm>
+            <a:off x="677335" y="4527448"/>
+            <a:ext cx="8596668" cy="1513914"/>
+          </a:xfrm>
+        </p:spPr>
+        <p:txBody>
+          <a:bodyPr anchor="t">
+            <a:normAutofit/>
+          </a:bodyPr>
+          <a:lstStyle>
+            <a:lvl1pPr marL="0" indent="0" algn="l">
+              <a:buNone/>
+              <a:defRPr sz="1800">
+                <a:solidFill>
+                  <a:schemeClr val="tx1">
+                    <a:lumMod val="50000"/>
+                    <a:lumOff val="50000"/>
+                  </a:schemeClr>
+                </a:solidFill>
+              </a:defRPr>
+            </a:lvl1pPr>
+            <a:lvl2pPr marL="457200" indent="0">
+              <a:buNone/>
+              <a:defRPr sz="1800">
+                <a:solidFill>
+                  <a:schemeClr val="tx1">
+                    <a:tint val="75000"/>
+                  </a:schemeClr>
+                </a:solidFill>
+              </a:defRPr>
+            </a:lvl2pPr>
+            <a:lvl3pPr marL="914400" indent="0">
+              <a:buNone/>
+              <a:defRPr sz="1600">
+                <a:solidFill>
+                  <a:schemeClr val="tx1">
+                    <a:tint val="75000"/>
+                  </a:schemeClr>
+                </a:solidFill>
+              </a:defRPr>
+            </a:lvl3pPr>
+            <a:lvl4pPr marL="1371600" indent="0">
+              <a:buNone/>
+              <a:defRPr sz="1400">
+                <a:solidFill>
+                  <a:schemeClr val="tx1">
+                    <a:tint val="75000"/>
+                  </a:schemeClr>
+                </a:solidFill>
+              </a:defRPr>
+            </a:lvl4pPr>
+            <a:lvl5pPr marL="1828800" indent="0">
+              <a:buNone/>
+              <a:defRPr sz="1400">
+                <a:solidFill>
+                  <a:schemeClr val="tx1">
+                    <a:tint val="75000"/>
+                  </a:schemeClr>
+                </a:solidFill>
+              </a:defRPr>
+            </a:lvl5pPr>
+            <a:lvl6pPr marL="2286000" indent="0">
+              <a:buNone/>
+              <a:defRPr sz="1400">
+                <a:solidFill>
+                  <a:schemeClr val="tx1">
+                    <a:tint val="75000"/>
+                  </a:schemeClr>
+                </a:solidFill>
+              </a:defRPr>
+            </a:lvl6pPr>
+            <a:lvl7pPr marL="2743200" indent="0">
+              <a:buNone/>
+              <a:defRPr sz="1400">
+                <a:solidFill>
+                  <a:schemeClr val="tx1">
+                    <a:tint val="75000"/>
+                  </a:schemeClr>
+                </a:solidFill>
+              </a:defRPr>
+            </a:lvl7pPr>
+            <a:lvl8pPr marL="3200400" indent="0">
+              <a:buNone/>
+              <a:defRPr sz="1400">
+                <a:solidFill>
+                  <a:schemeClr val="tx1">
+                    <a:tint val="75000"/>
+                  </a:schemeClr>
+                </a:solidFill>
+              </a:defRPr>
+            </a:lvl8pPr>
+            <a:lvl9pPr marL="3657600" indent="0">
+              <a:buNone/>
+              <a:defRPr sz="1400">
+                <a:solidFill>
+                  <a:schemeClr val="tx1">
+                    <a:tint val="75000"/>
+                  </a:schemeClr>
+                </a:solidFill>
+              </a:defRPr>
+            </a:lvl9pPr>
+          </a:lstStyle>
+          <a:p>
+            <a:pPr lvl="0"/>
+            <a:r>
+              <a:rPr lang="en-US"/>
+              <a:t>Click to edit Master text styles</a:t>
+            </a:r>
+          </a:p>
+        </p:txBody>
+      </p:sp>
+      <p:sp>
+        <p:nvSpPr>
+          <p:cNvPr id="4" name="Date Placeholder 3"/>
+          <p:cNvSpPr>
+            <a:spLocks noGrp="1"/>
+          </p:cNvSpPr>
+          <p:nvPr>
+            <p:ph type="dt" sz="half" idx="10"/>
+          </p:nvPr>
+        </p:nvSpPr>
+        <p:spPr/>
+        <p:txBody>
+          <a:bodyPr/>
+          <a:lstStyle/>
+          <a:p>
+            <a:fld id="{62D6E202-B606-4609-B914-27C9371A1F6D}" type="datetime1">
+              <a:rPr lang="en-US" smtClean="0"/>
+              <a:t>3/21/2022</a:t>
+            </a:fld>
+            <a:endParaRPr lang="en-US" dirty="0"/>
+          </a:p>
+        </p:txBody>
+      </p:sp>
+      <p:sp>
+        <p:nvSpPr>
+          <p:cNvPr id="5" name="Footer Placeholder 4"/>
+          <p:cNvSpPr>
+            <a:spLocks noGrp="1"/>
+          </p:cNvSpPr>
+          <p:nvPr>
+            <p:ph type="ftr" sz="quarter" idx="11"/>
+          </p:nvPr>
+        </p:nvSpPr>
+        <p:spPr/>
+        <p:txBody>
+          <a:bodyPr/>
+          <a:lstStyle/>
+          <a:p>
+            <a:endParaRPr lang="en-US" dirty="0"/>
+          </a:p>
+        </p:txBody>
+      </p:sp>
+      <p:sp>
+        <p:nvSpPr>
+          <p:cNvPr id="6" name="Slide Number Placeholder 5"/>
+          <p:cNvSpPr>
+            <a:spLocks noGrp="1"/>
+          </p:cNvSpPr>
+          <p:nvPr>
+            <p:ph type="sldNum" sz="quarter" idx="12"/>
+          </p:nvPr>
+        </p:nvSpPr>
+        <p:spPr/>
+        <p:txBody>
+          <a:bodyPr/>
+          <a:lstStyle/>
+          <a:p>
+            <a:fld id="{3A98EE3D-8CD1-4C3F-BD1C-C98C9596463C}" type="slidenum">
+              <a:rPr lang="en-US" smtClean="0"/>
+              <a:t>‹#›</a:t>
+            </a:fld>
+            <a:endParaRPr lang="en-US" dirty="0"/>
+          </a:p>
+        </p:txBody>
+      </p:sp>
+      <p:sp>
+        <p:nvSpPr>
+          <p:cNvPr id="24" name="TextBox 23"/>
+          <p:cNvSpPr txBox="1"/>
+          <p:nvPr/>
+        </p:nvSpPr>
+        <p:spPr>
+          <a:xfrm>
+            <a:off x="541870" y="790378"/>
+            <a:ext cx="609600" cy="584776"/>
+          </a:xfrm>
+          <a:prstGeom prst="rect">
+            <a:avLst/>
+          </a:prstGeom>
+        </p:spPr>
+        <p:txBody>
+          <a:bodyPr vert="horz" lIns="91440" tIns="45720" rIns="91440" bIns="45720" rtlCol="0" anchor="ctr">
+            <a:noAutofit/>
+          </a:bodyPr>
+          <a:lstStyle/>
+          <a:p>
+            <a:pPr lvl="0"/>
+            <a:r>
+              <a:rPr lang="en-US" sz="8000" baseline="0" dirty="0">
+                <a:ln w="3175" cmpd="sng">
+                  <a:noFill/>
+                </a:ln>
+                <a:solidFill>
+                  <a:schemeClr val="accent1">
+                    <a:lumMod val="60000"/>
+                    <a:lumOff val="40000"/>
+                  </a:schemeClr>
+                </a:solidFill>
+                <a:effectLst/>
+                <a:latin typeface="Arial"/>
+              </a:rPr>
+              <a:t>“</a:t>
+            </a:r>
+          </a:p>
+        </p:txBody>
+      </p:sp>
+      <p:sp>
+        <p:nvSpPr>
+          <p:cNvPr id="25" name="TextBox 24"/>
+          <p:cNvSpPr txBox="1"/>
+          <p:nvPr/>
+        </p:nvSpPr>
+        <p:spPr>
+          <a:xfrm>
+            <a:off x="8893011" y="2886556"/>
+            <a:ext cx="609600" cy="584776"/>
+          </a:xfrm>
+          <a:prstGeom prst="rect">
+            <a:avLst/>
+          </a:prstGeom>
+        </p:spPr>
+        <p:txBody>
+          <a:bodyPr vert="horz" lIns="91440" tIns="45720" rIns="91440" bIns="45720" rtlCol="0" anchor="ctr">
+            <a:noAutofit/>
+          </a:bodyPr>
+          <a:lstStyle/>
+          <a:p>
+            <a:pPr lvl="0"/>
+            <a:r>
+              <a:rPr lang="en-US" sz="8000" baseline="0" dirty="0">
+                <a:ln w="3175" cmpd="sng">
+                  <a:noFill/>
+                </a:ln>
+                <a:solidFill>
+                  <a:schemeClr val="accent1">
+                    <a:lumMod val="60000"/>
+                    <a:lumOff val="40000"/>
+                  </a:schemeClr>
+                </a:solidFill>
+                <a:effectLst/>
+                <a:latin typeface="Arial"/>
+              </a:rPr>
+              <a:t>”</a:t>
+            </a:r>
+          </a:p>
+        </p:txBody>
+      </p:sp>
+    </p:spTree>
+    <p:extLst>
+      <p:ext uri="{BB962C8B-B14F-4D97-AF65-F5344CB8AC3E}">
+        <p14:creationId xmlns:p14="http://schemas.microsoft.com/office/powerpoint/2010/main" val="1856965149"/>
+      </p:ext>
+    </p:extLst>
+  </p:cSld>
+  <p:clrMapOvr>
+    <a:masterClrMapping/>
+  </p:clrMapOvr>
+  <p:hf sldNum="0" hdr="0" ftr="0" dt="0"/>
+</p:sldLayout>
+</file>
+
+<file path=ppt/slideLayouts/slideLayout14.xml><?xml version="1.0" encoding="utf-8"?>
+<p:sldLayout xmlns:a="http://schemas.openxmlformats.org/drawingml/2006/main" xmlns:r="http://schemas.openxmlformats.org/officeDocument/2006/relationships" xmlns:p="http://schemas.openxmlformats.org/presentationml/2006/main" preserve="1">
+  <p:cSld name="True or False">
+    <p:spTree>
+      <p:nvGrpSpPr>
+        <p:cNvPr id="1" name=""/>
+        <p:cNvGrpSpPr/>
+        <p:nvPr/>
+      </p:nvGrpSpPr>
+      <p:grpSpPr>
+        <a:xfrm>
+          <a:off x="0" y="0"/>
+          <a:ext cx="0" cy="0"/>
+          <a:chOff x="0" y="0"/>
+          <a:chExt cx="0" cy="0"/>
+        </a:xfrm>
+      </p:grpSpPr>
+      <p:sp>
+        <p:nvSpPr>
+          <p:cNvPr id="2" name="Title 1"/>
+          <p:cNvSpPr>
+            <a:spLocks noGrp="1"/>
+          </p:cNvSpPr>
+          <p:nvPr>
+            <p:ph type="title"/>
+          </p:nvPr>
+        </p:nvSpPr>
+        <p:spPr>
+          <a:xfrm>
+            <a:off x="685799" y="609600"/>
+            <a:ext cx="8588203" cy="3022600"/>
+          </a:xfrm>
+        </p:spPr>
+        <p:txBody>
+          <a:bodyPr anchor="ctr">
+            <a:normAutofit/>
+          </a:bodyPr>
+          <a:lstStyle>
+            <a:lvl1pPr algn="l">
+              <a:defRPr sz="4400" b="0" cap="none"/>
+            </a:lvl1pPr>
+          </a:lstStyle>
+          <a:p>
+            <a:r>
+              <a:rPr lang="en-US"/>
+              <a:t>Click to edit Master title style</a:t>
+            </a:r>
+            <a:endParaRPr lang="en-US" dirty="0"/>
+          </a:p>
+        </p:txBody>
+      </p:sp>
+      <p:sp>
+        <p:nvSpPr>
+          <p:cNvPr id="23" name="Text Placeholder 9"/>
+          <p:cNvSpPr>
+            <a:spLocks noGrp="1"/>
+          </p:cNvSpPr>
+          <p:nvPr>
+            <p:ph type="body" sz="quarter" idx="13"/>
+          </p:nvPr>
+        </p:nvSpPr>
+        <p:spPr>
+          <a:xfrm>
+            <a:off x="677332" y="4013200"/>
+            <a:ext cx="8596669" cy="514248"/>
+          </a:xfrm>
+        </p:spPr>
+        <p:txBody>
+          <a:bodyPr anchor="b">
+            <a:noAutofit/>
+          </a:bodyPr>
+          <a:lstStyle>
+            <a:lvl1pPr marL="0" indent="0">
+              <a:buFontTx/>
+              <a:buNone/>
+              <a:defRPr sz="2400">
+                <a:solidFill>
+                  <a:schemeClr val="accent1"/>
+                </a:solidFill>
+              </a:defRPr>
+            </a:lvl1pPr>
+            <a:lvl2pPr marL="457200" indent="0">
+              <a:buFontTx/>
+              <a:buNone/>
+              <a:defRPr/>
+            </a:lvl2pPr>
+            <a:lvl3pPr marL="914400" indent="0">
+              <a:buFontTx/>
+              <a:buNone/>
+              <a:defRPr/>
+            </a:lvl3pPr>
+            <a:lvl4pPr marL="1371600" indent="0">
+              <a:buFontTx/>
+              <a:buNone/>
+              <a:defRPr/>
+            </a:lvl4pPr>
+            <a:lvl5pPr marL="1828800" indent="0">
+              <a:buFontTx/>
+              <a:buNone/>
+              <a:defRPr/>
+            </a:lvl5pPr>
+          </a:lstStyle>
+          <a:p>
+            <a:pPr lvl="0"/>
+            <a:r>
+              <a:rPr lang="en-US"/>
+              <a:t>Click to edit Master text styles</a:t>
+            </a:r>
+          </a:p>
+        </p:txBody>
+      </p:sp>
+      <p:sp>
+        <p:nvSpPr>
+          <p:cNvPr id="3" name="Text Placeholder 2"/>
+          <p:cNvSpPr>
+            <a:spLocks noGrp="1"/>
+          </p:cNvSpPr>
+          <p:nvPr>
+            <p:ph type="body" idx="1"/>
+          </p:nvPr>
+        </p:nvSpPr>
+        <p:spPr>
+          <a:xfrm>
+            <a:off x="677335" y="4527448"/>
+            <a:ext cx="8596668" cy="1513914"/>
+          </a:xfrm>
+        </p:spPr>
+        <p:txBody>
+          <a:bodyPr anchor="t">
+            <a:normAutofit/>
+          </a:bodyPr>
+          <a:lstStyle>
+            <a:lvl1pPr marL="0" indent="0" algn="l">
+              <a:buNone/>
+              <a:defRPr sz="1800">
+                <a:solidFill>
+                  <a:schemeClr val="tx1">
+                    <a:lumMod val="50000"/>
+                    <a:lumOff val="50000"/>
+                  </a:schemeClr>
+                </a:solidFill>
+              </a:defRPr>
+            </a:lvl1pPr>
+            <a:lvl2pPr marL="457200" indent="0">
+              <a:buNone/>
+              <a:defRPr sz="1800">
+                <a:solidFill>
+                  <a:schemeClr val="tx1">
+                    <a:tint val="75000"/>
+                  </a:schemeClr>
+                </a:solidFill>
+              </a:defRPr>
+            </a:lvl2pPr>
+            <a:lvl3pPr marL="914400" indent="0">
+              <a:buNone/>
+              <a:defRPr sz="1600">
+                <a:solidFill>
+                  <a:schemeClr val="tx1">
+                    <a:tint val="75000"/>
+                  </a:schemeClr>
+                </a:solidFill>
+              </a:defRPr>
+            </a:lvl3pPr>
+            <a:lvl4pPr marL="1371600" indent="0">
+              <a:buNone/>
+              <a:defRPr sz="1400">
+                <a:solidFill>
+                  <a:schemeClr val="tx1">
+                    <a:tint val="75000"/>
+                  </a:schemeClr>
+                </a:solidFill>
+              </a:defRPr>
+            </a:lvl4pPr>
+            <a:lvl5pPr marL="1828800" indent="0">
+              <a:buNone/>
+              <a:defRPr sz="1400">
+                <a:solidFill>
+                  <a:schemeClr val="tx1">
+                    <a:tint val="75000"/>
+                  </a:schemeClr>
+                </a:solidFill>
+              </a:defRPr>
+            </a:lvl5pPr>
+            <a:lvl6pPr marL="2286000" indent="0">
+              <a:buNone/>
+              <a:defRPr sz="1400">
+                <a:solidFill>
+                  <a:schemeClr val="tx1">
+                    <a:tint val="75000"/>
+                  </a:schemeClr>
+                </a:solidFill>
+              </a:defRPr>
+            </a:lvl6pPr>
+            <a:lvl7pPr marL="2743200" indent="0">
+              <a:buNone/>
+              <a:defRPr sz="1400">
+                <a:solidFill>
+                  <a:schemeClr val="tx1">
+                    <a:tint val="75000"/>
+                  </a:schemeClr>
+                </a:solidFill>
+              </a:defRPr>
+            </a:lvl7pPr>
+            <a:lvl8pPr marL="3200400" indent="0">
+              <a:buNone/>
+              <a:defRPr sz="1400">
+                <a:solidFill>
+                  <a:schemeClr val="tx1">
+                    <a:tint val="75000"/>
+                  </a:schemeClr>
+                </a:solidFill>
+              </a:defRPr>
+            </a:lvl8pPr>
+            <a:lvl9pPr marL="3657600" indent="0">
+              <a:buNone/>
+              <a:defRPr sz="1400">
+                <a:solidFill>
+                  <a:schemeClr val="tx1">
+                    <a:tint val="75000"/>
+                  </a:schemeClr>
+                </a:solidFill>
+              </a:defRPr>
+            </a:lvl9pPr>
+          </a:lstStyle>
+          <a:p>
+            <a:pPr lvl="0"/>
+            <a:r>
+              <a:rPr lang="en-US"/>
+              <a:t>Click to edit Master text styles</a:t>
+            </a:r>
+          </a:p>
+        </p:txBody>
+      </p:sp>
+      <p:sp>
+        <p:nvSpPr>
+          <p:cNvPr id="4" name="Date Placeholder 3"/>
+          <p:cNvSpPr>
+            <a:spLocks noGrp="1"/>
+          </p:cNvSpPr>
+          <p:nvPr>
+            <p:ph type="dt" sz="half" idx="10"/>
+          </p:nvPr>
+        </p:nvSpPr>
+        <p:spPr/>
+        <p:txBody>
+          <a:bodyPr/>
+          <a:lstStyle/>
+          <a:p>
+            <a:fld id="{62D6E202-B606-4609-B914-27C9371A1F6D}" type="datetime1">
+              <a:rPr lang="en-US" smtClean="0"/>
+              <a:t>3/21/2022</a:t>
+            </a:fld>
+            <a:endParaRPr lang="en-US" dirty="0"/>
+          </a:p>
+        </p:txBody>
+      </p:sp>
+      <p:sp>
+        <p:nvSpPr>
+          <p:cNvPr id="5" name="Footer Placeholder 4"/>
+          <p:cNvSpPr>
+            <a:spLocks noGrp="1"/>
+          </p:cNvSpPr>
+          <p:nvPr>
+            <p:ph type="ftr" sz="quarter" idx="11"/>
+          </p:nvPr>
+        </p:nvSpPr>
+        <p:spPr/>
+        <p:txBody>
+          <a:bodyPr/>
+          <a:lstStyle/>
+          <a:p>
+            <a:endParaRPr lang="en-US" dirty="0"/>
+          </a:p>
+        </p:txBody>
+      </p:sp>
+      <p:sp>
+        <p:nvSpPr>
+          <p:cNvPr id="6" name="Slide Number Placeholder 5"/>
+          <p:cNvSpPr>
+            <a:spLocks noGrp="1"/>
+          </p:cNvSpPr>
+          <p:nvPr>
+            <p:ph type="sldNum" sz="quarter" idx="12"/>
+          </p:nvPr>
+        </p:nvSpPr>
+        <p:spPr/>
+        <p:txBody>
+          <a:bodyPr/>
+          <a:lstStyle/>
+          <a:p>
+            <a:fld id="{3A98EE3D-8CD1-4C3F-BD1C-C98C9596463C}" type="slidenum">
+              <a:rPr lang="en-US" smtClean="0"/>
+              <a:t>‹#›</a:t>
+            </a:fld>
+            <a:endParaRPr lang="en-US" dirty="0"/>
+          </a:p>
+        </p:txBody>
+      </p:sp>
+    </p:spTree>
+    <p:extLst>
+      <p:ext uri="{BB962C8B-B14F-4D97-AF65-F5344CB8AC3E}">
+        <p14:creationId xmlns:p14="http://schemas.microsoft.com/office/powerpoint/2010/main" val="990406770"/>
+      </p:ext>
+    </p:extLst>
+  </p:cSld>
+  <p:clrMapOvr>
+    <a:masterClrMapping/>
+  </p:clrMapOvr>
+  <p:hf sldNum="0" hdr="0" ftr="0" dt="0"/>
+</p:sldLayout>
+</file>
+
+<file path=ppt/slideLayouts/slideLayout15.xml><?xml version="1.0" encoding="utf-8"?>
+<p:sldLayout xmlns:a="http://schemas.openxmlformats.org/drawingml/2006/main" xmlns:r="http://schemas.openxmlformats.org/officeDocument/2006/relationships" xmlns:p="http://schemas.openxmlformats.org/presentationml/2006/main" type="vertTx" preserve="1">
+  <p:cSld name="Title and Vertical Text">
+    <p:spTree>
+      <p:nvGrpSpPr>
+        <p:cNvPr id="1" name=""/>
+        <p:cNvGrpSpPr/>
+        <p:nvPr/>
+      </p:nvGrpSpPr>
+      <p:grpSpPr>
+        <a:xfrm>
+          <a:off x="0" y="0"/>
+          <a:ext cx="0" cy="0"/>
+          <a:chOff x="0" y="0"/>
+          <a:chExt cx="0" cy="0"/>
+        </a:xfrm>
+      </p:grpSpPr>
+      <p:sp>
+        <p:nvSpPr>
+          <p:cNvPr id="2" name="Title 1"/>
+          <p:cNvSpPr>
+            <a:spLocks noGrp="1"/>
+          </p:cNvSpPr>
+          <p:nvPr>
+            <p:ph type="title"/>
+          </p:nvPr>
+        </p:nvSpPr>
+        <p:spPr/>
+        <p:txBody>
+          <a:bodyPr/>
+          <a:lstStyle/>
+          <a:p>
+            <a:r>
+              <a:rPr lang="en-US"/>
+              <a:t>Click to edit Master title style</a:t>
+            </a:r>
+            <a:endParaRPr lang="en-US" dirty="0"/>
+          </a:p>
+        </p:txBody>
+      </p:sp>
+      <p:sp>
+        <p:nvSpPr>
+          <p:cNvPr id="3" name="Vertical Text Placeholder 2"/>
+          <p:cNvSpPr>
+            <a:spLocks noGrp="1"/>
+          </p:cNvSpPr>
+          <p:nvPr>
+            <p:ph type="body" orient="vert" idx="1"/>
+          </p:nvPr>
+        </p:nvSpPr>
+        <p:spPr/>
+        <p:txBody>
+          <a:bodyPr vert="eaVert"/>
+          <a:lstStyle/>
+          <a:p>
+            <a:pPr lvl="0"/>
+            <a:r>
+              <a:rPr lang="en-US"/>
+              <a:t>Click to edit Master text styles</a:t>
+            </a:r>
+          </a:p>
+          <a:p>
+            <a:pPr lvl="1"/>
+            <a:r>
+              <a:rPr lang="en-US"/>
+              <a:t>Second level</a:t>
+            </a:r>
+          </a:p>
+          <a:p>
+            <a:pPr lvl="2"/>
+            <a:r>
+              <a:rPr lang="en-US"/>
+              <a:t>Third level</a:t>
+            </a:r>
+          </a:p>
+          <a:p>
+            <a:pPr lvl="3"/>
+            <a:r>
+              <a:rPr lang="en-US"/>
+              <a:t>Fourth level</a:t>
+            </a:r>
+          </a:p>
+          <a:p>
+            <a:pPr lvl="4"/>
+            <a:r>
+              <a:rPr lang="en-US"/>
+              <a:t>Fifth level</a:t>
+            </a:r>
+            <a:endParaRPr lang="en-US" dirty="0"/>
+          </a:p>
+        </p:txBody>
+      </p:sp>
+      <p:sp>
+        <p:nvSpPr>
+          <p:cNvPr id="4" name="Date Placeholder 3"/>
+          <p:cNvSpPr>
+            <a:spLocks noGrp="1"/>
+          </p:cNvSpPr>
+          <p:nvPr>
+            <p:ph type="dt" sz="half" idx="10"/>
+          </p:nvPr>
+        </p:nvSpPr>
+        <p:spPr/>
+        <p:txBody>
+          <a:bodyPr/>
+          <a:lstStyle/>
+          <a:p>
+            <a:fld id="{62D6E202-B606-4609-B914-27C9371A1F6D}" type="datetime1">
+              <a:rPr lang="en-US" smtClean="0"/>
+              <a:t>3/21/2022</a:t>
+            </a:fld>
+            <a:endParaRPr lang="en-US" dirty="0"/>
+          </a:p>
+        </p:txBody>
+      </p:sp>
+      <p:sp>
+        <p:nvSpPr>
+          <p:cNvPr id="5" name="Footer Placeholder 4"/>
+          <p:cNvSpPr>
+            <a:spLocks noGrp="1"/>
+          </p:cNvSpPr>
+          <p:nvPr>
+            <p:ph type="ftr" sz="quarter" idx="11"/>
+          </p:nvPr>
+        </p:nvSpPr>
+        <p:spPr/>
+        <p:txBody>
+          <a:bodyPr/>
+          <a:lstStyle/>
+          <a:p>
+            <a:endParaRPr lang="en-US" dirty="0"/>
+          </a:p>
+        </p:txBody>
+      </p:sp>
+      <p:sp>
+        <p:nvSpPr>
+          <p:cNvPr id="6" name="Slide Number Placeholder 5"/>
+          <p:cNvSpPr>
+            <a:spLocks noGrp="1"/>
+          </p:cNvSpPr>
+          <p:nvPr>
+            <p:ph type="sldNum" sz="quarter" idx="12"/>
+          </p:nvPr>
+        </p:nvSpPr>
+        <p:spPr/>
+        <p:txBody>
+          <a:bodyPr/>
+          <a:lstStyle/>
+          <a:p>
+            <a:fld id="{3A98EE3D-8CD1-4C3F-BD1C-C98C9596463C}" type="slidenum">
+              <a:rPr lang="en-US" smtClean="0"/>
+              <a:t>‹#›</a:t>
+            </a:fld>
+            <a:endParaRPr lang="en-US" dirty="0"/>
+          </a:p>
+        </p:txBody>
+      </p:sp>
+    </p:spTree>
+    <p:extLst>
+      <p:ext uri="{BB962C8B-B14F-4D97-AF65-F5344CB8AC3E}">
+        <p14:creationId xmlns:p14="http://schemas.microsoft.com/office/powerpoint/2010/main" val="520252443"/>
+      </p:ext>
+    </p:extLst>
+  </p:cSld>
+  <p:clrMapOvr>
+    <a:masterClrMapping/>
+  </p:clrMapOvr>
+  <p:hf sldNum="0" hdr="0" ftr="0" dt="0"/>
+</p:sldLayout>
+</file>
+
+<file path=ppt/slideLayouts/slideLayout16.xml><?xml version="1.0" encoding="utf-8"?>
+<p:sldLayout xmlns:a="http://schemas.openxmlformats.org/drawingml/2006/main" xmlns:r="http://schemas.openxmlformats.org/officeDocument/2006/relationships" xmlns:p="http://schemas.openxmlformats.org/presentationml/2006/main" type="vertTitleAndTx" preserve="1">
+  <p:cSld name="Vertical Title and Text">
+    <p:spTree>
+      <p:nvGrpSpPr>
+        <p:cNvPr id="1" name=""/>
+        <p:cNvGrpSpPr/>
+        <p:nvPr/>
+      </p:nvGrpSpPr>
+      <p:grpSpPr>
+        <a:xfrm>
+          <a:off x="0" y="0"/>
+          <a:ext cx="0" cy="0"/>
+          <a:chOff x="0" y="0"/>
+          <a:chExt cx="0" cy="0"/>
+        </a:xfrm>
+      </p:grpSpPr>
+      <p:sp>
+        <p:nvSpPr>
+          <p:cNvPr id="2" name="Vertical Title 1"/>
+          <p:cNvSpPr>
+            <a:spLocks noGrp="1"/>
+          </p:cNvSpPr>
+          <p:nvPr>
+            <p:ph type="title" orient="vert"/>
+          </p:nvPr>
+        </p:nvSpPr>
+        <p:spPr>
+          <a:xfrm>
+            <a:off x="7967673" y="609599"/>
+            <a:ext cx="1304743" cy="5251451"/>
+          </a:xfrm>
+        </p:spPr>
+        <p:txBody>
+          <a:bodyPr vert="eaVert" anchor="ctr"/>
+          <a:lstStyle/>
+          <a:p>
+            <a:r>
+              <a:rPr lang="en-US"/>
+              <a:t>Click to edit Master title style</a:t>
+            </a:r>
+            <a:endParaRPr lang="en-US" dirty="0"/>
+          </a:p>
+        </p:txBody>
+      </p:sp>
+      <p:sp>
+        <p:nvSpPr>
+          <p:cNvPr id="3" name="Vertical Text Placeholder 2"/>
+          <p:cNvSpPr>
+            <a:spLocks noGrp="1"/>
+          </p:cNvSpPr>
+          <p:nvPr>
+            <p:ph type="body" orient="vert" idx="1"/>
+          </p:nvPr>
+        </p:nvSpPr>
+        <p:spPr>
+          <a:xfrm>
+            <a:off x="677335" y="609600"/>
+            <a:ext cx="7060150" cy="5251450"/>
+          </a:xfrm>
+        </p:spPr>
+        <p:txBody>
+          <a:bodyPr vert="eaVert"/>
+          <a:lstStyle/>
+          <a:p>
+            <a:pPr lvl="0"/>
+            <a:r>
+              <a:rPr lang="en-US"/>
+              <a:t>Click to edit Master text styles</a:t>
+            </a:r>
+          </a:p>
+          <a:p>
+            <a:pPr lvl="1"/>
+            <a:r>
+              <a:rPr lang="en-US"/>
+              <a:t>Second level</a:t>
+            </a:r>
+          </a:p>
+          <a:p>
+            <a:pPr lvl="2"/>
+            <a:r>
+              <a:rPr lang="en-US"/>
+              <a:t>Third level</a:t>
+            </a:r>
+          </a:p>
+          <a:p>
+            <a:pPr lvl="3"/>
+            <a:r>
+              <a:rPr lang="en-US"/>
+              <a:t>Fourth level</a:t>
+            </a:r>
+          </a:p>
+          <a:p>
+            <a:pPr lvl="4"/>
+            <a:r>
+              <a:rPr lang="en-US"/>
+              <a:t>Fifth level</a:t>
+            </a:r>
+            <a:endParaRPr lang="en-US" dirty="0"/>
+          </a:p>
+        </p:txBody>
+      </p:sp>
+      <p:sp>
+        <p:nvSpPr>
+          <p:cNvPr id="4" name="Date Placeholder 3"/>
+          <p:cNvSpPr>
+            <a:spLocks noGrp="1"/>
+          </p:cNvSpPr>
+          <p:nvPr>
+            <p:ph type="dt" sz="half" idx="10"/>
+          </p:nvPr>
+        </p:nvSpPr>
+        <p:spPr/>
+        <p:txBody>
+          <a:bodyPr/>
+          <a:lstStyle/>
+          <a:p>
+            <a:fld id="{62D6E202-B606-4609-B914-27C9371A1F6D}" type="datetime1">
+              <a:rPr lang="en-US" smtClean="0"/>
+              <a:t>3/21/2022</a:t>
+            </a:fld>
+            <a:endParaRPr lang="en-US" dirty="0"/>
+          </a:p>
+        </p:txBody>
+      </p:sp>
+      <p:sp>
+        <p:nvSpPr>
+          <p:cNvPr id="5" name="Footer Placeholder 4"/>
+          <p:cNvSpPr>
+            <a:spLocks noGrp="1"/>
+          </p:cNvSpPr>
+          <p:nvPr>
+            <p:ph type="ftr" sz="quarter" idx="11"/>
+          </p:nvPr>
+        </p:nvSpPr>
+        <p:spPr/>
+        <p:txBody>
+          <a:bodyPr/>
+          <a:lstStyle/>
+          <a:p>
+            <a:endParaRPr lang="en-US" dirty="0"/>
+          </a:p>
+        </p:txBody>
+      </p:sp>
+      <p:sp>
+        <p:nvSpPr>
+          <p:cNvPr id="6" name="Slide Number Placeholder 5"/>
+          <p:cNvSpPr>
+            <a:spLocks noGrp="1"/>
+          </p:cNvSpPr>
+          <p:nvPr>
+            <p:ph type="sldNum" sz="quarter" idx="12"/>
+          </p:nvPr>
+        </p:nvSpPr>
+        <p:spPr/>
+        <p:txBody>
+          <a:bodyPr/>
+          <a:lstStyle/>
+          <a:p>
+            <a:fld id="{3A98EE3D-8CD1-4C3F-BD1C-C98C9596463C}" type="slidenum">
+              <a:rPr lang="en-US" smtClean="0"/>
+              <a:t>‹#›</a:t>
+            </a:fld>
+            <a:endParaRPr lang="en-US" dirty="0"/>
+          </a:p>
+        </p:txBody>
+      </p:sp>
+    </p:spTree>
+    <p:extLst>
+      <p:ext uri="{BB962C8B-B14F-4D97-AF65-F5344CB8AC3E}">
+        <p14:creationId xmlns:p14="http://schemas.microsoft.com/office/powerpoint/2010/main" val="29907696"/>
+      </p:ext>
+    </p:extLst>
+  </p:cSld>
+  <p:clrMapOvr>
+    <a:masterClrMapping/>
+  </p:clrMapOvr>
+  <p:hf sldNum="0" hdr="0" ftr="0" dt="0"/>
 </p:sldLayout>
 </file>
 
@@ -466,12 +2903,70 @@
         </p:nvSpPr>
         <p:spPr/>
         <p:txBody>
+          <a:bodyPr>
+            <a:normAutofit/>
+          </a:bodyPr>
+          <a:lstStyle>
+            <a:lvl1pPr>
+              <a:defRPr sz="3600"/>
+            </a:lvl1pPr>
+          </a:lstStyle>
+          <a:p>
+            <a:r>
+              <a:rPr lang="en-US"/>
+              <a:t>Click to edit Master title style</a:t>
+            </a:r>
+            <a:endParaRPr lang="en-US" dirty="0"/>
+          </a:p>
+        </p:txBody>
+      </p:sp>
+      <p:sp>
+        <p:nvSpPr>
+          <p:cNvPr id="3" name="Content Placeholder 2"/>
+          <p:cNvSpPr>
+            <a:spLocks noGrp="1"/>
+          </p:cNvSpPr>
+          <p:nvPr>
+            <p:ph idx="1"/>
+          </p:nvPr>
+        </p:nvSpPr>
+        <p:spPr/>
+        <p:txBody>
           <a:bodyPr/>
           <a:lstStyle/>
           <a:p>
+            <a:pPr lvl="0"/>
             <a:r>
               <a:rPr lang="en-US"/>
-              <a:t>Click to edit Master title style</a:t>
+              <a:t>Click to edit Master text styles</a:t>
+            </a:r>
+          </a:p>
+          <a:p>
+            <a:pPr lvl="1"/>
+            <a:r>
+              <a:rPr lang="en-US"/>
+              <a:t>Second level</a:t>
+            </a:r>
+          </a:p>
+          <a:p>
+            <a:pPr lvl="2"/>
+            <a:r>
+              <a:rPr lang="en-US"/>
+              <a:t>Third level</a:t>
+            </a:r>
+          </a:p>
+          <a:p>
+            <a:pPr lvl="3"/>
+            <a:r>
+              <a:rPr lang="en-US"/>
+              <a:t>Fourth level</a:t>
+            </a:r>
+          </a:p>
+          <a:p>
+            <a:pPr lvl="4"/>
+            <a:r>
+              <a:rPr lang="en-US"/>
+              <a:t>Fifth level</a:t>
             </a:r>
             <a:endParaRPr lang="en-US" dirty="0"/>
           </a:p>
@@ -479,12 +2974,12 @@
       </p:sp>
       <p:sp>
         <p:nvSpPr>
-          <p:cNvPr id="3" name="Content Placeholder 2"/>
-          <p:cNvSpPr>
-            <a:spLocks noGrp="1"/>
-          </p:cNvSpPr>
-          <p:nvPr>
-            <p:ph idx="1"/>
+          <p:cNvPr id="4" name="Date Placeholder 3"/>
+          <p:cNvSpPr>
+            <a:spLocks noGrp="1"/>
+          </p:cNvSpPr>
+          <p:nvPr>
+            <p:ph type="dt" sz="half" idx="10"/>
           </p:nvPr>
         </p:nvSpPr>
         <p:spPr/>
@@ -492,57 +2987,22 @@
           <a:bodyPr/>
           <a:lstStyle/>
           <a:p>
-            <a:pPr lvl="0"/>
-            <a:r>
-              <a:rPr lang="en-US"/>
-              <a:t>Click to edit Master text styles</a:t>
-            </a:r>
-          </a:p>
-          <a:p>
-            <a:pPr lvl="1"/>
-            <a:r>
-              <a:rPr lang="en-US"/>
-              <a:t>Second level</a:t>
-            </a:r>
-          </a:p>
-          <a:p>
-            <a:pPr lvl="2"/>
-            <a:r>
-              <a:rPr lang="en-US"/>
-              <a:t>Third level</a:t>
-            </a:r>
-          </a:p>
-          <a:p>
-            <a:pPr lvl="3"/>
-            <a:r>
-              <a:rPr lang="en-US"/>
-              <a:t>Fourth level</a:t>
-            </a:r>
-          </a:p>
-          <a:p>
-            <a:pPr lvl="4"/>
-            <a:r>
-              <a:rPr lang="en-US"/>
-              <a:t>Fifth level</a:t>
-            </a:r>
+            <a:fld id="{4BE1D723-8F53-4F53-90B0-1982A396982E}" type="datetime1">
+              <a:rPr lang="en-US" smtClean="0"/>
+              <a:t>3/21/2022</a:t>
+            </a:fld>
             <a:endParaRPr lang="en-US" dirty="0"/>
           </a:p>
         </p:txBody>
       </p:sp>
       <p:sp>
         <p:nvSpPr>
-          <p:cNvPr id="7" name="Date Placeholder 6">
-            <a:extLst>
-              <a:ext uri="{FF2B5EF4-FFF2-40B4-BE49-F238E27FC236}">
-                <a16:creationId xmlns:a16="http://schemas.microsoft.com/office/drawing/2014/main" id="{354D8B55-9EA8-4B81-8E84-9B93B0A27559}"/>
-              </a:ext>
-            </a:extLst>
-          </p:cNvPr>
-          <p:cNvSpPr>
-            <a:spLocks noGrp="1"/>
-          </p:cNvSpPr>
-          <p:nvPr>
-            <p:ph type="dt" sz="half" idx="10"/>
+          <p:cNvPr id="5" name="Footer Placeholder 4"/>
+          <p:cNvSpPr>
+            <a:spLocks noGrp="1"/>
+          </p:cNvSpPr>
+          <p:nvPr>
+            <p:ph type="ftr" sz="quarter" idx="11"/>
           </p:nvPr>
         </p:nvSpPr>
         <p:spPr/>
@@ -550,48 +3010,13 @@
           <a:bodyPr/>
           <a:lstStyle/>
           <a:p>
-            <a:fld id="{4BE1D723-8F53-4F53-90B0-1982A396982E}" type="datetime1">
-              <a:rPr lang="en-US" smtClean="0"/>
-              <a:t>3/18/2022</a:t>
-            </a:fld>
             <a:endParaRPr lang="en-US" dirty="0"/>
           </a:p>
         </p:txBody>
       </p:sp>
       <p:sp>
         <p:nvSpPr>
-          <p:cNvPr id="8" name="Footer Placeholder 7">
-            <a:extLst>
-              <a:ext uri="{FF2B5EF4-FFF2-40B4-BE49-F238E27FC236}">
-                <a16:creationId xmlns:a16="http://schemas.microsoft.com/office/drawing/2014/main" id="{062CA021-2578-47CB-822C-BDDFF7223B28}"/>
-              </a:ext>
-            </a:extLst>
-          </p:cNvPr>
-          <p:cNvSpPr>
-            <a:spLocks noGrp="1"/>
-          </p:cNvSpPr>
-          <p:nvPr>
-            <p:ph type="ftr" sz="quarter" idx="11"/>
-          </p:nvPr>
-        </p:nvSpPr>
-        <p:spPr/>
-        <p:txBody>
-          <a:bodyPr/>
-          <a:lstStyle/>
-          <a:p>
-            <a:endParaRPr lang="en-US" dirty="0"/>
-          </a:p>
-        </p:txBody>
-      </p:sp>
-      <p:sp>
-        <p:nvSpPr>
-          <p:cNvPr id="9" name="Slide Number Placeholder 8">
-            <a:extLst>
-              <a:ext uri="{FF2B5EF4-FFF2-40B4-BE49-F238E27FC236}">
-                <a16:creationId xmlns:a16="http://schemas.microsoft.com/office/drawing/2014/main" id="{C4AAB51D-4141-4682-9375-DAFD5FB9DD10}"/>
-              </a:ext>
-            </a:extLst>
-          </p:cNvPr>
+          <p:cNvPr id="6" name="Slide Number Placeholder 5"/>
           <p:cNvSpPr>
             <a:spLocks noGrp="1"/>
           </p:cNvSpPr>
@@ -615,7 +3040,7 @@
     </p:spTree>
     <p:extLst>
       <p:ext uri="{BB962C8B-B14F-4D97-AF65-F5344CB8AC3E}">
-        <p14:creationId xmlns:p14="http://schemas.microsoft.com/office/powerpoint/2010/main" val="1238980780"/>
+        <p14:creationId xmlns:p14="http://schemas.microsoft.com/office/powerpoint/2010/main" val="4032816424"/>
       </p:ext>
     </p:extLst>
   </p:cSld>
@@ -626,16 +3051,8 @@
 </file>
 
 <file path=ppt/slideLayouts/slideLayout3.xml><?xml version="1.0" encoding="utf-8"?>
-<p:sldLayout xmlns:a="http://schemas.openxmlformats.org/drawingml/2006/main" xmlns:r="http://schemas.openxmlformats.org/officeDocument/2006/relationships" xmlns:p="http://schemas.openxmlformats.org/presentationml/2006/main" showMasterSp="0" type="secHead" preserve="1">
+<p:sldLayout xmlns:a="http://schemas.openxmlformats.org/drawingml/2006/main" xmlns:r="http://schemas.openxmlformats.org/officeDocument/2006/relationships" xmlns:p="http://schemas.openxmlformats.org/presentationml/2006/main" type="secHead" preserve="1">
   <p:cSld name="Section Header">
-    <p:bg>
-      <p:bgPr>
-        <a:solidFill>
-          <a:schemeClr val="bg1"/>
-        </a:solidFill>
-        <a:effectLst/>
-      </p:bgPr>
-    </p:bg>
     <p:spTree>
       <p:nvGrpSpPr>
         <p:cNvPr id="1" name=""/>
@@ -652,120 +3069,64 @@
       </p:grpSpPr>
       <p:sp>
         <p:nvSpPr>
-          <p:cNvPr id="10" name="Rectangle 9">
-            <a:extLst>
-              <a:ext uri="{FF2B5EF4-FFF2-40B4-BE49-F238E27FC236}">
-                <a16:creationId xmlns:a16="http://schemas.microsoft.com/office/drawing/2014/main" id="{A585C21A-8B93-4657-B5DF-7EAEAD3BE127}"/>
-              </a:ext>
-            </a:extLst>
-          </p:cNvPr>
-          <p:cNvSpPr/>
-          <p:nvPr/>
+          <p:cNvPr id="2" name="Title 1"/>
+          <p:cNvSpPr>
+            <a:spLocks noGrp="1"/>
+          </p:cNvSpPr>
+          <p:nvPr>
+            <p:ph type="title"/>
+          </p:nvPr>
         </p:nvSpPr>
         <p:spPr>
           <a:xfrm>
-            <a:off x="3175" y="6400800"/>
-            <a:ext cx="12188825" cy="457200"/>
+            <a:off x="677335" y="2700867"/>
+            <a:ext cx="8596668" cy="1826581"/>
           </a:xfrm>
-          <a:prstGeom prst="rect">
-            <a:avLst/>
-          </a:prstGeom>
-          <a:solidFill>
-            <a:srgbClr val="262626"/>
-          </a:solidFill>
-          <a:ln>
-            <a:noFill/>
-          </a:ln>
         </p:spPr>
-        <p:style>
-          <a:lnRef idx="2">
-            <a:schemeClr val="accent1">
-              <a:shade val="50000"/>
-            </a:schemeClr>
-          </a:lnRef>
-          <a:fillRef idx="1">
-            <a:schemeClr val="accent1"/>
-          </a:fillRef>
-          <a:effectRef idx="0">
-            <a:schemeClr val="accent1"/>
-          </a:effectRef>
-          <a:fontRef idx="minor">
-            <a:schemeClr val="lt1"/>
-          </a:fontRef>
-        </p:style>
-      </p:sp>
-      <p:sp>
-        <p:nvSpPr>
-          <p:cNvPr id="2" name="Title 1"/>
-          <p:cNvSpPr>
-            <a:spLocks noGrp="1"/>
-          </p:cNvSpPr>
-          <p:nvPr>
-            <p:ph type="title"/>
+        <p:txBody>
+          <a:bodyPr anchor="b"/>
+          <a:lstStyle>
+            <a:lvl1pPr algn="l">
+              <a:defRPr sz="4000" b="0" cap="none"/>
+            </a:lvl1pPr>
+          </a:lstStyle>
+          <a:p>
+            <a:r>
+              <a:rPr lang="en-US"/>
+              <a:t>Click to edit Master title style</a:t>
+            </a:r>
+            <a:endParaRPr lang="en-US" dirty="0"/>
+          </a:p>
+        </p:txBody>
+      </p:sp>
+      <p:sp>
+        <p:nvSpPr>
+          <p:cNvPr id="3" name="Text Placeholder 2"/>
+          <p:cNvSpPr>
+            <a:spLocks noGrp="1"/>
+          </p:cNvSpPr>
+          <p:nvPr>
+            <p:ph type="body" idx="1"/>
           </p:nvPr>
         </p:nvSpPr>
         <p:spPr>
           <a:xfrm>
-            <a:off x="1097280" y="758952"/>
-            <a:ext cx="10058400" cy="3566160"/>
+            <a:off x="677335" y="4527448"/>
+            <a:ext cx="8596668" cy="860400"/>
           </a:xfrm>
         </p:spPr>
         <p:txBody>
-          <a:bodyPr anchor="b" anchorCtr="0">
-            <a:normAutofit/>
-          </a:bodyPr>
+          <a:bodyPr anchor="t"/>
           <a:lstStyle>
-            <a:lvl1pPr>
-              <a:lnSpc>
-                <a:spcPct val="90000"/>
-              </a:lnSpc>
-              <a:defRPr sz="8000" b="0">
+            <a:lvl1pPr marL="0" indent="0" algn="l">
+              <a:buNone/>
+              <a:defRPr sz="2000">
                 <a:solidFill>
                   <a:schemeClr val="tx1">
-                    <a:lumMod val="85000"/>
-                    <a:lumOff val="15000"/>
+                    <a:lumMod val="50000"/>
+                    <a:lumOff val="50000"/>
                   </a:schemeClr>
                 </a:solidFill>
-              </a:defRPr>
-            </a:lvl1pPr>
-          </a:lstStyle>
-          <a:p>
-            <a:r>
-              <a:rPr lang="en-US"/>
-              <a:t>Click to edit Master title style</a:t>
-            </a:r>
-            <a:endParaRPr lang="en-US" dirty="0"/>
-          </a:p>
-        </p:txBody>
-      </p:sp>
-      <p:sp>
-        <p:nvSpPr>
-          <p:cNvPr id="3" name="Text Placeholder 2"/>
-          <p:cNvSpPr>
-            <a:spLocks noGrp="1"/>
-          </p:cNvSpPr>
-          <p:nvPr>
-            <p:ph type="body" idx="1"/>
-          </p:nvPr>
-        </p:nvSpPr>
-        <p:spPr>
-          <a:xfrm>
-            <a:off x="1097280" y="4663440"/>
-            <a:ext cx="10058400" cy="1143000"/>
-          </a:xfrm>
-        </p:spPr>
-        <p:txBody>
-          <a:bodyPr lIns="91440" rIns="91440" anchor="t" anchorCtr="0">
-            <a:normAutofit/>
-          </a:bodyPr>
-          <a:lstStyle>
-            <a:lvl1pPr marL="0" indent="0">
-              <a:buNone/>
-              <a:defRPr sz="2400" cap="all" spc="200" baseline="0">
-                <a:solidFill>
-                  <a:schemeClr val="tx1"/>
-                </a:solidFill>
-                <a:latin typeface="+mn-lt"/>
               </a:defRPr>
             </a:lvl1pPr>
             <a:lvl2pPr marL="457200" indent="0">
@@ -858,59 +3219,9 @@
           </a:p>
         </p:txBody>
       </p:sp>
-      <p:cxnSp>
-        <p:nvCxnSpPr>
-          <p:cNvPr id="9" name="Straight Connector 8">
-            <a:extLst>
-              <a:ext uri="{FF2B5EF4-FFF2-40B4-BE49-F238E27FC236}">
-                <a16:creationId xmlns:a16="http://schemas.microsoft.com/office/drawing/2014/main" id="{459DE2C1-4C52-40A3-8959-27B2C1BEBFF6}"/>
-              </a:ext>
-            </a:extLst>
-          </p:cNvPr>
-          <p:cNvCxnSpPr/>
-          <p:nvPr/>
-        </p:nvCxnSpPr>
-        <p:spPr>
-          <a:xfrm>
-            <a:off x="1207658" y="4485132"/>
-            <a:ext cx="9875520" cy="0"/>
-          </a:xfrm>
-          <a:prstGeom prst="line">
-            <a:avLst/>
-          </a:prstGeom>
-          <a:ln w="12700">
-            <a:solidFill>
-              <a:schemeClr val="tx1">
-                <a:lumMod val="75000"/>
-                <a:lumOff val="25000"/>
-              </a:schemeClr>
-            </a:solidFill>
-          </a:ln>
-        </p:spPr>
-        <p:style>
-          <a:lnRef idx="1">
-            <a:schemeClr val="accent1"/>
-          </a:lnRef>
-          <a:fillRef idx="0">
-            <a:schemeClr val="accent1"/>
-          </a:fillRef>
-          <a:effectRef idx="0">
-            <a:schemeClr val="accent1"/>
-          </a:effectRef>
-          <a:fontRef idx="minor">
-            <a:schemeClr val="tx1"/>
-          </a:fontRef>
-        </p:style>
-      </p:cxnSp>
-      <p:sp>
-        <p:nvSpPr>
-          <p:cNvPr id="7" name="Date Placeholder 6">
-            <a:extLst>
-              <a:ext uri="{FF2B5EF4-FFF2-40B4-BE49-F238E27FC236}">
-                <a16:creationId xmlns:a16="http://schemas.microsoft.com/office/drawing/2014/main" id="{AAF2E137-EC28-48F8-9198-1F02539029B6}"/>
-              </a:ext>
-            </a:extLst>
-          </p:cNvPr>
+      <p:sp>
+        <p:nvSpPr>
+          <p:cNvPr id="4" name="Date Placeholder 3"/>
           <p:cNvSpPr>
             <a:spLocks noGrp="1"/>
           </p:cNvSpPr>
@@ -925,7 +3236,7 @@
           <a:p>
             <a:fld id="{97669AF7-7BEB-44E4-9852-375E34362B5B}" type="datetime1">
               <a:rPr lang="en-US" smtClean="0"/>
-              <a:t>3/18/2022</a:t>
+              <a:t>3/21/2022</a:t>
             </a:fld>
             <a:endParaRPr lang="en-US" dirty="0"/>
           </a:p>
@@ -933,13 +3244,7 @@
       </p:sp>
       <p:sp>
         <p:nvSpPr>
-          <p:cNvPr id="8" name="Footer Placeholder 7">
-            <a:extLst>
-              <a:ext uri="{FF2B5EF4-FFF2-40B4-BE49-F238E27FC236}">
-                <a16:creationId xmlns:a16="http://schemas.microsoft.com/office/drawing/2014/main" id="{189422CD-6F62-4DD6-89EF-07A60B42D219}"/>
-              </a:ext>
-            </a:extLst>
-          </p:cNvPr>
+          <p:cNvPr id="5" name="Footer Placeholder 4"/>
           <p:cNvSpPr>
             <a:spLocks noGrp="1"/>
           </p:cNvSpPr>
@@ -958,13 +3263,7 @@
       </p:sp>
       <p:sp>
         <p:nvSpPr>
-          <p:cNvPr id="11" name="Slide Number Placeholder 10">
-            <a:extLst>
-              <a:ext uri="{FF2B5EF4-FFF2-40B4-BE49-F238E27FC236}">
-                <a16:creationId xmlns:a16="http://schemas.microsoft.com/office/drawing/2014/main" id="{69C6AFF8-42B4-4D05-969B-9F5FB3355555}"/>
-              </a:ext>
-            </a:extLst>
-          </p:cNvPr>
+          <p:cNvPr id="6" name="Slide Number Placeholder 5"/>
           <p:cNvSpPr>
             <a:spLocks noGrp="1"/>
           </p:cNvSpPr>
@@ -988,7 +3287,7 @@
     </p:spTree>
     <p:extLst>
       <p:ext uri="{BB962C8B-B14F-4D97-AF65-F5344CB8AC3E}">
-        <p14:creationId xmlns:p14="http://schemas.microsoft.com/office/powerpoint/2010/main" val="822331440"/>
+        <p14:creationId xmlns:p14="http://schemas.microsoft.com/office/powerpoint/2010/main" val="1049338805"/>
       </p:ext>
     </p:extLst>
   </p:cSld>
@@ -1017,27 +3316,79 @@
       </p:grpSpPr>
       <p:sp>
         <p:nvSpPr>
-          <p:cNvPr id="8" name="Title 7"/>
+          <p:cNvPr id="2" name="Title 1"/>
           <p:cNvSpPr>
             <a:spLocks noGrp="1"/>
           </p:cNvSpPr>
           <p:nvPr>
             <p:ph type="title"/>
+          </p:nvPr>
+        </p:nvSpPr>
+        <p:spPr/>
+        <p:txBody>
+          <a:bodyPr/>
+          <a:lstStyle/>
+          <a:p>
+            <a:r>
+              <a:rPr lang="en-US"/>
+              <a:t>Click to edit Master title style</a:t>
+            </a:r>
+            <a:endParaRPr lang="en-US" dirty="0"/>
+          </a:p>
+        </p:txBody>
+      </p:sp>
+      <p:sp>
+        <p:nvSpPr>
+          <p:cNvPr id="3" name="Content Placeholder 2"/>
+          <p:cNvSpPr>
+            <a:spLocks noGrp="1"/>
+          </p:cNvSpPr>
+          <p:nvPr>
+            <p:ph sz="half" idx="1"/>
           </p:nvPr>
         </p:nvSpPr>
         <p:spPr>
           <a:xfrm>
-            <a:off x="1097280" y="286603"/>
-            <a:ext cx="10058400" cy="1450757"/>
+            <a:off x="677334" y="2160589"/>
+            <a:ext cx="4184035" cy="3880772"/>
           </a:xfrm>
         </p:spPr>
         <p:txBody>
           <a:bodyPr/>
           <a:lstStyle/>
           <a:p>
+            <a:pPr lvl="0"/>
             <a:r>
               <a:rPr lang="en-US"/>
-              <a:t>Click to edit Master title style</a:t>
+              <a:t>Click to edit Master text styles</a:t>
+            </a:r>
+          </a:p>
+          <a:p>
+            <a:pPr lvl="1"/>
+            <a:r>
+              <a:rPr lang="en-US"/>
+              <a:t>Second level</a:t>
+            </a:r>
+          </a:p>
+          <a:p>
+            <a:pPr lvl="2"/>
+            <a:r>
+              <a:rPr lang="en-US"/>
+              <a:t>Third level</a:t>
+            </a:r>
+          </a:p>
+          <a:p>
+            <a:pPr lvl="3"/>
+            <a:r>
+              <a:rPr lang="en-US"/>
+              <a:t>Fourth level</a:t>
+            </a:r>
+          </a:p>
+          <a:p>
+            <a:pPr lvl="4"/>
+            <a:r>
+              <a:rPr lang="en-US"/>
+              <a:t>Fifth level</a:t>
             </a:r>
             <a:endParaRPr lang="en-US" dirty="0"/>
           </a:p>
@@ -1045,18 +3396,18 @@
       </p:sp>
       <p:sp>
         <p:nvSpPr>
-          <p:cNvPr id="3" name="Content Placeholder 2"/>
-          <p:cNvSpPr>
-            <a:spLocks noGrp="1"/>
-          </p:cNvSpPr>
-          <p:nvPr>
-            <p:ph sz="half" idx="1"/>
+          <p:cNvPr id="4" name="Content Placeholder 3"/>
+          <p:cNvSpPr>
+            <a:spLocks noGrp="1"/>
+          </p:cNvSpPr>
+          <p:nvPr>
+            <p:ph sz="half" idx="2"/>
           </p:nvPr>
         </p:nvSpPr>
         <p:spPr>
           <a:xfrm>
-            <a:off x="1097280" y="2120900"/>
-            <a:ext cx="4639736" cy="3748193"/>
+            <a:off x="5089970" y="2160589"/>
+            <a:ext cx="4184034" cy="3880773"/>
           </a:xfrm>
         </p:spPr>
         <p:txBody>
@@ -1102,75 +3453,35 @@
       </p:sp>
       <p:sp>
         <p:nvSpPr>
-          <p:cNvPr id="4" name="Content Placeholder 3"/>
-          <p:cNvSpPr>
-            <a:spLocks noGrp="1"/>
-          </p:cNvSpPr>
-          <p:nvPr>
-            <p:ph sz="half" idx="2"/>
-          </p:nvPr>
-        </p:nvSpPr>
-        <p:spPr>
-          <a:xfrm>
-            <a:off x="6515944" y="2120900"/>
-            <a:ext cx="4639736" cy="3748194"/>
-          </a:xfrm>
-        </p:spPr>
+          <p:cNvPr id="5" name="Date Placeholder 4"/>
+          <p:cNvSpPr>
+            <a:spLocks noGrp="1"/>
+          </p:cNvSpPr>
+          <p:nvPr>
+            <p:ph type="dt" sz="half" idx="10"/>
+          </p:nvPr>
+        </p:nvSpPr>
+        <p:spPr/>
         <p:txBody>
           <a:bodyPr/>
           <a:lstStyle/>
           <a:p>
-            <a:pPr lvl="0"/>
-            <a:r>
-              <a:rPr lang="en-US"/>
-              <a:t>Click to edit Master text styles</a:t>
-            </a:r>
-          </a:p>
-          <a:p>
-            <a:pPr lvl="1"/>
-            <a:r>
-              <a:rPr lang="en-US"/>
-              <a:t>Second level</a:t>
-            </a:r>
-          </a:p>
-          <a:p>
-            <a:pPr lvl="2"/>
-            <a:r>
-              <a:rPr lang="en-US"/>
-              <a:t>Third level</a:t>
-            </a:r>
-          </a:p>
-          <a:p>
-            <a:pPr lvl="3"/>
-            <a:r>
-              <a:rPr lang="en-US"/>
-              <a:t>Fourth level</a:t>
-            </a:r>
-          </a:p>
-          <a:p>
-            <a:pPr lvl="4"/>
-            <a:r>
-              <a:rPr lang="en-US"/>
-              <a:t>Fifth level</a:t>
-            </a:r>
+            <a:fld id="{BAAAC38D-0552-4C82-B593-E6124DFADBE2}" type="datetime1">
+              <a:rPr lang="en-US" smtClean="0"/>
+              <a:t>3/21/2022</a:t>
+            </a:fld>
             <a:endParaRPr lang="en-US" dirty="0"/>
           </a:p>
         </p:txBody>
       </p:sp>
       <p:sp>
         <p:nvSpPr>
-          <p:cNvPr id="2" name="Date Placeholder 1">
-            <a:extLst>
-              <a:ext uri="{FF2B5EF4-FFF2-40B4-BE49-F238E27FC236}">
-                <a16:creationId xmlns:a16="http://schemas.microsoft.com/office/drawing/2014/main" id="{5782D47D-B0DC-4C40-BCC6-BBBA32584A38}"/>
-              </a:ext>
-            </a:extLst>
-          </p:cNvPr>
-          <p:cNvSpPr>
-            <a:spLocks noGrp="1"/>
-          </p:cNvSpPr>
-          <p:nvPr>
-            <p:ph type="dt" sz="half" idx="10"/>
+          <p:cNvPr id="6" name="Footer Placeholder 5"/>
+          <p:cNvSpPr>
+            <a:spLocks noGrp="1"/>
+          </p:cNvSpPr>
+          <p:nvPr>
+            <p:ph type="ftr" sz="quarter" idx="11"/>
           </p:nvPr>
         </p:nvSpPr>
         <p:spPr/>
@@ -1178,48 +3489,13 @@
           <a:bodyPr/>
           <a:lstStyle/>
           <a:p>
-            <a:fld id="{BAAAC38D-0552-4C82-B593-E6124DFADBE2}" type="datetime1">
-              <a:rPr lang="en-US" smtClean="0"/>
-              <a:t>3/18/2022</a:t>
-            </a:fld>
             <a:endParaRPr lang="en-US" dirty="0"/>
           </a:p>
         </p:txBody>
       </p:sp>
       <p:sp>
         <p:nvSpPr>
-          <p:cNvPr id="9" name="Footer Placeholder 8">
-            <a:extLst>
-              <a:ext uri="{FF2B5EF4-FFF2-40B4-BE49-F238E27FC236}">
-                <a16:creationId xmlns:a16="http://schemas.microsoft.com/office/drawing/2014/main" id="{4690D34E-7EBD-44B2-83CA-4C126A18D7EF}"/>
-              </a:ext>
-            </a:extLst>
-          </p:cNvPr>
-          <p:cNvSpPr>
-            <a:spLocks noGrp="1"/>
-          </p:cNvSpPr>
-          <p:nvPr>
-            <p:ph type="ftr" sz="quarter" idx="11"/>
-          </p:nvPr>
-        </p:nvSpPr>
-        <p:spPr/>
-        <p:txBody>
-          <a:bodyPr/>
-          <a:lstStyle/>
-          <a:p>
-            <a:endParaRPr lang="en-US" dirty="0"/>
-          </a:p>
-        </p:txBody>
-      </p:sp>
-      <p:sp>
-        <p:nvSpPr>
-          <p:cNvPr id="10" name="Slide Number Placeholder 9">
-            <a:extLst>
-              <a:ext uri="{FF2B5EF4-FFF2-40B4-BE49-F238E27FC236}">
-                <a16:creationId xmlns:a16="http://schemas.microsoft.com/office/drawing/2014/main" id="{2AC511A1-9BBD-42DE-92FB-2AF44F8E97A9}"/>
-              </a:ext>
-            </a:extLst>
-          </p:cNvPr>
+          <p:cNvPr id="7" name="Slide Number Placeholder 6"/>
           <p:cNvSpPr>
             <a:spLocks noGrp="1"/>
           </p:cNvSpPr>
@@ -1243,7 +3519,7 @@
     </p:spTree>
     <p:extLst>
       <p:ext uri="{BB962C8B-B14F-4D97-AF65-F5344CB8AC3E}">
-        <p14:creationId xmlns:p14="http://schemas.microsoft.com/office/powerpoint/2010/main" val="2757611856"/>
+        <p14:creationId xmlns:p14="http://schemas.microsoft.com/office/powerpoint/2010/main" val="1342057298"/>
       </p:ext>
     </p:extLst>
   </p:cSld>
@@ -1272,60 +3548,55 @@
       </p:grpSpPr>
       <p:sp>
         <p:nvSpPr>
-          <p:cNvPr id="10" name="Title 9"/>
+          <p:cNvPr id="2" name="Title 1"/>
           <p:cNvSpPr>
             <a:spLocks noGrp="1"/>
           </p:cNvSpPr>
           <p:nvPr>
             <p:ph type="title"/>
+          </p:nvPr>
+        </p:nvSpPr>
+        <p:spPr/>
+        <p:txBody>
+          <a:bodyPr/>
+          <a:lstStyle>
+            <a:lvl1pPr>
+              <a:defRPr/>
+            </a:lvl1pPr>
+          </a:lstStyle>
+          <a:p>
+            <a:r>
+              <a:rPr lang="en-US"/>
+              <a:t>Click to edit Master title style</a:t>
+            </a:r>
+            <a:endParaRPr lang="en-US" dirty="0"/>
+          </a:p>
+        </p:txBody>
+      </p:sp>
+      <p:sp>
+        <p:nvSpPr>
+          <p:cNvPr id="3" name="Text Placeholder 2"/>
+          <p:cNvSpPr>
+            <a:spLocks noGrp="1"/>
+          </p:cNvSpPr>
+          <p:nvPr>
+            <p:ph type="body" idx="1"/>
           </p:nvPr>
         </p:nvSpPr>
         <p:spPr>
           <a:xfrm>
-            <a:off x="1097280" y="286603"/>
-            <a:ext cx="10058400" cy="1450757"/>
+            <a:off x="675745" y="2160983"/>
+            <a:ext cx="4185623" cy="576262"/>
           </a:xfrm>
         </p:spPr>
         <p:txBody>
-          <a:bodyPr/>
-          <a:lstStyle/>
-          <a:p>
-            <a:r>
-              <a:rPr lang="en-US"/>
-              <a:t>Click to edit Master title style</a:t>
-            </a:r>
-            <a:endParaRPr lang="en-US" dirty="0"/>
-          </a:p>
-        </p:txBody>
-      </p:sp>
-      <p:sp>
-        <p:nvSpPr>
-          <p:cNvPr id="3" name="Text Placeholder 2"/>
-          <p:cNvSpPr>
-            <a:spLocks noGrp="1"/>
-          </p:cNvSpPr>
-          <p:nvPr>
-            <p:ph type="body" idx="1"/>
-          </p:nvPr>
-        </p:nvSpPr>
-        <p:spPr>
-          <a:xfrm>
-            <a:off x="1097280" y="2057400"/>
-            <a:ext cx="4639736" cy="736282"/>
-          </a:xfrm>
-        </p:spPr>
-        <p:txBody>
-          <a:bodyPr lIns="91440" rIns="91440" anchor="ctr">
-            <a:normAutofit/>
+          <a:bodyPr anchor="b">
+            <a:noAutofit/>
           </a:bodyPr>
           <a:lstStyle>
             <a:lvl1pPr marL="0" indent="0">
               <a:buNone/>
-              <a:defRPr sz="2000" b="0" cap="all" baseline="0">
-                <a:solidFill>
-                  <a:schemeClr val="tx1"/>
-                </a:solidFill>
-              </a:defRPr>
+              <a:defRPr sz="2400" b="0"/>
             </a:lvl1pPr>
             <a:lvl2pPr marL="457200" indent="0">
               <a:buNone/>
@@ -1381,12 +3652,14 @@
         </p:nvSpPr>
         <p:spPr>
           <a:xfrm>
-            <a:off x="1097280" y="2958274"/>
-            <a:ext cx="4639736" cy="2910821"/>
+            <a:off x="675745" y="2737245"/>
+            <a:ext cx="4185623" cy="3304117"/>
           </a:xfrm>
         </p:spPr>
         <p:txBody>
-          <a:bodyPr/>
+          <a:bodyPr>
+            <a:normAutofit/>
+          </a:bodyPr>
           <a:lstStyle/>
           <a:p>
             <a:pPr lvl="0"/>
@@ -1438,22 +3711,18 @@
         </p:nvSpPr>
         <p:spPr>
           <a:xfrm>
-            <a:off x="6515944" y="2057400"/>
-            <a:ext cx="4639736" cy="736282"/>
+            <a:off x="5088383" y="2160983"/>
+            <a:ext cx="4185618" cy="576262"/>
           </a:xfrm>
         </p:spPr>
         <p:txBody>
-          <a:bodyPr lIns="91440" rIns="91440" anchor="ctr">
-            <a:normAutofit/>
+          <a:bodyPr anchor="b">
+            <a:noAutofit/>
           </a:bodyPr>
           <a:lstStyle>
             <a:lvl1pPr marL="0" indent="0">
               <a:buNone/>
-              <a:defRPr sz="2000" b="0" cap="all" baseline="0">
-                <a:solidFill>
-                  <a:schemeClr val="tx1"/>
-                </a:solidFill>
-              </a:defRPr>
+              <a:defRPr sz="2400" b="0"/>
             </a:lvl1pPr>
             <a:lvl2pPr marL="457200" indent="0">
               <a:buNone/>
@@ -1509,65 +3778,84 @@
         </p:nvSpPr>
         <p:spPr>
           <a:xfrm>
-            <a:off x="6515944" y="2958273"/>
-            <a:ext cx="4639736" cy="2910821"/>
+            <a:off x="5088384" y="2737245"/>
+            <a:ext cx="4185617" cy="3304117"/>
           </a:xfrm>
         </p:spPr>
         <p:txBody>
+          <a:bodyPr>
+            <a:normAutofit/>
+          </a:bodyPr>
+          <a:lstStyle/>
+          <a:p>
+            <a:pPr lvl="0"/>
+            <a:r>
+              <a:rPr lang="en-US"/>
+              <a:t>Click to edit Master text styles</a:t>
+            </a:r>
+          </a:p>
+          <a:p>
+            <a:pPr lvl="1"/>
+            <a:r>
+              <a:rPr lang="en-US"/>
+              <a:t>Second level</a:t>
+            </a:r>
+          </a:p>
+          <a:p>
+            <a:pPr lvl="2"/>
+            <a:r>
+              <a:rPr lang="en-US"/>
+              <a:t>Third level</a:t>
+            </a:r>
+          </a:p>
+          <a:p>
+            <a:pPr lvl="3"/>
+            <a:r>
+              <a:rPr lang="en-US"/>
+              <a:t>Fourth level</a:t>
+            </a:r>
+          </a:p>
+          <a:p>
+            <a:pPr lvl="4"/>
+            <a:r>
+              <a:rPr lang="en-US"/>
+              <a:t>Fifth level</a:t>
+            </a:r>
+            <a:endParaRPr lang="en-US" dirty="0"/>
+          </a:p>
+        </p:txBody>
+      </p:sp>
+      <p:sp>
+        <p:nvSpPr>
+          <p:cNvPr id="7" name="Date Placeholder 6"/>
+          <p:cNvSpPr>
+            <a:spLocks noGrp="1"/>
+          </p:cNvSpPr>
+          <p:nvPr>
+            <p:ph type="dt" sz="half" idx="10"/>
+          </p:nvPr>
+        </p:nvSpPr>
+        <p:spPr/>
+        <p:txBody>
           <a:bodyPr/>
           <a:lstStyle/>
           <a:p>
-            <a:pPr lvl="0"/>
-            <a:r>
-              <a:rPr lang="en-US"/>
-              <a:t>Click to edit Master text styles</a:t>
-            </a:r>
-          </a:p>
-          <a:p>
-            <a:pPr lvl="1"/>
-            <a:r>
-              <a:rPr lang="en-US"/>
-              <a:t>Second level</a:t>
-            </a:r>
-          </a:p>
-          <a:p>
-            <a:pPr lvl="2"/>
-            <a:r>
-              <a:rPr lang="en-US"/>
-              <a:t>Third level</a:t>
-            </a:r>
-          </a:p>
-          <a:p>
-            <a:pPr lvl="3"/>
-            <a:r>
-              <a:rPr lang="en-US"/>
-              <a:t>Fourth level</a:t>
-            </a:r>
-          </a:p>
-          <a:p>
-            <a:pPr lvl="4"/>
-            <a:r>
-              <a:rPr lang="en-US"/>
-              <a:t>Fifth level</a:t>
-            </a:r>
+            <a:fld id="{D9DF0F1C-5577-4ACB-BB62-DF8F3C494C7E}" type="datetime1">
+              <a:rPr lang="en-US" smtClean="0"/>
+              <a:t>3/21/2022</a:t>
+            </a:fld>
             <a:endParaRPr lang="en-US" dirty="0"/>
           </a:p>
         </p:txBody>
       </p:sp>
       <p:sp>
         <p:nvSpPr>
-          <p:cNvPr id="2" name="Date Placeholder 1">
-            <a:extLst>
-              <a:ext uri="{FF2B5EF4-FFF2-40B4-BE49-F238E27FC236}">
-                <a16:creationId xmlns:a16="http://schemas.microsoft.com/office/drawing/2014/main" id="{8AF8A515-AA94-45D1-9223-5C2272618D85}"/>
-              </a:ext>
-            </a:extLst>
-          </p:cNvPr>
-          <p:cNvSpPr>
-            <a:spLocks noGrp="1"/>
-          </p:cNvSpPr>
-          <p:nvPr>
-            <p:ph type="dt" sz="half" idx="10"/>
+          <p:cNvPr id="8" name="Footer Placeholder 7"/>
+          <p:cNvSpPr>
+            <a:spLocks noGrp="1"/>
+          </p:cNvSpPr>
+          <p:nvPr>
+            <p:ph type="ftr" sz="quarter" idx="11"/>
           </p:nvPr>
         </p:nvSpPr>
         <p:spPr/>
@@ -1575,48 +3863,13 @@
           <a:bodyPr/>
           <a:lstStyle/>
           <a:p>
-            <a:fld id="{D9DF0F1C-5577-4ACB-BB62-DF8F3C494C7E}" type="datetime1">
-              <a:rPr lang="en-US" smtClean="0"/>
-              <a:t>3/18/2022</a:t>
-            </a:fld>
             <a:endParaRPr lang="en-US" dirty="0"/>
           </a:p>
         </p:txBody>
       </p:sp>
       <p:sp>
         <p:nvSpPr>
-          <p:cNvPr id="11" name="Footer Placeholder 10">
-            <a:extLst>
-              <a:ext uri="{FF2B5EF4-FFF2-40B4-BE49-F238E27FC236}">
-                <a16:creationId xmlns:a16="http://schemas.microsoft.com/office/drawing/2014/main" id="{D052F5BC-98E0-4D60-AD67-9547738B7DD4}"/>
-              </a:ext>
-            </a:extLst>
-          </p:cNvPr>
-          <p:cNvSpPr>
-            <a:spLocks noGrp="1"/>
-          </p:cNvSpPr>
-          <p:nvPr>
-            <p:ph type="ftr" sz="quarter" idx="11"/>
-          </p:nvPr>
-        </p:nvSpPr>
-        <p:spPr/>
-        <p:txBody>
-          <a:bodyPr/>
-          <a:lstStyle/>
-          <a:p>
-            <a:endParaRPr lang="en-US" dirty="0"/>
-          </a:p>
-        </p:txBody>
-      </p:sp>
-      <p:sp>
-        <p:nvSpPr>
-          <p:cNvPr id="12" name="Slide Number Placeholder 11">
-            <a:extLst>
-              <a:ext uri="{FF2B5EF4-FFF2-40B4-BE49-F238E27FC236}">
-                <a16:creationId xmlns:a16="http://schemas.microsoft.com/office/drawing/2014/main" id="{A38552DC-952E-41EA-AAAF-C2187523C0B0}"/>
-              </a:ext>
-            </a:extLst>
-          </p:cNvPr>
+          <p:cNvPr id="9" name="Slide Number Placeholder 8"/>
           <p:cNvSpPr>
             <a:spLocks noGrp="1"/>
           </p:cNvSpPr>
@@ -1640,7 +3893,7 @@
     </p:spTree>
     <p:extLst>
       <p:ext uri="{BB962C8B-B14F-4D97-AF65-F5344CB8AC3E}">
-        <p14:creationId xmlns:p14="http://schemas.microsoft.com/office/powerpoint/2010/main" val="1802808341"/>
+        <p14:creationId xmlns:p14="http://schemas.microsoft.com/office/powerpoint/2010/main" val="1299057940"/>
       </p:ext>
     </p:extLst>
   </p:cSld>
@@ -1677,7 +3930,12 @@
             <p:ph type="title"/>
           </p:nvPr>
         </p:nvSpPr>
-        <p:spPr/>
+        <p:spPr>
+          <a:xfrm>
+            <a:off x="677334" y="609600"/>
+            <a:ext cx="8596668" cy="1320800"/>
+          </a:xfrm>
+        </p:spPr>
         <p:txBody>
           <a:bodyPr/>
           <a:lstStyle/>
@@ -1692,13 +3950,7 @@
       </p:sp>
       <p:sp>
         <p:nvSpPr>
-          <p:cNvPr id="6" name="Date Placeholder 5">
-            <a:extLst>
-              <a:ext uri="{FF2B5EF4-FFF2-40B4-BE49-F238E27FC236}">
-                <a16:creationId xmlns:a16="http://schemas.microsoft.com/office/drawing/2014/main" id="{7392073F-158F-44A3-8913-917AFFC1BC20}"/>
-              </a:ext>
-            </a:extLst>
-          </p:cNvPr>
+          <p:cNvPr id="3" name="Date Placeholder 2"/>
           <p:cNvSpPr>
             <a:spLocks noGrp="1"/>
           </p:cNvSpPr>
@@ -1713,7 +3965,7 @@
           <a:p>
             <a:fld id="{1775B394-D9F9-4F0C-B15D-605F45CB9E9F}" type="datetime1">
               <a:rPr lang="en-US" smtClean="0"/>
-              <a:t>3/18/2022</a:t>
+              <a:t>3/21/2022</a:t>
             </a:fld>
             <a:endParaRPr lang="en-US" dirty="0"/>
           </a:p>
@@ -1721,13 +3973,7 @@
       </p:sp>
       <p:sp>
         <p:nvSpPr>
-          <p:cNvPr id="7" name="Footer Placeholder 6">
-            <a:extLst>
-              <a:ext uri="{FF2B5EF4-FFF2-40B4-BE49-F238E27FC236}">
-                <a16:creationId xmlns:a16="http://schemas.microsoft.com/office/drawing/2014/main" id="{EED72207-24CA-42B7-A975-2F8E41CBA904}"/>
-              </a:ext>
-            </a:extLst>
-          </p:cNvPr>
+          <p:cNvPr id="4" name="Footer Placeholder 3"/>
           <p:cNvSpPr>
             <a:spLocks noGrp="1"/>
           </p:cNvSpPr>
@@ -1746,13 +3992,7 @@
       </p:sp>
       <p:sp>
         <p:nvSpPr>
-          <p:cNvPr id="8" name="Slide Number Placeholder 7">
-            <a:extLst>
-              <a:ext uri="{FF2B5EF4-FFF2-40B4-BE49-F238E27FC236}">
-                <a16:creationId xmlns:a16="http://schemas.microsoft.com/office/drawing/2014/main" id="{D01080F2-251A-4B88-9A62-16F46D724F83}"/>
-              </a:ext>
-            </a:extLst>
-          </p:cNvPr>
+          <p:cNvPr id="5" name="Slide Number Placeholder 4"/>
           <p:cNvSpPr>
             <a:spLocks noGrp="1"/>
           </p:cNvSpPr>
@@ -1776,7 +4016,7 @@
     </p:spTree>
     <p:extLst>
       <p:ext uri="{BB962C8B-B14F-4D97-AF65-F5344CB8AC3E}">
-        <p14:creationId xmlns:p14="http://schemas.microsoft.com/office/powerpoint/2010/main" val="2501771173"/>
+        <p14:creationId xmlns:p14="http://schemas.microsoft.com/office/powerpoint/2010/main" val="3534889870"/>
       </p:ext>
     </p:extLst>
   </p:cSld>
@@ -1787,7 +4027,7 @@
 </file>
 
 <file path=ppt/slideLayouts/slideLayout7.xml><?xml version="1.0" encoding="utf-8"?>
-<p:sldLayout xmlns:a="http://schemas.openxmlformats.org/drawingml/2006/main" xmlns:r="http://schemas.openxmlformats.org/officeDocument/2006/relationships" xmlns:p="http://schemas.openxmlformats.org/presentationml/2006/main" showMasterSp="0" type="blank" preserve="1">
+<p:sldLayout xmlns:a="http://schemas.openxmlformats.org/drawingml/2006/main" xmlns:r="http://schemas.openxmlformats.org/officeDocument/2006/relationships" xmlns:p="http://schemas.openxmlformats.org/presentationml/2006/main" type="blank" preserve="1">
   <p:cSld name="Blank">
     <p:spTree>
       <p:nvGrpSpPr>
@@ -1805,57 +4045,7 @@
       </p:grpSpPr>
       <p:sp>
         <p:nvSpPr>
-          <p:cNvPr id="10" name="Rectangle 9">
-            <a:extLst>
-              <a:ext uri="{FF2B5EF4-FFF2-40B4-BE49-F238E27FC236}">
-                <a16:creationId xmlns:a16="http://schemas.microsoft.com/office/drawing/2014/main" id="{A8E9C91B-7EAD-4562-AB0E-DFB9663AECE3}"/>
-              </a:ext>
-            </a:extLst>
-          </p:cNvPr>
-          <p:cNvSpPr/>
-          <p:nvPr/>
-        </p:nvSpPr>
-        <p:spPr>
-          <a:xfrm>
-            <a:off x="3175" y="6400800"/>
-            <a:ext cx="12188825" cy="457200"/>
-          </a:xfrm>
-          <a:prstGeom prst="rect">
-            <a:avLst/>
-          </a:prstGeom>
-          <a:solidFill>
-            <a:srgbClr val="262626"/>
-          </a:solidFill>
-          <a:ln>
-            <a:noFill/>
-          </a:ln>
-        </p:spPr>
-        <p:style>
-          <a:lnRef idx="2">
-            <a:schemeClr val="accent1">
-              <a:shade val="50000"/>
-            </a:schemeClr>
-          </a:lnRef>
-          <a:fillRef idx="1">
-            <a:schemeClr val="accent1"/>
-          </a:fillRef>
-          <a:effectRef idx="0">
-            <a:schemeClr val="accent1"/>
-          </a:effectRef>
-          <a:fontRef idx="minor">
-            <a:schemeClr val="lt1"/>
-          </a:fontRef>
-        </p:style>
-      </p:sp>
-      <p:sp>
-        <p:nvSpPr>
-          <p:cNvPr id="2" name="Date Placeholder 1">
-            <a:extLst>
-              <a:ext uri="{FF2B5EF4-FFF2-40B4-BE49-F238E27FC236}">
-                <a16:creationId xmlns:a16="http://schemas.microsoft.com/office/drawing/2014/main" id="{94E9223F-721F-47BF-9FD5-0F8D12FF0DE1}"/>
-              </a:ext>
-            </a:extLst>
-          </p:cNvPr>
+          <p:cNvPr id="2" name="Date Placeholder 1"/>
           <p:cNvSpPr>
             <a:spLocks noGrp="1"/>
           </p:cNvSpPr>
@@ -1870,7 +4060,7 @@
           <a:p>
             <a:fld id="{39667345-2558-425A-8533-9BFDBCE15005}" type="datetime1">
               <a:rPr lang="en-US" smtClean="0"/>
-              <a:t>3/18/2022</a:t>
+              <a:t>3/21/2022</a:t>
             </a:fld>
             <a:endParaRPr lang="en-US" dirty="0"/>
           </a:p>
@@ -1878,13 +4068,7 @@
       </p:sp>
       <p:sp>
         <p:nvSpPr>
-          <p:cNvPr id="3" name="Footer Placeholder 2">
-            <a:extLst>
-              <a:ext uri="{FF2B5EF4-FFF2-40B4-BE49-F238E27FC236}">
-                <a16:creationId xmlns:a16="http://schemas.microsoft.com/office/drawing/2014/main" id="{05915714-6BBA-4593-8591-4E26F7D58D9F}"/>
-              </a:ext>
-            </a:extLst>
-          </p:cNvPr>
+          <p:cNvPr id="3" name="Footer Placeholder 2"/>
           <p:cNvSpPr>
             <a:spLocks noGrp="1"/>
           </p:cNvSpPr>
@@ -1903,13 +4087,7 @@
       </p:sp>
       <p:sp>
         <p:nvSpPr>
-          <p:cNvPr id="4" name="Slide Number Placeholder 3">
-            <a:extLst>
-              <a:ext uri="{FF2B5EF4-FFF2-40B4-BE49-F238E27FC236}">
-                <a16:creationId xmlns:a16="http://schemas.microsoft.com/office/drawing/2014/main" id="{BE06F857-D2E1-44DD-ABDD-EBB739645B67}"/>
-              </a:ext>
-            </a:extLst>
-          </p:cNvPr>
+          <p:cNvPr id="4" name="Slide Number Placeholder 3"/>
           <p:cNvSpPr>
             <a:spLocks noGrp="1"/>
           </p:cNvSpPr>
@@ -1933,7 +4111,7 @@
     </p:spTree>
     <p:extLst>
       <p:ext uri="{BB962C8B-B14F-4D97-AF65-F5344CB8AC3E}">
-        <p14:creationId xmlns:p14="http://schemas.microsoft.com/office/powerpoint/2010/main" val="3150701673"/>
+        <p14:creationId xmlns:p14="http://schemas.microsoft.com/office/powerpoint/2010/main" val="3526558560"/>
       </p:ext>
     </p:extLst>
   </p:cSld>
@@ -1944,7 +4122,7 @@
 </file>
 
 <file path=ppt/slideLayouts/slideLayout8.xml><?xml version="1.0" encoding="utf-8"?>
-<p:sldLayout xmlns:a="http://schemas.openxmlformats.org/drawingml/2006/main" xmlns:r="http://schemas.openxmlformats.org/officeDocument/2006/relationships" xmlns:p="http://schemas.openxmlformats.org/presentationml/2006/main" showMasterSp="0" type="objTx" preserve="1">
+<p:sldLayout xmlns:a="http://schemas.openxmlformats.org/drawingml/2006/main" xmlns:r="http://schemas.openxmlformats.org/officeDocument/2006/relationships" xmlns:p="http://schemas.openxmlformats.org/presentationml/2006/main" type="objTx" preserve="1">
   <p:cSld name="Content with Caption">
     <p:spTree>
       <p:nvGrpSpPr>
@@ -1962,62 +4140,18 @@
       </p:grpSpPr>
       <p:sp>
         <p:nvSpPr>
-          <p:cNvPr id="8" name="Rectangle 7">
-            <a:extLst>
-              <a:ext uri="{FF2B5EF4-FFF2-40B4-BE49-F238E27FC236}">
-                <a16:creationId xmlns:a16="http://schemas.microsoft.com/office/drawing/2014/main" id="{16D90D66-BCB9-4229-A829-628874352AC0}"/>
-              </a:ext>
-            </a:extLst>
-          </p:cNvPr>
-          <p:cNvSpPr/>
-          <p:nvPr/>
+          <p:cNvPr id="2" name="Title 1"/>
+          <p:cNvSpPr>
+            <a:spLocks noGrp="1"/>
+          </p:cNvSpPr>
+          <p:nvPr>
+            <p:ph type="title"/>
+          </p:nvPr>
         </p:nvSpPr>
         <p:spPr>
           <a:xfrm>
-            <a:off x="16" y="0"/>
-            <a:ext cx="4654296" cy="6858000"/>
-          </a:xfrm>
-          <a:prstGeom prst="rect">
-            <a:avLst/>
-          </a:prstGeom>
-          <a:solidFill>
-            <a:srgbClr val="262626"/>
-          </a:solidFill>
-          <a:ln>
-            <a:noFill/>
-          </a:ln>
-        </p:spPr>
-        <p:style>
-          <a:lnRef idx="2">
-            <a:schemeClr val="accent1">
-              <a:shade val="50000"/>
-            </a:schemeClr>
-          </a:lnRef>
-          <a:fillRef idx="1">
-            <a:schemeClr val="accent1"/>
-          </a:fillRef>
-          <a:effectRef idx="0">
-            <a:schemeClr val="accent1"/>
-          </a:effectRef>
-          <a:fontRef idx="minor">
-            <a:schemeClr val="lt1"/>
-          </a:fontRef>
-        </p:style>
-      </p:sp>
-      <p:sp>
-        <p:nvSpPr>
-          <p:cNvPr id="2" name="Title 1"/>
-          <p:cNvSpPr>
-            <a:spLocks noGrp="1"/>
-          </p:cNvSpPr>
-          <p:nvPr>
-            <p:ph type="title"/>
-          </p:nvPr>
-        </p:nvSpPr>
-        <p:spPr>
-          <a:xfrm>
-            <a:off x="643466" y="786383"/>
-            <a:ext cx="3517567" cy="2093975"/>
+            <a:off x="677334" y="1498604"/>
+            <a:ext cx="3854528" cy="1278466"/>
           </a:xfrm>
         </p:spPr>
         <p:txBody>
@@ -2026,14 +4160,7 @@
           </a:bodyPr>
           <a:lstStyle>
             <a:lvl1pPr>
-              <a:lnSpc>
-                <a:spcPct val="90000"/>
-              </a:lnSpc>
-              <a:defRPr sz="3600" b="0">
-                <a:solidFill>
-                  <a:srgbClr val="FFFFFF"/>
-                </a:solidFill>
-              </a:defRPr>
+              <a:defRPr sz="2000"/>
             </a:lvl1pPr>
           </a:lstStyle>
           <a:p>
@@ -2057,12 +4184,14 @@
         </p:nvSpPr>
         <p:spPr>
           <a:xfrm>
-            <a:off x="5458984" y="812799"/>
-            <a:ext cx="5928344" cy="5294757"/>
+            <a:off x="4760461" y="514924"/>
+            <a:ext cx="4513541" cy="5526437"/>
           </a:xfrm>
         </p:spPr>
         <p:txBody>
-          <a:bodyPr/>
+          <a:bodyPr>
+            <a:normAutofit/>
+          </a:bodyPr>
           <a:lstStyle/>
           <a:p>
             <a:pPr lvl="0"/>
@@ -2114,54 +4243,50 @@
         </p:nvSpPr>
         <p:spPr>
           <a:xfrm>
-            <a:off x="643465" y="3043050"/>
-            <a:ext cx="3517567" cy="3064505"/>
+            <a:off x="677334" y="2777069"/>
+            <a:ext cx="3854528" cy="2584449"/>
           </a:xfrm>
         </p:spPr>
         <p:txBody>
-          <a:bodyPr lIns="91440" rIns="91440">
+          <a:bodyPr>
             <a:normAutofit/>
           </a:bodyPr>
           <a:lstStyle>
             <a:lvl1pPr marL="0" indent="0">
               <a:buNone/>
-              <a:defRPr sz="1800">
-                <a:solidFill>
-                  <a:srgbClr val="FFFFFF"/>
-                </a:solidFill>
-              </a:defRPr>
+              <a:defRPr sz="1400"/>
             </a:lvl1pPr>
-            <a:lvl2pPr marL="457200" indent="0">
+            <a:lvl2pPr marL="457063" indent="0">
+              <a:buNone/>
+              <a:defRPr sz="1400"/>
+            </a:lvl2pPr>
+            <a:lvl3pPr marL="914126" indent="0">
               <a:buNone/>
               <a:defRPr sz="1200"/>
-            </a:lvl2pPr>
-            <a:lvl3pPr marL="914400" indent="0">
+            </a:lvl3pPr>
+            <a:lvl4pPr marL="1371189" indent="0">
               <a:buNone/>
               <a:defRPr sz="1000"/>
-            </a:lvl3pPr>
-            <a:lvl4pPr marL="1371600" indent="0">
-              <a:buNone/>
-              <a:defRPr sz="900"/>
             </a:lvl4pPr>
-            <a:lvl5pPr marL="1828800" indent="0">
-              <a:buNone/>
-              <a:defRPr sz="900"/>
+            <a:lvl5pPr marL="1828251" indent="0">
+              <a:buNone/>
+              <a:defRPr sz="1000"/>
             </a:lvl5pPr>
-            <a:lvl6pPr marL="2286000" indent="0">
-              <a:buNone/>
-              <a:defRPr sz="900"/>
+            <a:lvl6pPr marL="2285314" indent="0">
+              <a:buNone/>
+              <a:defRPr sz="1000"/>
             </a:lvl6pPr>
-            <a:lvl7pPr marL="2743200" indent="0">
-              <a:buNone/>
-              <a:defRPr sz="900"/>
+            <a:lvl7pPr marL="2742377" indent="0">
+              <a:buNone/>
+              <a:defRPr sz="1000"/>
             </a:lvl7pPr>
-            <a:lvl8pPr marL="3200400" indent="0">
-              <a:buNone/>
-              <a:defRPr sz="900"/>
+            <a:lvl8pPr marL="3199440" indent="0">
+              <a:buNone/>
+              <a:defRPr sz="1000"/>
             </a:lvl8pPr>
-            <a:lvl9pPr marL="3657600" indent="0">
-              <a:buNone/>
-              <a:defRPr sz="900"/>
+            <a:lvl9pPr marL="3656503" indent="0">
+              <a:buNone/>
+              <a:defRPr sz="1000"/>
             </a:lvl9pPr>
           </a:lstStyle>
           <a:p>
@@ -2183,23 +4308,14 @@
             <p:ph type="dt" sz="half" idx="10"/>
           </p:nvPr>
         </p:nvSpPr>
-        <p:spPr>
-          <a:xfrm>
-            <a:off x="643464" y="6446520"/>
-            <a:ext cx="3517568" cy="365125"/>
-          </a:xfrm>
-        </p:spPr>
+        <p:spPr/>
         <p:txBody>
           <a:bodyPr/>
-          <a:lstStyle>
-            <a:lvl1pPr algn="l">
-              <a:defRPr/>
-            </a:lvl1pPr>
-          </a:lstStyle>
+          <a:lstStyle/>
           <a:p>
             <a:fld id="{92BEA474-078D-4E9B-9B14-09A87B19DC46}" type="datetime1">
               <a:rPr lang="en-US" smtClean="0"/>
-              <a:t>3/18/2022</a:t>
+              <a:t>3/21/2022</a:t>
             </a:fld>
             <a:endParaRPr lang="en-US" dirty="0"/>
           </a:p>
@@ -2215,23 +4331,10 @@
             <p:ph type="ftr" sz="quarter" idx="11"/>
           </p:nvPr>
         </p:nvSpPr>
-        <p:spPr>
-          <a:xfrm>
-            <a:off x="5458983" y="6446520"/>
-            <a:ext cx="5334019" cy="365125"/>
-          </a:xfrm>
-        </p:spPr>
+        <p:spPr/>
         <p:txBody>
           <a:bodyPr/>
-          <a:lstStyle>
-            <a:lvl1pPr algn="l">
-              <a:defRPr>
-                <a:solidFill>
-                  <a:schemeClr val="tx2"/>
-                </a:solidFill>
-              </a:defRPr>
-            </a:lvl1pPr>
-          </a:lstStyle>
+          <a:lstStyle/>
           <a:p>
             <a:endParaRPr lang="en-US" dirty="0"/>
           </a:p>
@@ -2250,15 +4353,7 @@
         <p:spPr/>
         <p:txBody>
           <a:bodyPr/>
-          <a:lstStyle>
-            <a:lvl1pPr>
-              <a:defRPr>
-                <a:solidFill>
-                  <a:schemeClr val="tx2"/>
-                </a:solidFill>
-              </a:defRPr>
-            </a:lvl1pPr>
-          </a:lstStyle>
+          <a:lstStyle/>
           <a:p>
             <a:fld id="{3A98EE3D-8CD1-4C3F-BD1C-C98C9596463C}" type="slidenum">
               <a:rPr lang="en-US" smtClean="0"/>
@@ -2272,7 +4367,7 @@
     </p:spTree>
     <p:extLst>
       <p:ext uri="{BB962C8B-B14F-4D97-AF65-F5344CB8AC3E}">
-        <p14:creationId xmlns:p14="http://schemas.microsoft.com/office/powerpoint/2010/main" val="801302048"/>
+        <p14:creationId xmlns:p14="http://schemas.microsoft.com/office/powerpoint/2010/main" val="2668232211"/>
       </p:ext>
     </p:extLst>
   </p:cSld>
@@ -2283,7 +4378,7 @@
 </file>
 
 <file path=ppt/slideLayouts/slideLayout9.xml><?xml version="1.0" encoding="utf-8"?>
-<p:sldLayout xmlns:a="http://schemas.openxmlformats.org/drawingml/2006/main" xmlns:r="http://schemas.openxmlformats.org/officeDocument/2006/relationships" xmlns:p="http://schemas.openxmlformats.org/presentationml/2006/main" showMasterSp="0" type="picTx" preserve="1">
+<p:sldLayout xmlns:a="http://schemas.openxmlformats.org/drawingml/2006/main" xmlns:r="http://schemas.openxmlformats.org/officeDocument/2006/relationships" xmlns:p="http://schemas.openxmlformats.org/presentationml/2006/main" type="picTx" preserve="1">
   <p:cSld name="Picture with Caption">
     <p:spTree>
       <p:nvGrpSpPr>
@@ -2301,47 +4396,37 @@
       </p:grpSpPr>
       <p:sp>
         <p:nvSpPr>
-          <p:cNvPr id="8" name="Rectangle 7">
-            <a:extLst>
-              <a:ext uri="{FF2B5EF4-FFF2-40B4-BE49-F238E27FC236}">
-                <a16:creationId xmlns:a16="http://schemas.microsoft.com/office/drawing/2014/main" id="{DA134939-39C0-4522-A125-A13DFDA66490}"/>
-              </a:ext>
-            </a:extLst>
-          </p:cNvPr>
-          <p:cNvSpPr/>
-          <p:nvPr/>
+          <p:cNvPr id="2" name="Title 1"/>
+          <p:cNvSpPr>
+            <a:spLocks noGrp="1"/>
+          </p:cNvSpPr>
+          <p:nvPr>
+            <p:ph type="title"/>
+          </p:nvPr>
         </p:nvSpPr>
         <p:spPr>
           <a:xfrm>
-            <a:off x="0" y="4578350"/>
-            <a:ext cx="12188825" cy="2279650"/>
+            <a:off x="677334" y="4800600"/>
+            <a:ext cx="8596667" cy="566738"/>
           </a:xfrm>
-          <a:prstGeom prst="rect">
-            <a:avLst/>
-          </a:prstGeom>
-          <a:solidFill>
-            <a:srgbClr val="262626"/>
-          </a:solidFill>
-          <a:ln>
-            <a:noFill/>
-          </a:ln>
         </p:spPr>
-        <p:style>
-          <a:lnRef idx="2">
-            <a:schemeClr val="accent1">
-              <a:shade val="50000"/>
-            </a:schemeClr>
-          </a:lnRef>
-          <a:fillRef idx="1">
-            <a:schemeClr val="accent1"/>
-          </a:fillRef>
-          <a:effectRef idx="0">
-            <a:schemeClr val="accent1"/>
-          </a:effectRef>
-          <a:fontRef idx="minor">
-            <a:schemeClr val="lt1"/>
-          </a:fontRef>
-        </p:style>
+        <p:txBody>
+          <a:bodyPr anchor="b">
+            <a:normAutofit/>
+          </a:bodyPr>
+          <a:lstStyle>
+            <a:lvl1pPr algn="l">
+              <a:defRPr sz="2400" b="0"/>
+            </a:lvl1pPr>
+          </a:lstStyle>
+          <a:p>
+            <a:r>
+              <a:rPr lang="en-US"/>
+              <a:t>Click to edit Master title style</a:t>
+            </a:r>
+            <a:endParaRPr lang="en-US" dirty="0"/>
+          </a:p>
+        </p:txBody>
       </p:sp>
       <p:sp>
         <p:nvSpPr>
@@ -2355,53 +4440,50 @@
         </p:nvSpPr>
         <p:spPr>
           <a:xfrm>
-            <a:off x="15" y="0"/>
-            <a:ext cx="12191985" cy="4578350"/>
+            <a:off x="677334" y="609600"/>
+            <a:ext cx="8596668" cy="3845718"/>
           </a:xfrm>
-          <a:solidFill>
-            <a:schemeClr val="bg1">
-              <a:lumMod val="85000"/>
-            </a:schemeClr>
-          </a:solidFill>
         </p:spPr>
         <p:txBody>
-          <a:bodyPr lIns="457200" tIns="457200" anchor="t"/>
+          <a:bodyPr anchor="t">
+            <a:normAutofit/>
+          </a:bodyPr>
           <a:lstStyle>
-            <a:lvl1pPr marL="0" indent="0">
-              <a:buNone/>
-              <a:defRPr sz="3200"/>
+            <a:lvl1pPr marL="0" indent="0" algn="ctr">
+              <a:buNone/>
+              <a:defRPr sz="1600"/>
             </a:lvl1pPr>
             <a:lvl2pPr marL="457200" indent="0">
               <a:buNone/>
-              <a:defRPr sz="2800"/>
+              <a:defRPr sz="1600"/>
             </a:lvl2pPr>
             <a:lvl3pPr marL="914400" indent="0">
               <a:buNone/>
-              <a:defRPr sz="2400"/>
+              <a:defRPr sz="1600"/>
             </a:lvl3pPr>
             <a:lvl4pPr marL="1371600" indent="0">
               <a:buNone/>
-              <a:defRPr sz="2000"/>
+              <a:defRPr sz="1600"/>
             </a:lvl4pPr>
             <a:lvl5pPr marL="1828800" indent="0">
               <a:buNone/>
-              <a:defRPr sz="2000"/>
+              <a:defRPr sz="1600"/>
             </a:lvl5pPr>
             <a:lvl6pPr marL="2286000" indent="0">
               <a:buNone/>
-              <a:defRPr sz="2000"/>
+              <a:defRPr sz="1600"/>
             </a:lvl6pPr>
             <a:lvl7pPr marL="2743200" indent="0">
               <a:buNone/>
-              <a:defRPr sz="2000"/>
+              <a:defRPr sz="1600"/>
             </a:lvl7pPr>
             <a:lvl8pPr marL="3200400" indent="0">
               <a:buNone/>
-              <a:defRPr sz="2000"/>
+              <a:defRPr sz="1600"/>
             </a:lvl8pPr>
             <a:lvl9pPr marL="3657600" indent="0">
               <a:buNone/>
-              <a:defRPr sz="2000"/>
+              <a:defRPr sz="1600"/>
             </a:lvl9pPr>
           </a:lstStyle>
           <a:p>
@@ -2415,76 +4497,28 @@
       </p:sp>
       <p:sp>
         <p:nvSpPr>
-          <p:cNvPr id="2" name="Title 1"/>
-          <p:cNvSpPr>
-            <a:spLocks noGrp="1"/>
-          </p:cNvSpPr>
-          <p:nvPr>
-            <p:ph type="title"/>
+          <p:cNvPr id="4" name="Text Placeholder 3"/>
+          <p:cNvSpPr>
+            <a:spLocks noGrp="1"/>
+          </p:cNvSpPr>
+          <p:nvPr>
+            <p:ph type="body" sz="half" idx="2"/>
           </p:nvPr>
         </p:nvSpPr>
         <p:spPr>
           <a:xfrm>
-            <a:off x="1097279" y="4799362"/>
-            <a:ext cx="10113645" cy="743682"/>
+            <a:off x="677334" y="5367338"/>
+            <a:ext cx="8596667" cy="674024"/>
           </a:xfrm>
         </p:spPr>
         <p:txBody>
-          <a:bodyPr tIns="0" bIns="0" anchor="b">
-            <a:noAutofit/>
-          </a:bodyPr>
-          <a:lstStyle>
-            <a:lvl1pPr>
-              <a:defRPr sz="3600" b="0">
-                <a:solidFill>
-                  <a:srgbClr val="FFFFFF"/>
-                </a:solidFill>
-              </a:defRPr>
-            </a:lvl1pPr>
-          </a:lstStyle>
-          <a:p>
-            <a:r>
-              <a:rPr lang="en-US"/>
-              <a:t>Click to edit Master title style</a:t>
-            </a:r>
-            <a:endParaRPr lang="en-US" dirty="0"/>
-          </a:p>
-        </p:txBody>
-      </p:sp>
-      <p:sp>
-        <p:nvSpPr>
-          <p:cNvPr id="4" name="Text Placeholder 3"/>
-          <p:cNvSpPr>
-            <a:spLocks noGrp="1"/>
-          </p:cNvSpPr>
-          <p:nvPr>
-            <p:ph type="body" sz="half" idx="2"/>
-          </p:nvPr>
-        </p:nvSpPr>
-        <p:spPr>
-          <a:xfrm>
-            <a:off x="1097279" y="5715000"/>
-            <a:ext cx="10113264" cy="609600"/>
-          </a:xfrm>
-        </p:spPr>
-        <p:txBody>
-          <a:bodyPr lIns="91440" tIns="0" rIns="91440" bIns="0">
+          <a:bodyPr>
             <a:normAutofit/>
           </a:bodyPr>
           <a:lstStyle>
             <a:lvl1pPr marL="0" indent="0">
-              <a:spcBef>
-                <a:spcPts val="0"/>
-              </a:spcBef>
-              <a:spcAft>
-                <a:spcPts val="600"/>
-              </a:spcAft>
-              <a:buNone/>
-              <a:defRPr sz="1800">
-                <a:solidFill>
-                  <a:srgbClr val="FFFFFF"/>
-                </a:solidFill>
-              </a:defRPr>
+              <a:buNone/>
+              <a:defRPr sz="1200"/>
             </a:lvl1pPr>
             <a:lvl2pPr marL="457200" indent="0">
               <a:buNone/>
@@ -2541,15 +4575,11 @@
         <p:spPr/>
         <p:txBody>
           <a:bodyPr/>
-          <a:lstStyle>
-            <a:lvl1pPr>
-              <a:defRPr/>
-            </a:lvl1pPr>
-          </a:lstStyle>
+          <a:lstStyle/>
           <a:p>
             <a:fld id="{4907D986-8816-4272-A432-0437A28A9828}" type="datetime1">
               <a:rPr lang="en-US" smtClean="0"/>
-              <a:t>3/18/2022</a:t>
+              <a:t>3/21/2022</a:t>
             </a:fld>
             <a:endParaRPr lang="en-US" dirty="0"/>
           </a:p>
@@ -2565,12 +4595,7 @@
             <p:ph type="ftr" sz="quarter" idx="11"/>
           </p:nvPr>
         </p:nvSpPr>
-        <p:spPr>
-          <a:xfrm>
-            <a:off x="1097279" y="6446838"/>
-            <a:ext cx="6818262" cy="365125"/>
-          </a:xfrm>
-        </p:spPr>
+        <p:spPr/>
         <p:txBody>
           <a:bodyPr/>
           <a:lstStyle/>
@@ -2606,7 +4631,7 @@
     </p:spTree>
     <p:extLst>
       <p:ext uri="{BB962C8B-B14F-4D97-AF65-F5344CB8AC3E}">
-        <p14:creationId xmlns:p14="http://schemas.microsoft.com/office/powerpoint/2010/main" val="2258826855"/>
+        <p14:creationId xmlns:p14="http://schemas.microsoft.com/office/powerpoint/2010/main" val="3592250308"/>
       </p:ext>
     </p:extLst>
   </p:cSld>
@@ -2638,71 +4663,557 @@
           <a:chExt cx="0" cy="0"/>
         </a:xfrm>
       </p:grpSpPr>
-      <p:sp>
-        <p:nvSpPr>
-          <p:cNvPr id="7" name="Rectangle 6">
-            <a:extLst>
-              <a:ext uri="{FF2B5EF4-FFF2-40B4-BE49-F238E27FC236}">
-                <a16:creationId xmlns:a16="http://schemas.microsoft.com/office/drawing/2014/main" id="{416A0E3C-60E6-4F39-BC55-5F7C224E1F7C}"/>
-              </a:ext>
-            </a:extLst>
-          </p:cNvPr>
-          <p:cNvSpPr/>
+      <p:grpSp>
+        <p:nvGrpSpPr>
+          <p:cNvPr id="7" name="Group 6"/>
+          <p:cNvGrpSpPr/>
           <p:nvPr/>
+        </p:nvGrpSpPr>
+        <p:grpSpPr>
+          <a:xfrm>
+            <a:off x="0" y="-8467"/>
+            <a:ext cx="12192000" cy="6866467"/>
+            <a:chOff x="0" y="-8467"/>
+            <a:chExt cx="12192000" cy="6866467"/>
+          </a:xfrm>
+        </p:grpSpPr>
+        <p:cxnSp>
+          <p:nvCxnSpPr>
+            <p:cNvPr id="20" name="Straight Connector 19"/>
+            <p:cNvCxnSpPr/>
+            <p:nvPr/>
+          </p:nvCxnSpPr>
+          <p:spPr>
+            <a:xfrm>
+              <a:off x="9371012" y="0"/>
+              <a:ext cx="1219200" cy="6858000"/>
+            </a:xfrm>
+            <a:prstGeom prst="line">
+              <a:avLst/>
+            </a:prstGeom>
+            <a:ln w="9525">
+              <a:solidFill>
+                <a:schemeClr val="bg1">
+                  <a:lumMod val="75000"/>
+                </a:schemeClr>
+              </a:solidFill>
+            </a:ln>
+          </p:spPr>
+          <p:style>
+            <a:lnRef idx="2">
+              <a:schemeClr val="accent1"/>
+            </a:lnRef>
+            <a:fillRef idx="0">
+              <a:schemeClr val="accent1"/>
+            </a:fillRef>
+            <a:effectRef idx="1">
+              <a:schemeClr val="accent1"/>
+            </a:effectRef>
+            <a:fontRef idx="minor">
+              <a:schemeClr val="tx1"/>
+            </a:fontRef>
+          </p:style>
+        </p:cxnSp>
+        <p:cxnSp>
+          <p:nvCxnSpPr>
+            <p:cNvPr id="21" name="Straight Connector 20"/>
+            <p:cNvCxnSpPr/>
+            <p:nvPr/>
+          </p:nvCxnSpPr>
+          <p:spPr>
+            <a:xfrm flipH="1">
+              <a:off x="7425267" y="3681413"/>
+              <a:ext cx="4763558" cy="3176587"/>
+            </a:xfrm>
+            <a:prstGeom prst="line">
+              <a:avLst/>
+            </a:prstGeom>
+            <a:ln w="9525">
+              <a:solidFill>
+                <a:schemeClr val="bg1">
+                  <a:lumMod val="85000"/>
+                </a:schemeClr>
+              </a:solidFill>
+            </a:ln>
+          </p:spPr>
+          <p:style>
+            <a:lnRef idx="2">
+              <a:schemeClr val="accent1"/>
+            </a:lnRef>
+            <a:fillRef idx="0">
+              <a:schemeClr val="accent1"/>
+            </a:fillRef>
+            <a:effectRef idx="1">
+              <a:schemeClr val="accent1"/>
+            </a:effectRef>
+            <a:fontRef idx="minor">
+              <a:schemeClr val="tx1"/>
+            </a:fontRef>
+          </p:style>
+        </p:cxnSp>
+        <p:sp>
+          <p:nvSpPr>
+            <p:cNvPr id="22" name="Rectangle 23"/>
+            <p:cNvSpPr/>
+            <p:nvPr/>
+          </p:nvSpPr>
+          <p:spPr>
+            <a:xfrm>
+              <a:off x="9181476" y="-8467"/>
+              <a:ext cx="3007349" cy="6866467"/>
+            </a:xfrm>
+            <a:custGeom>
+              <a:avLst/>
+              <a:gdLst/>
+              <a:ahLst/>
+              <a:cxnLst/>
+              <a:rect l="l" t="t" r="r" b="b"/>
+              <a:pathLst>
+                <a:path w="3007349" h="6866467">
+                  <a:moveTo>
+                    <a:pt x="2045532" y="0"/>
+                  </a:moveTo>
+                  <a:lnTo>
+                    <a:pt x="3007349" y="0"/>
+                  </a:lnTo>
+                  <a:lnTo>
+                    <a:pt x="3007349" y="6866467"/>
+                  </a:lnTo>
+                  <a:lnTo>
+                    <a:pt x="0" y="6866467"/>
+                  </a:lnTo>
+                  <a:lnTo>
+                    <a:pt x="2045532" y="0"/>
+                  </a:lnTo>
+                  <a:close/>
+                </a:path>
+              </a:pathLst>
+            </a:custGeom>
+            <a:solidFill>
+              <a:schemeClr val="accent1">
+                <a:alpha val="30000"/>
+              </a:schemeClr>
+            </a:solidFill>
+            <a:ln>
+              <a:noFill/>
+            </a:ln>
+            <a:effectLst/>
+          </p:spPr>
+          <p:style>
+            <a:lnRef idx="1">
+              <a:schemeClr val="accent1"/>
+            </a:lnRef>
+            <a:fillRef idx="3">
+              <a:schemeClr val="accent1"/>
+            </a:fillRef>
+            <a:effectRef idx="2">
+              <a:schemeClr val="accent1"/>
+            </a:effectRef>
+            <a:fontRef idx="minor">
+              <a:schemeClr val="lt1"/>
+            </a:fontRef>
+          </p:style>
+        </p:sp>
+        <p:sp>
+          <p:nvSpPr>
+            <p:cNvPr id="23" name="Rectangle 25"/>
+            <p:cNvSpPr/>
+            <p:nvPr/>
+          </p:nvSpPr>
+          <p:spPr>
+            <a:xfrm>
+              <a:off x="9603442" y="-8467"/>
+              <a:ext cx="2588558" cy="6866467"/>
+            </a:xfrm>
+            <a:custGeom>
+              <a:avLst/>
+              <a:gdLst/>
+              <a:ahLst/>
+              <a:cxnLst/>
+              <a:rect l="l" t="t" r="r" b="b"/>
+              <a:pathLst>
+                <a:path w="2573311" h="6866467">
+                  <a:moveTo>
+                    <a:pt x="0" y="0"/>
+                  </a:moveTo>
+                  <a:lnTo>
+                    <a:pt x="2573311" y="0"/>
+                  </a:lnTo>
+                  <a:lnTo>
+                    <a:pt x="2573311" y="6866467"/>
+                  </a:lnTo>
+                  <a:lnTo>
+                    <a:pt x="1202336" y="6866467"/>
+                  </a:lnTo>
+                  <a:lnTo>
+                    <a:pt x="0" y="0"/>
+                  </a:lnTo>
+                  <a:close/>
+                </a:path>
+              </a:pathLst>
+            </a:custGeom>
+            <a:solidFill>
+              <a:schemeClr val="accent1">
+                <a:alpha val="20000"/>
+              </a:schemeClr>
+            </a:solidFill>
+            <a:ln>
+              <a:noFill/>
+            </a:ln>
+            <a:effectLst/>
+          </p:spPr>
+          <p:style>
+            <a:lnRef idx="1">
+              <a:schemeClr val="accent1"/>
+            </a:lnRef>
+            <a:fillRef idx="3">
+              <a:schemeClr val="accent1"/>
+            </a:fillRef>
+            <a:effectRef idx="2">
+              <a:schemeClr val="accent1"/>
+            </a:effectRef>
+            <a:fontRef idx="minor">
+              <a:schemeClr val="lt1"/>
+            </a:fontRef>
+          </p:style>
+        </p:sp>
+        <p:sp>
+          <p:nvSpPr>
+            <p:cNvPr id="24" name="Isosceles Triangle 23"/>
+            <p:cNvSpPr/>
+            <p:nvPr/>
+          </p:nvSpPr>
+          <p:spPr>
+            <a:xfrm>
+              <a:off x="8932333" y="3048000"/>
+              <a:ext cx="3259667" cy="3810000"/>
+            </a:xfrm>
+            <a:prstGeom prst="triangle">
+              <a:avLst>
+                <a:gd name="adj" fmla="val 100000"/>
+              </a:avLst>
+            </a:prstGeom>
+            <a:solidFill>
+              <a:schemeClr val="accent2">
+                <a:alpha val="72000"/>
+              </a:schemeClr>
+            </a:solidFill>
+            <a:ln>
+              <a:noFill/>
+            </a:ln>
+            <a:effectLst/>
+          </p:spPr>
+          <p:style>
+            <a:lnRef idx="1">
+              <a:schemeClr val="accent1"/>
+            </a:lnRef>
+            <a:fillRef idx="3">
+              <a:schemeClr val="accent1"/>
+            </a:fillRef>
+            <a:effectRef idx="2">
+              <a:schemeClr val="accent1"/>
+            </a:effectRef>
+            <a:fontRef idx="minor">
+              <a:schemeClr val="lt1"/>
+            </a:fontRef>
+          </p:style>
+        </p:sp>
+        <p:sp>
+          <p:nvSpPr>
+            <p:cNvPr id="25" name="Rectangle 27"/>
+            <p:cNvSpPr/>
+            <p:nvPr/>
+          </p:nvSpPr>
+          <p:spPr>
+            <a:xfrm>
+              <a:off x="9334500" y="-8467"/>
+              <a:ext cx="2854326" cy="6866467"/>
+            </a:xfrm>
+            <a:custGeom>
+              <a:avLst/>
+              <a:gdLst/>
+              <a:ahLst/>
+              <a:cxnLst/>
+              <a:rect l="l" t="t" r="r" b="b"/>
+              <a:pathLst>
+                <a:path w="2858013" h="6866467">
+                  <a:moveTo>
+                    <a:pt x="0" y="0"/>
+                  </a:moveTo>
+                  <a:lnTo>
+                    <a:pt x="2858013" y="0"/>
+                  </a:lnTo>
+                  <a:lnTo>
+                    <a:pt x="2858013" y="6866467"/>
+                  </a:lnTo>
+                  <a:lnTo>
+                    <a:pt x="2473942" y="6866467"/>
+                  </a:lnTo>
+                  <a:lnTo>
+                    <a:pt x="0" y="0"/>
+                  </a:lnTo>
+                  <a:close/>
+                </a:path>
+              </a:pathLst>
+            </a:custGeom>
+            <a:solidFill>
+              <a:schemeClr val="accent2">
+                <a:lumMod val="75000"/>
+                <a:alpha val="70000"/>
+              </a:schemeClr>
+            </a:solidFill>
+            <a:ln>
+              <a:noFill/>
+            </a:ln>
+            <a:effectLst/>
+          </p:spPr>
+          <p:style>
+            <a:lnRef idx="1">
+              <a:schemeClr val="accent1"/>
+            </a:lnRef>
+            <a:fillRef idx="3">
+              <a:schemeClr val="accent1"/>
+            </a:fillRef>
+            <a:effectRef idx="2">
+              <a:schemeClr val="accent1"/>
+            </a:effectRef>
+            <a:fontRef idx="minor">
+              <a:schemeClr val="lt1"/>
+            </a:fontRef>
+          </p:style>
+        </p:sp>
+        <p:sp>
+          <p:nvSpPr>
+            <p:cNvPr id="26" name="Rectangle 28"/>
+            <p:cNvSpPr/>
+            <p:nvPr/>
+          </p:nvSpPr>
+          <p:spPr>
+            <a:xfrm>
+              <a:off x="10898730" y="-8467"/>
+              <a:ext cx="1290094" cy="6866467"/>
+            </a:xfrm>
+            <a:custGeom>
+              <a:avLst/>
+              <a:gdLst/>
+              <a:ahLst/>
+              <a:cxnLst/>
+              <a:rect l="l" t="t" r="r" b="b"/>
+              <a:pathLst>
+                <a:path w="1290094" h="6858000">
+                  <a:moveTo>
+                    <a:pt x="1019735" y="0"/>
+                  </a:moveTo>
+                  <a:lnTo>
+                    <a:pt x="1290094" y="0"/>
+                  </a:lnTo>
+                  <a:lnTo>
+                    <a:pt x="1290094" y="6858000"/>
+                  </a:lnTo>
+                  <a:lnTo>
+                    <a:pt x="0" y="6858000"/>
+                  </a:lnTo>
+                  <a:lnTo>
+                    <a:pt x="1019735" y="0"/>
+                  </a:lnTo>
+                  <a:close/>
+                </a:path>
+              </a:pathLst>
+            </a:custGeom>
+            <a:solidFill>
+              <a:schemeClr val="accent1">
+                <a:lumMod val="60000"/>
+                <a:lumOff val="40000"/>
+                <a:alpha val="70000"/>
+              </a:schemeClr>
+            </a:solidFill>
+            <a:ln>
+              <a:noFill/>
+            </a:ln>
+            <a:effectLst/>
+          </p:spPr>
+          <p:style>
+            <a:lnRef idx="1">
+              <a:schemeClr val="accent1"/>
+            </a:lnRef>
+            <a:fillRef idx="3">
+              <a:schemeClr val="accent1"/>
+            </a:fillRef>
+            <a:effectRef idx="2">
+              <a:schemeClr val="accent1"/>
+            </a:effectRef>
+            <a:fontRef idx="minor">
+              <a:schemeClr val="lt1"/>
+            </a:fontRef>
+          </p:style>
+        </p:sp>
+        <p:sp>
+          <p:nvSpPr>
+            <p:cNvPr id="27" name="Rectangle 29"/>
+            <p:cNvSpPr/>
+            <p:nvPr/>
+          </p:nvSpPr>
+          <p:spPr>
+            <a:xfrm>
+              <a:off x="10938999" y="-8467"/>
+              <a:ext cx="1249825" cy="6866467"/>
+            </a:xfrm>
+            <a:custGeom>
+              <a:avLst/>
+              <a:gdLst/>
+              <a:ahLst/>
+              <a:cxnLst/>
+              <a:rect l="l" t="t" r="r" b="b"/>
+              <a:pathLst>
+                <a:path w="1249825" h="6858000">
+                  <a:moveTo>
+                    <a:pt x="0" y="0"/>
+                  </a:moveTo>
+                  <a:lnTo>
+                    <a:pt x="1249825" y="0"/>
+                  </a:lnTo>
+                  <a:lnTo>
+                    <a:pt x="1249825" y="6858000"/>
+                  </a:lnTo>
+                  <a:lnTo>
+                    <a:pt x="1109382" y="6858000"/>
+                  </a:lnTo>
+                  <a:lnTo>
+                    <a:pt x="0" y="0"/>
+                  </a:lnTo>
+                  <a:close/>
+                </a:path>
+              </a:pathLst>
+            </a:custGeom>
+            <a:solidFill>
+              <a:schemeClr val="accent1">
+                <a:alpha val="65000"/>
+              </a:schemeClr>
+            </a:solidFill>
+            <a:ln>
+              <a:noFill/>
+            </a:ln>
+            <a:effectLst/>
+          </p:spPr>
+          <p:style>
+            <a:lnRef idx="1">
+              <a:schemeClr val="accent1"/>
+            </a:lnRef>
+            <a:fillRef idx="3">
+              <a:schemeClr val="accent1"/>
+            </a:fillRef>
+            <a:effectRef idx="2">
+              <a:schemeClr val="accent1"/>
+            </a:effectRef>
+            <a:fontRef idx="minor">
+              <a:schemeClr val="lt1"/>
+            </a:fontRef>
+          </p:style>
+        </p:sp>
+        <p:sp>
+          <p:nvSpPr>
+            <p:cNvPr id="28" name="Isosceles Triangle 27"/>
+            <p:cNvSpPr/>
+            <p:nvPr/>
+          </p:nvSpPr>
+          <p:spPr>
+            <a:xfrm>
+              <a:off x="10371666" y="3589867"/>
+              <a:ext cx="1817159" cy="3268133"/>
+            </a:xfrm>
+            <a:prstGeom prst="triangle">
+              <a:avLst>
+                <a:gd name="adj" fmla="val 100000"/>
+              </a:avLst>
+            </a:prstGeom>
+            <a:solidFill>
+              <a:schemeClr val="accent1">
+                <a:alpha val="80000"/>
+              </a:schemeClr>
+            </a:solidFill>
+            <a:ln>
+              <a:noFill/>
+            </a:ln>
+            <a:effectLst/>
+          </p:spPr>
+          <p:style>
+            <a:lnRef idx="1">
+              <a:schemeClr val="accent1"/>
+            </a:lnRef>
+            <a:fillRef idx="3">
+              <a:schemeClr val="accent1"/>
+            </a:fillRef>
+            <a:effectRef idx="2">
+              <a:schemeClr val="accent1"/>
+            </a:effectRef>
+            <a:fontRef idx="minor">
+              <a:schemeClr val="lt1"/>
+            </a:fontRef>
+          </p:style>
+        </p:sp>
+        <p:sp>
+          <p:nvSpPr>
+            <p:cNvPr id="29" name="Isosceles Triangle 28"/>
+            <p:cNvSpPr/>
+            <p:nvPr/>
+          </p:nvSpPr>
+          <p:spPr>
+            <a:xfrm>
+              <a:off x="0" y="4013200"/>
+              <a:ext cx="448733" cy="2844800"/>
+            </a:xfrm>
+            <a:prstGeom prst="triangle">
+              <a:avLst>
+                <a:gd name="adj" fmla="val 0"/>
+              </a:avLst>
+            </a:prstGeom>
+            <a:solidFill>
+              <a:schemeClr val="accent1">
+                <a:alpha val="85000"/>
+              </a:schemeClr>
+            </a:solidFill>
+            <a:ln>
+              <a:noFill/>
+            </a:ln>
+            <a:effectLst/>
+          </p:spPr>
+          <p:style>
+            <a:lnRef idx="1">
+              <a:schemeClr val="accent1"/>
+            </a:lnRef>
+            <a:fillRef idx="3">
+              <a:schemeClr val="accent1"/>
+            </a:fillRef>
+            <a:effectRef idx="2">
+              <a:schemeClr val="accent1"/>
+            </a:effectRef>
+            <a:fontRef idx="minor">
+              <a:schemeClr val="lt1"/>
+            </a:fontRef>
+          </p:style>
+        </p:sp>
+      </p:grpSp>
+      <p:sp>
+        <p:nvSpPr>
+          <p:cNvPr id="2" name="Title Placeholder 1"/>
+          <p:cNvSpPr>
+            <a:spLocks noGrp="1"/>
+          </p:cNvSpPr>
+          <p:nvPr>
+            <p:ph type="title"/>
+          </p:nvPr>
         </p:nvSpPr>
         <p:spPr>
           <a:xfrm>
-            <a:off x="3175" y="6400800"/>
-            <a:ext cx="12188825" cy="457200"/>
-          </a:xfrm>
-          <a:prstGeom prst="rect">
-            <a:avLst/>
-          </a:prstGeom>
-          <a:solidFill>
-            <a:srgbClr val="262626"/>
-          </a:solidFill>
-          <a:ln>
-            <a:noFill/>
-          </a:ln>
-        </p:spPr>
-        <p:style>
-          <a:lnRef idx="2">
-            <a:schemeClr val="accent1">
-              <a:shade val="50000"/>
-            </a:schemeClr>
-          </a:lnRef>
-          <a:fillRef idx="1">
-            <a:schemeClr val="accent1"/>
-          </a:fillRef>
-          <a:effectRef idx="0">
-            <a:schemeClr val="accent1"/>
-          </a:effectRef>
-          <a:fontRef idx="minor">
-            <a:schemeClr val="lt1"/>
-          </a:fontRef>
-        </p:style>
-      </p:sp>
-      <p:sp>
-        <p:nvSpPr>
-          <p:cNvPr id="2" name="Title Placeholder 1"/>
-          <p:cNvSpPr>
-            <a:spLocks noGrp="1"/>
-          </p:cNvSpPr>
-          <p:nvPr>
-            <p:ph type="title"/>
-          </p:nvPr>
-        </p:nvSpPr>
-        <p:spPr>
-          <a:xfrm>
-            <a:off x="1097280" y="286603"/>
-            <a:ext cx="10058400" cy="1450757"/>
+            <a:off x="677334" y="609600"/>
+            <a:ext cx="8596668" cy="1320800"/>
           </a:xfrm>
           <a:prstGeom prst="rect">
             <a:avLst/>
           </a:prstGeom>
         </p:spPr>
         <p:txBody>
-          <a:bodyPr vert="horz" lIns="91440" tIns="45720" rIns="91440" bIns="45720" rtlCol="0" anchor="b">
+          <a:bodyPr vert="horz" lIns="91440" tIns="45720" rIns="91440" bIns="45720" rtlCol="0" anchor="t">
             <a:normAutofit/>
           </a:bodyPr>
           <a:lstStyle/>
@@ -2727,15 +5238,15 @@
         </p:nvSpPr>
         <p:spPr>
           <a:xfrm>
-            <a:off x="1097280" y="2108201"/>
-            <a:ext cx="10058400" cy="3760891"/>
+            <a:off x="677334" y="2160589"/>
+            <a:ext cx="8596668" cy="3880773"/>
           </a:xfrm>
           <a:prstGeom prst="rect">
             <a:avLst/>
           </a:prstGeom>
         </p:spPr>
         <p:txBody>
-          <a:bodyPr vert="horz" lIns="0" tIns="45720" rIns="0" bIns="45720" rtlCol="0">
+          <a:bodyPr vert="horz" lIns="91440" tIns="45720" rIns="91440" bIns="45720" rtlCol="0">
             <a:normAutofit/>
           </a:bodyPr>
           <a:lstStyle/>
@@ -2789,8 +5300,8 @@
         </p:nvSpPr>
         <p:spPr>
           <a:xfrm>
-            <a:off x="8218426" y="6446838"/>
-            <a:ext cx="2584850" cy="365125"/>
+            <a:off x="7205133" y="6041362"/>
+            <a:ext cx="911939" cy="365125"/>
           </a:xfrm>
           <a:prstGeom prst="rect">
             <a:avLst/>
@@ -2802,7 +5313,9 @@
             <a:lvl1pPr algn="r">
               <a:defRPr sz="900">
                 <a:solidFill>
-                  <a:srgbClr val="FFFFFF"/>
+                  <a:schemeClr val="tx1">
+                    <a:tint val="75000"/>
+                  </a:schemeClr>
                 </a:solidFill>
               </a:defRPr>
             </a:lvl1pPr>
@@ -2810,7 +5323,7 @@
           <a:p>
             <a:fld id="{62D6E202-B606-4609-B914-27C9371A1F6D}" type="datetime1">
               <a:rPr lang="en-US" smtClean="0"/>
-              <a:t>3/18/2022</a:t>
+              <a:t>3/21/2022</a:t>
             </a:fld>
             <a:endParaRPr lang="en-US" dirty="0"/>
           </a:p>
@@ -2828,8 +5341,8 @@
         </p:nvSpPr>
         <p:spPr>
           <a:xfrm>
-            <a:off x="1097279" y="6446838"/>
-            <a:ext cx="6818262" cy="365125"/>
+            <a:off x="677334" y="6041362"/>
+            <a:ext cx="6297612" cy="365125"/>
           </a:xfrm>
           <a:prstGeom prst="rect">
             <a:avLst/>
@@ -2839,9 +5352,11 @@
           <a:bodyPr vert="horz" lIns="91440" tIns="45720" rIns="91440" bIns="45720" rtlCol="0" anchor="ctr"/>
           <a:lstStyle>
             <a:lvl1pPr algn="l">
-              <a:defRPr sz="900" cap="all" baseline="0">
-                <a:solidFill>
-                  <a:srgbClr val="FFFFFF"/>
+              <a:defRPr sz="900">
+                <a:solidFill>
+                  <a:schemeClr val="tx1">
+                    <a:tint val="75000"/>
+                  </a:schemeClr>
                 </a:solidFill>
               </a:defRPr>
             </a:lvl1pPr>
@@ -2863,8 +5378,8 @@
         </p:nvSpPr>
         <p:spPr>
           <a:xfrm>
-            <a:off x="10993582" y="6446838"/>
-            <a:ext cx="780010" cy="365125"/>
+            <a:off x="8590663" y="6041362"/>
+            <a:ext cx="683339" cy="365125"/>
           </a:xfrm>
           <a:prstGeom prst="rect">
             <a:avLst/>
@@ -2873,10 +5388,10 @@
         <p:txBody>
           <a:bodyPr vert="horz" lIns="91440" tIns="45720" rIns="91440" bIns="45720" rtlCol="0" anchor="ctr"/>
           <a:lstStyle>
-            <a:lvl1pPr algn="l">
+            <a:lvl1pPr algn="r">
               <a:defRPr sz="900">
                 <a:solidFill>
-                  <a:srgbClr val="FFFFFF"/>
+                  <a:schemeClr val="accent1"/>
                 </a:solidFill>
               </a:defRPr>
             </a:lvl1pPr>
@@ -2890,111 +5405,121 @@
           </a:p>
         </p:txBody>
       </p:sp>
-      <p:cxnSp>
-        <p:nvCxnSpPr>
-          <p:cNvPr id="10" name="Straight Connector 9">
-            <a:extLst>
-              <a:ext uri="{FF2B5EF4-FFF2-40B4-BE49-F238E27FC236}">
-                <a16:creationId xmlns:a16="http://schemas.microsoft.com/office/drawing/2014/main" id="{C5025DAC-8B93-4160-B017-3A274A5828C0}"/>
-              </a:ext>
-            </a:extLst>
-          </p:cNvPr>
-          <p:cNvCxnSpPr/>
-          <p:nvPr/>
-        </p:nvCxnSpPr>
-        <p:spPr>
-          <a:xfrm>
-            <a:off x="1193532" y="1897380"/>
-            <a:ext cx="9966960" cy="0"/>
-          </a:xfrm>
-          <a:prstGeom prst="line">
-            <a:avLst/>
-          </a:prstGeom>
-          <a:ln w="12700">
-            <a:solidFill>
-              <a:schemeClr val="tx1">
-                <a:lumMod val="75000"/>
-                <a:lumOff val="25000"/>
-              </a:schemeClr>
-            </a:solidFill>
-          </a:ln>
-        </p:spPr>
-        <p:style>
-          <a:lnRef idx="1">
-            <a:schemeClr val="accent1"/>
-          </a:lnRef>
-          <a:fillRef idx="0">
-            <a:schemeClr val="accent1"/>
-          </a:fillRef>
-          <a:effectRef idx="0">
-            <a:schemeClr val="accent1"/>
-          </a:effectRef>
-          <a:fontRef idx="minor">
-            <a:schemeClr val="tx1"/>
-          </a:fontRef>
-        </p:style>
-      </p:cxnSp>
     </p:spTree>
     <p:extLst>
       <p:ext uri="{BB962C8B-B14F-4D97-AF65-F5344CB8AC3E}">
-        <p14:creationId xmlns:p14="http://schemas.microsoft.com/office/powerpoint/2010/main" val="2216014749"/>
+        <p14:creationId xmlns:p14="http://schemas.microsoft.com/office/powerpoint/2010/main" val="2768990404"/>
       </p:ext>
     </p:extLst>
   </p:cSld>
   <p:clrMap bg1="lt1" tx1="dk1" bg2="lt2" tx2="dk2" accent1="accent1" accent2="accent2" accent3="accent3" accent4="accent4" accent5="accent5" accent6="accent6" hlink="hlink" folHlink="folHlink"/>
   <p:sldLayoutIdLst>
-    <p:sldLayoutId id="2147483661" r:id="rId1"/>
-    <p:sldLayoutId id="2147483662" r:id="rId2"/>
-    <p:sldLayoutId id="2147483663" r:id="rId3"/>
-    <p:sldLayoutId id="2147483664" r:id="rId4"/>
-    <p:sldLayoutId id="2147483665" r:id="rId5"/>
-    <p:sldLayoutId id="2147483666" r:id="rId6"/>
-    <p:sldLayoutId id="2147483667" r:id="rId7"/>
-    <p:sldLayoutId id="2147483668" r:id="rId8"/>
-    <p:sldLayoutId id="2147483669" r:id="rId9"/>
+    <p:sldLayoutId id="2147483671" r:id="rId1"/>
+    <p:sldLayoutId id="2147483672" r:id="rId2"/>
+    <p:sldLayoutId id="2147483673" r:id="rId3"/>
+    <p:sldLayoutId id="2147483674" r:id="rId4"/>
+    <p:sldLayoutId id="2147483675" r:id="rId5"/>
+    <p:sldLayoutId id="2147483676" r:id="rId6"/>
+    <p:sldLayoutId id="2147483677" r:id="rId7"/>
+    <p:sldLayoutId id="2147483678" r:id="rId8"/>
+    <p:sldLayoutId id="2147483679" r:id="rId9"/>
+    <p:sldLayoutId id="2147483680" r:id="rId10"/>
+    <p:sldLayoutId id="2147483681" r:id="rId11"/>
+    <p:sldLayoutId id="2147483682" r:id="rId12"/>
+    <p:sldLayoutId id="2147483683" r:id="rId13"/>
+    <p:sldLayoutId id="2147483684" r:id="rId14"/>
+    <p:sldLayoutId id="2147483685" r:id="rId15"/>
+    <p:sldLayoutId id="2147483686" r:id="rId16"/>
   </p:sldLayoutIdLst>
   <p:hf sldNum="0" hdr="0" ftr="0" dt="0"/>
   <p:txStyles>
     <p:titleStyle>
-      <a:lvl1pPr algn="l" defTabSz="914400" rtl="0" eaLnBrk="1" latinLnBrk="0" hangingPunct="1">
-        <a:lnSpc>
-          <a:spcPct val="90000"/>
-        </a:lnSpc>
+      <a:lvl1pPr algn="l" defTabSz="457200" rtl="0" eaLnBrk="1" latinLnBrk="0" hangingPunct="1">
         <a:spcBef>
           <a:spcPct val="0"/>
         </a:spcBef>
         <a:buNone/>
-        <a:defRPr sz="4600" kern="1200" spc="-50" baseline="0">
+        <a:defRPr sz="3600" kern="1200">
           <a:solidFill>
-            <a:schemeClr val="tx1">
-              <a:lumMod val="75000"/>
-              <a:lumOff val="25000"/>
-            </a:schemeClr>
+            <a:schemeClr val="accent1"/>
           </a:solidFill>
           <a:latin typeface="+mj-lt"/>
           <a:ea typeface="+mj-ea"/>
           <a:cs typeface="+mj-cs"/>
         </a:defRPr>
       </a:lvl1pPr>
+      <a:lvl2pPr eaLnBrk="1" hangingPunct="1">
+        <a:defRPr>
+          <a:solidFill>
+            <a:schemeClr val="tx2"/>
+          </a:solidFill>
+        </a:defRPr>
+      </a:lvl2pPr>
+      <a:lvl3pPr eaLnBrk="1" hangingPunct="1">
+        <a:defRPr>
+          <a:solidFill>
+            <a:schemeClr val="tx2"/>
+          </a:solidFill>
+        </a:defRPr>
+      </a:lvl3pPr>
+      <a:lvl4pPr eaLnBrk="1" hangingPunct="1">
+        <a:defRPr>
+          <a:solidFill>
+            <a:schemeClr val="tx2"/>
+          </a:solidFill>
+        </a:defRPr>
+      </a:lvl4pPr>
+      <a:lvl5pPr eaLnBrk="1" hangingPunct="1">
+        <a:defRPr>
+          <a:solidFill>
+            <a:schemeClr val="tx2"/>
+          </a:solidFill>
+        </a:defRPr>
+      </a:lvl5pPr>
+      <a:lvl6pPr eaLnBrk="1" hangingPunct="1">
+        <a:defRPr>
+          <a:solidFill>
+            <a:schemeClr val="tx2"/>
+          </a:solidFill>
+        </a:defRPr>
+      </a:lvl6pPr>
+      <a:lvl7pPr eaLnBrk="1" hangingPunct="1">
+        <a:defRPr>
+          <a:solidFill>
+            <a:schemeClr val="tx2"/>
+          </a:solidFill>
+        </a:defRPr>
+      </a:lvl7pPr>
+      <a:lvl8pPr eaLnBrk="1" hangingPunct="1">
+        <a:defRPr>
+          <a:solidFill>
+            <a:schemeClr val="tx2"/>
+          </a:solidFill>
+        </a:defRPr>
+      </a:lvl8pPr>
+      <a:lvl9pPr eaLnBrk="1" hangingPunct="1">
+        <a:defRPr>
+          <a:solidFill>
+            <a:schemeClr val="tx2"/>
+          </a:solidFill>
+        </a:defRPr>
+      </a:lvl9pPr>
     </p:titleStyle>
     <p:bodyStyle>
-      <a:lvl1pPr marL="91440" indent="-91440" algn="l" defTabSz="914400" rtl="0" eaLnBrk="1" latinLnBrk="0" hangingPunct="1">
-        <a:lnSpc>
-          <a:spcPct val="110000"/>
-        </a:lnSpc>
+      <a:lvl1pPr marL="342900" indent="-342900" algn="l" defTabSz="457200" rtl="0" eaLnBrk="1" latinLnBrk="0" hangingPunct="1">
         <a:spcBef>
-          <a:spcPts val="1200"/>
+          <a:spcPts val="1000"/>
         </a:spcBef>
         <a:spcAft>
-          <a:spcPts val="200"/>
+          <a:spcPts val="0"/>
         </a:spcAft>
         <a:buClr>
           <a:schemeClr val="accent1"/>
         </a:buClr>
-        <a:buSzPct val="100000"/>
-        <a:buFont typeface="Calibri" panose="020F0502020204030204" pitchFamily="34" charset="0"/>
-        <a:buChar char=" "/>
-        <a:defRPr sz="2000" kern="1200">
+        <a:buSzPct val="80000"/>
+        <a:buFont typeface="Wingdings 3" charset="2"/>
+        <a:buChar char=""/>
+        <a:defRPr sz="1800" kern="1200">
           <a:solidFill>
             <a:schemeClr val="tx1">
               <a:lumMod val="75000"/>
@@ -3006,20 +5531,20 @@
           <a:cs typeface="+mn-cs"/>
         </a:defRPr>
       </a:lvl1pPr>
-      <a:lvl2pPr marL="384048" indent="-182880" algn="l" defTabSz="914400" rtl="0" eaLnBrk="1" latinLnBrk="0" hangingPunct="1">
-        <a:lnSpc>
-          <a:spcPct val="100000"/>
-        </a:lnSpc>
+      <a:lvl2pPr marL="742950" indent="-285750" algn="l" defTabSz="457200" rtl="0" eaLnBrk="1" latinLnBrk="0" hangingPunct="1">
         <a:spcBef>
-          <a:spcPts val="200"/>
+          <a:spcPts val="1000"/>
         </a:spcBef>
         <a:spcAft>
-          <a:spcPts val="400"/>
+          <a:spcPts val="0"/>
         </a:spcAft>
-        <a:buClrTx/>
-        <a:buFont typeface="Calibri" pitchFamily="34" charset="0"/>
-        <a:buChar char="◦"/>
-        <a:defRPr sz="1800" kern="1200">
+        <a:buClr>
+          <a:schemeClr val="accent1"/>
+        </a:buClr>
+        <a:buSzPct val="80000"/>
+        <a:buFont typeface="Wingdings 3" charset="2"/>
+        <a:buChar char=""/>
+        <a:defRPr sz="1600" kern="1200">
           <a:solidFill>
             <a:schemeClr val="tx1">
               <a:lumMod val="75000"/>
@@ -3031,19 +5556,19 @@
           <a:cs typeface="+mn-cs"/>
         </a:defRPr>
       </a:lvl2pPr>
-      <a:lvl3pPr marL="566928" indent="-182880" algn="l" defTabSz="914400" rtl="0" eaLnBrk="1" latinLnBrk="0" hangingPunct="1">
-        <a:lnSpc>
-          <a:spcPct val="100000"/>
-        </a:lnSpc>
+      <a:lvl3pPr marL="1143000" indent="-228600" algn="l" defTabSz="457200" rtl="0" eaLnBrk="1" latinLnBrk="0" hangingPunct="1">
         <a:spcBef>
-          <a:spcPts val="200"/>
+          <a:spcPts val="1000"/>
         </a:spcBef>
         <a:spcAft>
-          <a:spcPts val="400"/>
+          <a:spcPts val="0"/>
         </a:spcAft>
-        <a:buClrTx/>
-        <a:buFont typeface="Calibri" pitchFamily="34" charset="0"/>
-        <a:buChar char="◦"/>
+        <a:buClr>
+          <a:schemeClr val="accent1"/>
+        </a:buClr>
+        <a:buSzPct val="80000"/>
+        <a:buFont typeface="Wingdings 3" charset="2"/>
+        <a:buChar char=""/>
         <a:defRPr sz="1400" kern="1200">
           <a:solidFill>
             <a:schemeClr val="tx1">
@@ -3056,20 +5581,20 @@
           <a:cs typeface="+mn-cs"/>
         </a:defRPr>
       </a:lvl3pPr>
-      <a:lvl4pPr marL="749808" indent="-182880" algn="l" defTabSz="914400" rtl="0" eaLnBrk="1" latinLnBrk="0" hangingPunct="1">
-        <a:lnSpc>
-          <a:spcPct val="100000"/>
-        </a:lnSpc>
+      <a:lvl4pPr marL="1600200" indent="-228600" algn="l" defTabSz="457200" rtl="0" eaLnBrk="1" latinLnBrk="0" hangingPunct="1">
         <a:spcBef>
-          <a:spcPts val="200"/>
+          <a:spcPts val="1000"/>
         </a:spcBef>
         <a:spcAft>
-          <a:spcPts val="400"/>
+          <a:spcPts val="0"/>
         </a:spcAft>
-        <a:buClrTx/>
-        <a:buFont typeface="Calibri" pitchFamily="34" charset="0"/>
-        <a:buChar char="◦"/>
-        <a:defRPr sz="1400" kern="1200">
+        <a:buClr>
+          <a:schemeClr val="accent1"/>
+        </a:buClr>
+        <a:buSzPct val="80000"/>
+        <a:buFont typeface="Wingdings 3" charset="2"/>
+        <a:buChar char=""/>
+        <a:defRPr sz="1200" kern="1200">
           <a:solidFill>
             <a:schemeClr val="tx1">
               <a:lumMod val="75000"/>
@@ -3081,20 +5606,20 @@
           <a:cs typeface="+mn-cs"/>
         </a:defRPr>
       </a:lvl4pPr>
-      <a:lvl5pPr marL="932688" indent="-182880" algn="l" defTabSz="914400" rtl="0" eaLnBrk="1" latinLnBrk="0" hangingPunct="1">
-        <a:lnSpc>
-          <a:spcPct val="100000"/>
-        </a:lnSpc>
+      <a:lvl5pPr marL="2057400" indent="-228600" algn="l" defTabSz="457200" rtl="0" eaLnBrk="1" latinLnBrk="0" hangingPunct="1">
         <a:spcBef>
-          <a:spcPts val="200"/>
+          <a:spcPts val="1000"/>
         </a:spcBef>
         <a:spcAft>
-          <a:spcPts val="400"/>
+          <a:spcPts val="0"/>
         </a:spcAft>
-        <a:buClrTx/>
-        <a:buFont typeface="Calibri" pitchFamily="34" charset="0"/>
-        <a:buChar char="◦"/>
-        <a:defRPr sz="1400" kern="1200">
+        <a:buClr>
+          <a:schemeClr val="accent1"/>
+        </a:buClr>
+        <a:buSzPct val="80000"/>
+        <a:buFont typeface="Wingdings 3" charset="2"/>
+        <a:buChar char=""/>
+        <a:defRPr sz="1200" kern="1200">
           <a:solidFill>
             <a:schemeClr val="tx1">
               <a:lumMod val="75000"/>
@@ -3106,22 +5631,20 @@
           <a:cs typeface="+mn-cs"/>
         </a:defRPr>
       </a:lvl5pPr>
-      <a:lvl6pPr marL="1100000" indent="-228600" algn="l" defTabSz="914400" rtl="0" eaLnBrk="1" latinLnBrk="0" hangingPunct="1">
-        <a:lnSpc>
-          <a:spcPct val="90000"/>
-        </a:lnSpc>
+      <a:lvl6pPr marL="2514600" indent="-228600" algn="l" defTabSz="457200" rtl="0" eaLnBrk="1" latinLnBrk="0" hangingPunct="1">
         <a:spcBef>
-          <a:spcPts val="200"/>
+          <a:spcPts val="1000"/>
         </a:spcBef>
         <a:spcAft>
-          <a:spcPts val="400"/>
+          <a:spcPts val="0"/>
         </a:spcAft>
         <a:buClr>
           <a:schemeClr val="accent1"/>
         </a:buClr>
-        <a:buFont typeface="Calibri" pitchFamily="34" charset="0"/>
-        <a:buChar char="◦"/>
-        <a:defRPr sz="1400" kern="1200">
+        <a:buSzPct val="80000"/>
+        <a:buFont typeface="Wingdings 3" charset="2"/>
+        <a:buChar char=""/>
+        <a:defRPr sz="1200" kern="1200">
           <a:solidFill>
             <a:schemeClr val="tx1">
               <a:lumMod val="75000"/>
@@ -3133,22 +5656,20 @@
           <a:cs typeface="+mn-cs"/>
         </a:defRPr>
       </a:lvl6pPr>
-      <a:lvl7pPr marL="1300000" indent="-228600" algn="l" defTabSz="914400" rtl="0" eaLnBrk="1" latinLnBrk="0" hangingPunct="1">
-        <a:lnSpc>
-          <a:spcPct val="90000"/>
-        </a:lnSpc>
+      <a:lvl7pPr marL="2971800" indent="-228600" algn="l" defTabSz="457200" rtl="0" eaLnBrk="1" latinLnBrk="0" hangingPunct="1">
         <a:spcBef>
-          <a:spcPts val="200"/>
+          <a:spcPts val="1000"/>
         </a:spcBef>
         <a:spcAft>
-          <a:spcPts val="400"/>
+          <a:spcPts val="0"/>
         </a:spcAft>
         <a:buClr>
           <a:schemeClr val="accent1"/>
         </a:buClr>
-        <a:buFont typeface="Calibri" pitchFamily="34" charset="0"/>
-        <a:buChar char="◦"/>
-        <a:defRPr sz="1400" kern="1200">
+        <a:buSzPct val="80000"/>
+        <a:buFont typeface="Wingdings 3" charset="2"/>
+        <a:buChar char=""/>
+        <a:defRPr sz="1200" kern="1200">
           <a:solidFill>
             <a:schemeClr val="tx1">
               <a:lumMod val="75000"/>
@@ -3160,22 +5681,20 @@
           <a:cs typeface="+mn-cs"/>
         </a:defRPr>
       </a:lvl7pPr>
-      <a:lvl8pPr marL="1500000" indent="-228600" algn="l" defTabSz="914400" rtl="0" eaLnBrk="1" latinLnBrk="0" hangingPunct="1">
-        <a:lnSpc>
-          <a:spcPct val="90000"/>
-        </a:lnSpc>
+      <a:lvl8pPr marL="3429000" indent="-228600" algn="l" defTabSz="457200" rtl="0" eaLnBrk="1" latinLnBrk="0" hangingPunct="1">
         <a:spcBef>
-          <a:spcPts val="200"/>
+          <a:spcPts val="1000"/>
         </a:spcBef>
         <a:spcAft>
-          <a:spcPts val="400"/>
+          <a:spcPts val="0"/>
         </a:spcAft>
         <a:buClr>
           <a:schemeClr val="accent1"/>
         </a:buClr>
-        <a:buFont typeface="Calibri" pitchFamily="34" charset="0"/>
-        <a:buChar char="◦"/>
-        <a:defRPr sz="1400" kern="1200">
+        <a:buSzPct val="80000"/>
+        <a:buFont typeface="Wingdings 3" charset="2"/>
+        <a:buChar char=""/>
+        <a:defRPr sz="1200" kern="1200">
           <a:solidFill>
             <a:schemeClr val="tx1">
               <a:lumMod val="75000"/>
@@ -3187,22 +5706,20 @@
           <a:cs typeface="+mn-cs"/>
         </a:defRPr>
       </a:lvl8pPr>
-      <a:lvl9pPr marL="1700000" indent="-228600" algn="l" defTabSz="914400" rtl="0" eaLnBrk="1" latinLnBrk="0" hangingPunct="1">
-        <a:lnSpc>
-          <a:spcPct val="90000"/>
-        </a:lnSpc>
+      <a:lvl9pPr marL="3886200" indent="-228600" algn="l" defTabSz="457200" rtl="0" eaLnBrk="1" latinLnBrk="0" hangingPunct="1">
         <a:spcBef>
-          <a:spcPts val="200"/>
+          <a:spcPts val="1000"/>
         </a:spcBef>
         <a:spcAft>
-          <a:spcPts val="400"/>
+          <a:spcPts val="0"/>
         </a:spcAft>
         <a:buClr>
           <a:schemeClr val="accent1"/>
         </a:buClr>
-        <a:buFont typeface="Calibri" pitchFamily="34" charset="0"/>
-        <a:buChar char="◦"/>
-        <a:defRPr sz="1400" kern="1200">
+        <a:buSzPct val="80000"/>
+        <a:buFont typeface="Wingdings 3" charset="2"/>
+        <a:buChar char=""/>
+        <a:defRPr sz="1200" kern="1200">
           <a:solidFill>
             <a:schemeClr val="tx1">
               <a:lumMod val="75000"/>
@@ -3219,7 +5736,7 @@
       <a:defPPr>
         <a:defRPr lang="en-US"/>
       </a:defPPr>
-      <a:lvl1pPr marL="0" algn="l" defTabSz="914400" rtl="0" eaLnBrk="1" latinLnBrk="0" hangingPunct="1">
+      <a:lvl1pPr marL="0" algn="l" defTabSz="457200" rtl="0" eaLnBrk="1" latinLnBrk="0" hangingPunct="1">
         <a:defRPr sz="1800" kern="1200">
           <a:solidFill>
             <a:schemeClr val="tx1"/>
@@ -3229,7 +5746,7 @@
           <a:cs typeface="+mn-cs"/>
         </a:defRPr>
       </a:lvl1pPr>
-      <a:lvl2pPr marL="457200" algn="l" defTabSz="914400" rtl="0" eaLnBrk="1" latinLnBrk="0" hangingPunct="1">
+      <a:lvl2pPr marL="457200" algn="l" defTabSz="457200" rtl="0" eaLnBrk="1" latinLnBrk="0" hangingPunct="1">
         <a:defRPr sz="1800" kern="1200">
           <a:solidFill>
             <a:schemeClr val="tx1"/>
@@ -3239,7 +5756,7 @@
           <a:cs typeface="+mn-cs"/>
         </a:defRPr>
       </a:lvl2pPr>
-      <a:lvl3pPr marL="914400" algn="l" defTabSz="914400" rtl="0" eaLnBrk="1" latinLnBrk="0" hangingPunct="1">
+      <a:lvl3pPr marL="914400" algn="l" defTabSz="457200" rtl="0" eaLnBrk="1" latinLnBrk="0" hangingPunct="1">
         <a:defRPr sz="1800" kern="1200">
           <a:solidFill>
             <a:schemeClr val="tx1"/>
@@ -3249,7 +5766,7 @@
           <a:cs typeface="+mn-cs"/>
         </a:defRPr>
       </a:lvl3pPr>
-      <a:lvl4pPr marL="1371600" algn="l" defTabSz="914400" rtl="0" eaLnBrk="1" latinLnBrk="0" hangingPunct="1">
+      <a:lvl4pPr marL="1371600" algn="l" defTabSz="457200" rtl="0" eaLnBrk="1" latinLnBrk="0" hangingPunct="1">
         <a:defRPr sz="1800" kern="1200">
           <a:solidFill>
             <a:schemeClr val="tx1"/>
@@ -3259,7 +5776,7 @@
           <a:cs typeface="+mn-cs"/>
         </a:defRPr>
       </a:lvl4pPr>
-      <a:lvl5pPr marL="1828800" algn="l" defTabSz="914400" rtl="0" eaLnBrk="1" latinLnBrk="0" hangingPunct="1">
+      <a:lvl5pPr marL="1828800" algn="l" defTabSz="457200" rtl="0" eaLnBrk="1" latinLnBrk="0" hangingPunct="1">
         <a:defRPr sz="1800" kern="1200">
           <a:solidFill>
             <a:schemeClr val="tx1"/>
@@ -3269,7 +5786,7 @@
           <a:cs typeface="+mn-cs"/>
         </a:defRPr>
       </a:lvl5pPr>
-      <a:lvl6pPr marL="2286000" algn="l" defTabSz="914400" rtl="0" eaLnBrk="1" latinLnBrk="0" hangingPunct="1">
+      <a:lvl6pPr marL="2286000" algn="l" defTabSz="457200" rtl="0" eaLnBrk="1" latinLnBrk="0" hangingPunct="1">
         <a:defRPr sz="1800" kern="1200">
           <a:solidFill>
             <a:schemeClr val="tx1"/>
@@ -3279,7 +5796,7 @@
           <a:cs typeface="+mn-cs"/>
         </a:defRPr>
       </a:lvl6pPr>
-      <a:lvl7pPr marL="2743200" algn="l" defTabSz="914400" rtl="0" eaLnBrk="1" latinLnBrk="0" hangingPunct="1">
+      <a:lvl7pPr marL="2743200" algn="l" defTabSz="457200" rtl="0" eaLnBrk="1" latinLnBrk="0" hangingPunct="1">
         <a:defRPr sz="1800" kern="1200">
           <a:solidFill>
             <a:schemeClr val="tx1"/>
@@ -3289,7 +5806,7 @@
           <a:cs typeface="+mn-cs"/>
         </a:defRPr>
       </a:lvl7pPr>
-      <a:lvl8pPr marL="3200400" algn="l" defTabSz="914400" rtl="0" eaLnBrk="1" latinLnBrk="0" hangingPunct="1">
+      <a:lvl8pPr marL="3200400" algn="l" defTabSz="457200" rtl="0" eaLnBrk="1" latinLnBrk="0" hangingPunct="1">
         <a:defRPr sz="1800" kern="1200">
           <a:solidFill>
             <a:schemeClr val="tx1"/>
@@ -3299,7 +5816,7 @@
           <a:cs typeface="+mn-cs"/>
         </a:defRPr>
       </a:lvl8pPr>
-      <a:lvl9pPr marL="3657600" algn="l" defTabSz="914400" rtl="0" eaLnBrk="1" latinLnBrk="0" hangingPunct="1">
+      <a:lvl9pPr marL="3657600" algn="l" defTabSz="457200" rtl="0" eaLnBrk="1" latinLnBrk="0" hangingPunct="1">
         <a:defRPr sz="1800" kern="1200">
           <a:solidFill>
             <a:schemeClr val="tx1"/>
@@ -3339,95 +5856,6 @@
           <a:chExt cx="0" cy="0"/>
         </a:xfrm>
       </p:grpSpPr>
-      <p:sp useBgFill="1">
-        <p:nvSpPr>
-          <p:cNvPr id="24" name="Rectangle 23">
-            <a:extLst>
-              <a:ext uri="{FF2B5EF4-FFF2-40B4-BE49-F238E27FC236}">
-                <a16:creationId xmlns:a16="http://schemas.microsoft.com/office/drawing/2014/main" id="{F452A527-3631-41ED-858D-3777A7D1496A}"/>
-              </a:ext>
-              <a:ext uri="{C183D7F6-B498-43B3-948B-1728B52AA6E4}">
-                <adec:decorative xmlns:adec="http://schemas.microsoft.com/office/drawing/2017/decorative" val="1"/>
-              </a:ext>
-            </a:extLst>
-          </p:cNvPr>
-          <p:cNvSpPr>
-            <a:spLocks noGrp="1" noRot="1" noChangeAspect="1" noMove="1" noResize="1" noEditPoints="1" noAdjustHandles="1" noChangeArrowheads="1" noChangeShapeType="1" noTextEdit="1"/>
-          </p:cNvSpPr>
-          <p:nvPr>
-            <p:extLst>
-              <p:ext uri="{386F3935-93C4-4BCD-93E2-E3B085C9AB24}">
-                <p16:designElem xmlns:p16="http://schemas.microsoft.com/office/powerpoint/2015/main" val="1"/>
-              </p:ext>
-            </p:extLst>
-          </p:nvPr>
-        </p:nvSpPr>
-        <p:spPr>
-          <a:xfrm>
-            <a:off x="0" y="0"/>
-            <a:ext cx="12192001" cy="6858000"/>
-          </a:xfrm>
-          <a:prstGeom prst="rect">
-            <a:avLst/>
-          </a:prstGeom>
-          <a:ln>
-            <a:noFill/>
-          </a:ln>
-        </p:spPr>
-        <p:style>
-          <a:lnRef idx="2">
-            <a:schemeClr val="accent1">
-              <a:shade val="50000"/>
-            </a:schemeClr>
-          </a:lnRef>
-          <a:fillRef idx="1">
-            <a:schemeClr val="accent1"/>
-          </a:fillRef>
-          <a:effectRef idx="0">
-            <a:schemeClr val="accent1"/>
-          </a:effectRef>
-          <a:fontRef idx="minor">
-            <a:schemeClr val="lt1"/>
-          </a:fontRef>
-        </p:style>
-        <p:txBody>
-          <a:bodyPr rtlCol="0" anchor="ctr"/>
-          <a:lstStyle/>
-          <a:p>
-            <a:pPr marL="0" marR="0" lvl="0" indent="0" algn="ctr" defTabSz="914400" rtl="0" eaLnBrk="1" fontAlgn="auto" latinLnBrk="0" hangingPunct="1">
-              <a:lnSpc>
-                <a:spcPct val="100000"/>
-              </a:lnSpc>
-              <a:spcBef>
-                <a:spcPts val="0"/>
-              </a:spcBef>
-              <a:spcAft>
-                <a:spcPts val="0"/>
-              </a:spcAft>
-              <a:buClrTx/>
-              <a:buSzTx/>
-              <a:buFontTx/>
-              <a:buNone/>
-              <a:tabLst/>
-              <a:defRPr/>
-            </a:pPr>
-            <a:endParaRPr kumimoji="0" lang="en-US" sz="1800" b="0" i="0" u="none" strike="noStrike" kern="1200" cap="none" spc="0" normalizeH="0" baseline="0" noProof="0" dirty="0">
-              <a:ln>
-                <a:noFill/>
-              </a:ln>
-              <a:solidFill>
-                <a:prstClr val="white"/>
-              </a:solidFill>
-              <a:effectLst/>
-              <a:uLnTx/>
-              <a:uFillTx/>
-              <a:latin typeface="Speak Pro" panose="020F0502020204030204"/>
-              <a:ea typeface="+mn-ea"/>
-              <a:cs typeface="+mn-cs"/>
-            </a:endParaRPr>
-          </a:p>
-        </p:txBody>
-      </p:sp>
       <p:sp>
         <p:nvSpPr>
           <p:cNvPr id="2" name="Title 1">
@@ -3452,14 +5880,14 @@
         </p:spPr>
         <p:txBody>
           <a:bodyPr>
-            <a:normAutofit/>
+            <a:normAutofit fontScale="90000"/>
           </a:bodyPr>
           <a:lstStyle/>
           <a:p>
             <a:r>
               <a:rPr lang="en-US" sz="6000" dirty="0">
                 <a:solidFill>
-                  <a:schemeClr val="accent1"/>
+                  <a:schemeClr val="tx1"/>
                 </a:solidFill>
               </a:rPr>
               <a:t>Accessibility  For Digital Contents &amp; Services</a:t>
@@ -3534,7 +5962,7 @@
           <p:nvPr/>
         </p:nvPicPr>
         <p:blipFill rotWithShape="1">
-          <a:blip r:embed="rId3">
+          <a:blip r:embed="rId2">
             <a:extLst>
               <a:ext uri="{28A0092B-C50C-407E-A947-70E740481C1C}">
                 <a14:useLocalDpi xmlns:a14="http://schemas.microsoft.com/office/drawing/2010/main" val="0"/>
@@ -3554,65 +5982,228 @@
           </a:prstGeom>
         </p:spPr>
       </p:pic>
-      <p:cxnSp>
-        <p:nvCxnSpPr>
-          <p:cNvPr id="26" name="Straight Connector 25">
-            <a:extLst>
-              <a:ext uri="{FF2B5EF4-FFF2-40B4-BE49-F238E27FC236}">
-                <a16:creationId xmlns:a16="http://schemas.microsoft.com/office/drawing/2014/main" id="{D28A9C89-B313-458F-9C85-515930A51A93}"/>
-              </a:ext>
-              <a:ext uri="{C183D7F6-B498-43B3-948B-1728B52AA6E4}">
-                <adec:decorative xmlns:adec="http://schemas.microsoft.com/office/drawing/2017/decorative" val="1"/>
-              </a:ext>
-            </a:extLst>
-          </p:cNvPr>
-          <p:cNvCxnSpPr>
-            <a:cxnSpLocks noGrp="1" noRot="1" noChangeAspect="1" noMove="1" noResize="1" noEditPoints="1" noAdjustHandles="1" noChangeArrowheads="1" noChangeShapeType="1"/>
-          </p:cNvCxnSpPr>
-          <p:nvPr>
-            <p:extLst>
-              <p:ext uri="{386F3935-93C4-4BCD-93E2-E3B085C9AB24}">
-                <p16:designElem xmlns:p16="http://schemas.microsoft.com/office/powerpoint/2015/main" val="1"/>
-              </p:ext>
-            </p:extLst>
-          </p:nvPr>
-        </p:nvCxnSpPr>
-        <p:spPr>
-          <a:xfrm>
-            <a:off x="6805053" y="4294754"/>
-            <a:ext cx="4389120" cy="0"/>
-          </a:xfrm>
-          <a:prstGeom prst="line">
-            <a:avLst/>
-          </a:prstGeom>
-          <a:ln w="12700">
-            <a:solidFill>
-              <a:schemeClr val="tx1">
-                <a:lumMod val="75000"/>
-                <a:lumOff val="25000"/>
-              </a:schemeClr>
-            </a:solidFill>
-          </a:ln>
-        </p:spPr>
-        <p:style>
-          <a:lnRef idx="1">
-            <a:schemeClr val="accent1"/>
-          </a:lnRef>
-          <a:fillRef idx="0">
-            <a:schemeClr val="accent1"/>
-          </a:fillRef>
-          <a:effectRef idx="0">
-            <a:schemeClr val="accent1"/>
-          </a:effectRef>
-          <a:fontRef idx="minor">
-            <a:schemeClr val="tx1"/>
-          </a:fontRef>
-        </p:style>
-      </p:cxnSp>
     </p:spTree>
     <p:extLst>
       <p:ext uri="{BB962C8B-B14F-4D97-AF65-F5344CB8AC3E}">
         <p14:creationId xmlns:p14="http://schemas.microsoft.com/office/powerpoint/2010/main" val="895915843"/>
+      </p:ext>
+    </p:extLst>
+  </p:cSld>
+  <p:clrMapOvr>
+    <a:masterClrMapping/>
+  </p:clrMapOvr>
+</p:sld>
+</file>
+
+<file path=ppt/slides/slide10.xml><?xml version="1.0" encoding="utf-8"?>
+<p:sld xmlns:a="http://schemas.openxmlformats.org/drawingml/2006/main" xmlns:r="http://schemas.openxmlformats.org/officeDocument/2006/relationships" xmlns:p="http://schemas.openxmlformats.org/presentationml/2006/main">
+  <p:cSld>
+    <p:spTree>
+      <p:nvGrpSpPr>
+        <p:cNvPr id="1" name=""/>
+        <p:cNvGrpSpPr/>
+        <p:nvPr/>
+      </p:nvGrpSpPr>
+      <p:grpSpPr>
+        <a:xfrm>
+          <a:off x="0" y="0"/>
+          <a:ext cx="0" cy="0"/>
+          <a:chOff x="0" y="0"/>
+          <a:chExt cx="0" cy="0"/>
+        </a:xfrm>
+      </p:grpSpPr>
+      <p:sp>
+        <p:nvSpPr>
+          <p:cNvPr id="2" name="Title 1">
+            <a:extLst>
+              <a:ext uri="{FF2B5EF4-FFF2-40B4-BE49-F238E27FC236}">
+                <a16:creationId xmlns:a16="http://schemas.microsoft.com/office/drawing/2014/main" id="{AA1992BE-6622-4C81-AB3E-1C913B467D72}"/>
+              </a:ext>
+            </a:extLst>
+          </p:cNvPr>
+          <p:cNvSpPr>
+            <a:spLocks noGrp="1"/>
+          </p:cNvSpPr>
+          <p:nvPr>
+            <p:ph type="title"/>
+          </p:nvPr>
+        </p:nvSpPr>
+        <p:spPr/>
+        <p:txBody>
+          <a:bodyPr/>
+          <a:lstStyle/>
+          <a:p>
+            <a:r>
+              <a:rPr lang="en-US" dirty="0">
+                <a:solidFill>
+                  <a:schemeClr val="bg1">
+                    <a:lumMod val="50000"/>
+                  </a:schemeClr>
+                </a:solidFill>
+              </a:rPr>
+              <a:t>Wireframe &amp; Prototype</a:t>
+            </a:r>
+          </a:p>
+        </p:txBody>
+      </p:sp>
+      <p:sp>
+        <p:nvSpPr>
+          <p:cNvPr id="3" name="Content Placeholder 2">
+            <a:extLst>
+              <a:ext uri="{FF2B5EF4-FFF2-40B4-BE49-F238E27FC236}">
+                <a16:creationId xmlns:a16="http://schemas.microsoft.com/office/drawing/2014/main" id="{DA092C91-7102-4FA8-BFC3-E7C480E072D1}"/>
+              </a:ext>
+            </a:extLst>
+          </p:cNvPr>
+          <p:cNvSpPr>
+            <a:spLocks noGrp="1"/>
+          </p:cNvSpPr>
+          <p:nvPr>
+            <p:ph idx="1"/>
+          </p:nvPr>
+        </p:nvSpPr>
+        <p:spPr/>
+        <p:txBody>
+          <a:bodyPr>
+            <a:normAutofit/>
+          </a:bodyPr>
+          <a:lstStyle/>
+          <a:p>
+            <a:endParaRPr lang="en-US" dirty="0">
+              <a:solidFill>
+                <a:srgbClr val="00B050"/>
+              </a:solidFill>
+              <a:latin typeface="Times New Roman" panose="02020603050405020304" pitchFamily="18" charset="0"/>
+              <a:cs typeface="Times New Roman" panose="02020603050405020304" pitchFamily="18" charset="0"/>
+            </a:endParaRPr>
+          </a:p>
+          <a:p>
+            <a:endParaRPr lang="en-US" dirty="0">
+              <a:solidFill>
+                <a:srgbClr val="00B050"/>
+              </a:solidFill>
+              <a:latin typeface="Times New Roman" panose="02020603050405020304" pitchFamily="18" charset="0"/>
+              <a:cs typeface="Times New Roman" panose="02020603050405020304" pitchFamily="18" charset="0"/>
+            </a:endParaRPr>
+          </a:p>
+          <a:p>
+            <a:r>
+              <a:rPr lang="en-US" dirty="0">
+                <a:solidFill>
+                  <a:srgbClr val="00B050"/>
+                </a:solidFill>
+                <a:latin typeface="Times New Roman" panose="02020603050405020304" pitchFamily="18" charset="0"/>
+                <a:cs typeface="Times New Roman" panose="02020603050405020304" pitchFamily="18" charset="0"/>
+              </a:rPr>
+              <a:t>Please check </a:t>
+            </a:r>
+            <a:r>
+              <a:rPr lang="en-US" dirty="0">
+                <a:solidFill>
+                  <a:srgbClr val="0070C0"/>
+                </a:solidFill>
+                <a:latin typeface="Times New Roman" panose="02020603050405020304" pitchFamily="18" charset="0"/>
+                <a:cs typeface="Times New Roman" panose="02020603050405020304" pitchFamily="18" charset="0"/>
+                <a:hlinkClick r:id="rId2">
+                  <a:extLst>
+                    <a:ext uri="{A12FA001-AC4F-418D-AE19-62706E023703}">
+                      <ahyp:hlinkClr xmlns:ahyp="http://schemas.microsoft.com/office/drawing/2018/hyperlinkcolor" val="tx"/>
+                    </a:ext>
+                  </a:extLst>
+                </a:hlinkClick>
+              </a:rPr>
+              <a:t>Wireframe &amp; Prototype in </a:t>
+            </a:r>
+            <a:r>
+              <a:rPr lang="en-US" dirty="0" err="1">
+                <a:solidFill>
+                  <a:srgbClr val="0070C0"/>
+                </a:solidFill>
+                <a:latin typeface="Times New Roman" panose="02020603050405020304" pitchFamily="18" charset="0"/>
+                <a:cs typeface="Times New Roman" panose="02020603050405020304" pitchFamily="18" charset="0"/>
+                <a:hlinkClick r:id="rId2">
+                  <a:extLst>
+                    <a:ext uri="{A12FA001-AC4F-418D-AE19-62706E023703}">
+                      <ahyp:hlinkClr xmlns:ahyp="http://schemas.microsoft.com/office/drawing/2018/hyperlinkcolor" val="tx"/>
+                    </a:ext>
+                  </a:extLst>
+                </a:hlinkClick>
+              </a:rPr>
+              <a:t>Figma</a:t>
+            </a:r>
+            <a:r>
+              <a:rPr lang="en-US" dirty="0">
+                <a:latin typeface="Times New Roman" panose="02020603050405020304" pitchFamily="18" charset="0"/>
+                <a:cs typeface="Times New Roman" panose="02020603050405020304" pitchFamily="18" charset="0"/>
+              </a:rPr>
+              <a:t> </a:t>
+            </a:r>
+          </a:p>
+          <a:p>
+            <a:r>
+              <a:rPr lang="en-US" dirty="0">
+                <a:solidFill>
+                  <a:srgbClr val="00B050"/>
+                </a:solidFill>
+                <a:latin typeface="Times New Roman" panose="02020603050405020304" pitchFamily="18" charset="0"/>
+                <a:cs typeface="Times New Roman" panose="02020603050405020304" pitchFamily="18" charset="0"/>
+              </a:rPr>
+              <a:t>Get copy of project  </a:t>
+            </a:r>
+            <a:r>
+              <a:rPr lang="en-US" dirty="0">
+                <a:solidFill>
+                  <a:srgbClr val="0070C0"/>
+                </a:solidFill>
+                <a:latin typeface="Times New Roman" panose="02020603050405020304" pitchFamily="18" charset="0"/>
+                <a:cs typeface="Times New Roman" panose="02020603050405020304" pitchFamily="18" charset="0"/>
+                <a:hlinkClick r:id="rId3">
+                  <a:extLst>
+                    <a:ext uri="{A12FA001-AC4F-418D-AE19-62706E023703}">
+                      <ahyp:hlinkClr xmlns:ahyp="http://schemas.microsoft.com/office/drawing/2018/hyperlinkcolor" val="tx"/>
+                    </a:ext>
+                  </a:extLst>
+                </a:hlinkClick>
+              </a:rPr>
+              <a:t>Class Project in GitHub</a:t>
+            </a:r>
+            <a:endParaRPr lang="en-US" dirty="0">
+              <a:solidFill>
+                <a:srgbClr val="0070C0"/>
+              </a:solidFill>
+              <a:latin typeface="Times New Roman" panose="02020603050405020304" pitchFamily="18" charset="0"/>
+              <a:cs typeface="Times New Roman" panose="02020603050405020304" pitchFamily="18" charset="0"/>
+            </a:endParaRPr>
+          </a:p>
+          <a:p>
+            <a:endParaRPr lang="en-US" dirty="0">
+              <a:latin typeface="Times New Roman" panose="02020603050405020304" pitchFamily="18" charset="0"/>
+              <a:cs typeface="Times New Roman" panose="02020603050405020304" pitchFamily="18" charset="0"/>
+            </a:endParaRPr>
+          </a:p>
+          <a:p>
+            <a:r>
+              <a:rPr lang="en-US" sz="4000" b="1" dirty="0">
+                <a:solidFill>
+                  <a:schemeClr val="accent6">
+                    <a:lumMod val="50000"/>
+                  </a:schemeClr>
+                </a:solidFill>
+                <a:highlight>
+                  <a:srgbClr val="FFFF00"/>
+                </a:highlight>
+                <a:latin typeface="Times New Roman" panose="02020603050405020304" pitchFamily="18" charset="0"/>
+                <a:cs typeface="Times New Roman" panose="02020603050405020304" pitchFamily="18" charset="0"/>
+              </a:rPr>
+              <a:t>ANY QUESTIONS ?</a:t>
+            </a:r>
+          </a:p>
+        </p:txBody>
+      </p:sp>
+    </p:spTree>
+    <p:extLst>
+      <p:ext uri="{BB962C8B-B14F-4D97-AF65-F5344CB8AC3E}">
+        <p14:creationId xmlns:p14="http://schemas.microsoft.com/office/powerpoint/2010/main" val="276003323"/>
       </p:ext>
     </p:extLst>
   </p:cSld>
@@ -3759,6 +6350,10 @@
             </a:r>
           </a:p>
           <a:p>
+            <a:pPr>
+              <a:buFont typeface="Wingdings" panose="05000000000000000000" pitchFamily="2" charset="2"/>
+              <a:buChar char="v"/>
+            </a:pPr>
             <a:endParaRPr lang="en-US" dirty="0">
               <a:solidFill>
                 <a:srgbClr val="00B050"/>
@@ -3768,6 +6363,10 @@
             </a:endParaRPr>
           </a:p>
           <a:p>
+            <a:pPr>
+              <a:buFont typeface="Wingdings" panose="05000000000000000000" pitchFamily="2" charset="2"/>
+              <a:buChar char="v"/>
+            </a:pPr>
             <a:endParaRPr lang="en-US" dirty="0">
               <a:solidFill>
                 <a:srgbClr val="00B050"/>
@@ -3777,6 +6376,10 @@
             </a:endParaRPr>
           </a:p>
           <a:p>
+            <a:pPr>
+              <a:buFont typeface="Wingdings" panose="05000000000000000000" pitchFamily="2" charset="2"/>
+              <a:buChar char="v"/>
+            </a:pPr>
             <a:endParaRPr lang="en-US" dirty="0"/>
           </a:p>
         </p:txBody>
@@ -3903,7 +6506,7 @@
           <p:nvPr>
             <p:extLst>
               <p:ext uri="{D42A27DB-BD31-4B8C-83A1-F6EECF244321}">
-                <p14:modId xmlns:p14="http://schemas.microsoft.com/office/powerpoint/2010/main" val="2185994915"/>
+                <p14:modId xmlns:p14="http://schemas.microsoft.com/office/powerpoint/2010/main" val="2597178430"/>
               </p:ext>
             </p:extLst>
           </p:nvPr>
@@ -3950,18 +6553,17 @@
                         </a:spcAft>
                       </a:pPr>
                       <a:r>
-                        <a:rPr lang="en-US" sz="2400" b="1" i="0" u="none" strike="noStrike">
+                        <a:rPr lang="en-US" sz="2400" b="1" i="0" u="none" strike="noStrike" dirty="0">
                           <a:solidFill>
                             <a:srgbClr val="7F7F7F"/>
                           </a:solidFill>
                           <a:effectLst/>
                           <a:latin typeface="Times New Roman" panose="02020603050405020304" pitchFamily="18" charset="0"/>
-                          <a:ea typeface="Calibri" panose="020F0502020204030204" pitchFamily="34" charset="0"/>
                           <a:cs typeface="Times New Roman" panose="02020603050405020304" pitchFamily="18" charset="0"/>
                         </a:rPr>
-                        <a:t>Impacted</a:t>
+                        <a:t>Disable Group</a:t>
                       </a:r>
-                      <a:endParaRPr lang="en-US" sz="2400" b="1" i="0" u="none" strike="noStrike">
+                      <a:endParaRPr lang="en-US" sz="2400" b="1" i="0" u="none" strike="noStrike" dirty="0">
                         <a:effectLst/>
                         <a:latin typeface="Arial" panose="020B0604020202020204" pitchFamily="34" charset="0"/>
                       </a:endParaRPr>
@@ -5306,7 +7908,7 @@
                         <a:buChar char="•"/>
                       </a:pPr>
                       <a:r>
-                        <a:rPr lang="en-US" sz="1400" b="0" i="0" u="none" strike="noStrike">
+                        <a:rPr lang="en-US" sz="1400" b="0" i="0" u="none" strike="noStrike" dirty="0">
                           <a:solidFill>
                             <a:srgbClr val="00B050"/>
                           </a:solidFill>
@@ -5317,7 +7919,7 @@
                         </a:rPr>
                         <a:t>Use of visual or audio frequencies that might trigger seizure. </a:t>
                       </a:r>
-                      <a:endParaRPr lang="en-US" sz="1400" b="0" i="0" u="none" strike="noStrike">
+                      <a:endParaRPr lang="en-US" sz="1400" b="0" i="0" u="none" strike="noStrike" dirty="0">
                         <a:effectLst/>
                         <a:latin typeface="Arial" panose="020B0604020202020204" pitchFamily="34" charset="0"/>
                       </a:endParaRPr>
@@ -5553,7 +8155,7 @@
         <p:spPr>
           <a:xfrm>
             <a:off x="104775" y="0"/>
-            <a:ext cx="12020550" cy="4662558"/>
+            <a:ext cx="12020550" cy="3797899"/>
           </a:xfrm>
           <a:prstGeom prst="rect">
             <a:avLst/>
@@ -5585,13 +8187,15 @@
             </a:r>
           </a:p>
           <a:p>
-            <a:pPr>
+            <a:pPr marL="285750" indent="-285750">
               <a:lnSpc>
                 <a:spcPct val="107000"/>
               </a:lnSpc>
               <a:spcAft>
                 <a:spcPts val="800"/>
               </a:spcAft>
+              <a:buFont typeface="Wingdings" panose="05000000000000000000" pitchFamily="2" charset="2"/>
+              <a:buChar char="v"/>
             </a:pPr>
             <a:r>
               <a:rPr lang="en-US" dirty="0">
@@ -5602,7 +8206,53 @@
                 <a:ea typeface="Calibri" panose="020F0502020204030204" pitchFamily="34" charset="0"/>
                 <a:cs typeface="Times New Roman" panose="02020603050405020304" pitchFamily="18" charset="0"/>
               </a:rPr>
-              <a:t>User is a team member of project to develop digital consent. User is trying to improve knowledge about digital accessibility to implement new skills to make product more accessible. User is looking for one stop solution which provides various resources based on team roles. </a:t>
+              <a:t>User is assigned to a project which is accessible to disable customers. </a:t>
+            </a:r>
+          </a:p>
+          <a:p>
+            <a:pPr marL="285750" indent="-285750">
+              <a:lnSpc>
+                <a:spcPct val="107000"/>
+              </a:lnSpc>
+              <a:spcAft>
+                <a:spcPts val="800"/>
+              </a:spcAft>
+              <a:buFont typeface="Wingdings" panose="05000000000000000000" pitchFamily="2" charset="2"/>
+              <a:buChar char="v"/>
+            </a:pPr>
+            <a:r>
+              <a:rPr lang="en-US" dirty="0">
+                <a:solidFill>
+                  <a:srgbClr val="00B050"/>
+                </a:solidFill>
+                <a:latin typeface="Times New Roman" panose="02020603050405020304" pitchFamily="18" charset="0"/>
+                <a:ea typeface="Calibri" panose="020F0502020204030204" pitchFamily="34" charset="0"/>
+                <a:cs typeface="Times New Roman" panose="02020603050405020304" pitchFamily="18" charset="0"/>
+              </a:rPr>
+              <a:t>User is trying to improve knowledge about digital accessibility to make product &amp; services accessible to everyone. </a:t>
+            </a:r>
+          </a:p>
+          <a:p>
+            <a:pPr marL="285750" indent="-285750">
+              <a:lnSpc>
+                <a:spcPct val="107000"/>
+              </a:lnSpc>
+              <a:spcAft>
+                <a:spcPts val="800"/>
+              </a:spcAft>
+              <a:buFont typeface="Wingdings" panose="05000000000000000000" pitchFamily="2" charset="2"/>
+              <a:buChar char="v"/>
+            </a:pPr>
+            <a:r>
+              <a:rPr lang="en-US" dirty="0">
+                <a:solidFill>
+                  <a:srgbClr val="00B050"/>
+                </a:solidFill>
+                <a:latin typeface="Times New Roman" panose="02020603050405020304" pitchFamily="18" charset="0"/>
+                <a:ea typeface="Calibri" panose="020F0502020204030204" pitchFamily="34" charset="0"/>
+                <a:cs typeface="Times New Roman" panose="02020603050405020304" pitchFamily="18" charset="0"/>
+              </a:rPr>
+              <a:t>User is looking for a tool which provides various resources based on team roles. </a:t>
             </a:r>
           </a:p>
           <a:p>
@@ -5631,40 +8281,6 @@
                 <a:spcPts val="200"/>
               </a:spcBef>
             </a:pPr>
-            <a:endParaRPr lang="en-US" sz="2800" b="1" dirty="0">
-              <a:solidFill>
-                <a:srgbClr val="2F5496"/>
-              </a:solidFill>
-              <a:ea typeface="Times New Roman" panose="02020603050405020304" pitchFamily="18" charset="0"/>
-              <a:cs typeface="Times New Roman" panose="02020603050405020304" pitchFamily="18" charset="0"/>
-            </a:endParaRPr>
-          </a:p>
-          <a:p>
-            <a:pPr>
-              <a:lnSpc>
-                <a:spcPct val="107000"/>
-              </a:lnSpc>
-              <a:spcBef>
-                <a:spcPts val="200"/>
-              </a:spcBef>
-            </a:pPr>
-            <a:endParaRPr lang="en-US" sz="2800" b="1" dirty="0">
-              <a:solidFill>
-                <a:srgbClr val="2F5496"/>
-              </a:solidFill>
-              <a:ea typeface="Times New Roman" panose="02020603050405020304" pitchFamily="18" charset="0"/>
-              <a:cs typeface="Times New Roman" panose="02020603050405020304" pitchFamily="18" charset="0"/>
-            </a:endParaRPr>
-          </a:p>
-          <a:p>
-            <a:pPr>
-              <a:lnSpc>
-                <a:spcPct val="107000"/>
-              </a:lnSpc>
-              <a:spcBef>
-                <a:spcPts val="200"/>
-              </a:spcBef>
-            </a:pPr>
             <a:r>
               <a:rPr lang="en-US" sz="2800" b="1" dirty="0">
                 <a:solidFill>
@@ -5677,13 +8293,15 @@
             </a:r>
           </a:p>
           <a:p>
-            <a:pPr>
+            <a:pPr marL="285750" indent="-285750">
               <a:lnSpc>
                 <a:spcPct val="107000"/>
               </a:lnSpc>
               <a:spcAft>
                 <a:spcPts val="800"/>
               </a:spcAft>
+              <a:buFont typeface="Wingdings" panose="05000000000000000000" pitchFamily="2" charset="2"/>
+              <a:buChar char="v"/>
             </a:pPr>
             <a:r>
               <a:rPr lang="en-US" dirty="0">
@@ -5694,16 +8312,54 @@
                 <a:ea typeface="Calibri" panose="020F0502020204030204" pitchFamily="34" charset="0"/>
                 <a:cs typeface="Times New Roman" panose="02020603050405020304" pitchFamily="18" charset="0"/>
               </a:rPr>
-              <a:t>We share digital information or provide digital services to reach out to as many users as possible. Unfortunately, certain people with disabilities cannot get that information or services we want to provide. This is against our mission &amp;/or vision. Information or services should be accessible to all irrespective to their physical or medical condition. Developing skills to address digital accessibility issues is the law. Our tool will provide those resources to various team members in our team. </a:t>
-            </a:r>
-            <a:endParaRPr lang="en-US" dirty="0">
-              <a:solidFill>
-                <a:srgbClr val="00B050"/>
-              </a:solidFill>
-              <a:latin typeface="Calibri" panose="020F0502020204030204" pitchFamily="34" charset="0"/>
-              <a:ea typeface="Calibri" panose="020F0502020204030204" pitchFamily="34" charset="0"/>
-              <a:cs typeface="Times New Roman" panose="02020603050405020304" pitchFamily="18" charset="0"/>
-            </a:endParaRPr>
+              <a:t>Disable users can not get information they need because of physical or mental condition.</a:t>
+            </a:r>
+          </a:p>
+          <a:p>
+            <a:pPr marL="285750" indent="-285750">
+              <a:lnSpc>
+                <a:spcPct val="107000"/>
+              </a:lnSpc>
+              <a:spcAft>
+                <a:spcPts val="800"/>
+              </a:spcAft>
+              <a:buFont typeface="Wingdings" panose="05000000000000000000" pitchFamily="2" charset="2"/>
+              <a:buChar char="v"/>
+            </a:pPr>
+            <a:r>
+              <a:rPr lang="en-US" dirty="0">
+                <a:solidFill>
+                  <a:srgbClr val="00B050"/>
+                </a:solidFill>
+                <a:latin typeface="Times New Roman" panose="02020603050405020304" pitchFamily="18" charset="0"/>
+                <a:ea typeface="Calibri" panose="020F0502020204030204" pitchFamily="34" charset="0"/>
+                <a:cs typeface="Times New Roman" panose="02020603050405020304" pitchFamily="18" charset="0"/>
+              </a:rPr>
+              <a:t>Accessibility must be considered at each phase of Software Development Life Cycle.</a:t>
+            </a:r>
+          </a:p>
+          <a:p>
+            <a:pPr marL="285750" indent="-285750">
+              <a:lnSpc>
+                <a:spcPct val="107000"/>
+              </a:lnSpc>
+              <a:spcAft>
+                <a:spcPts val="800"/>
+              </a:spcAft>
+              <a:buFont typeface="Wingdings" panose="05000000000000000000" pitchFamily="2" charset="2"/>
+              <a:buChar char="v"/>
+            </a:pPr>
+            <a:r>
+              <a:rPr lang="en-US" dirty="0">
+                <a:solidFill>
+                  <a:srgbClr val="00B050"/>
+                </a:solidFill>
+                <a:latin typeface="Times New Roman" panose="02020603050405020304" pitchFamily="18" charset="0"/>
+                <a:ea typeface="Calibri" panose="020F0502020204030204" pitchFamily="34" charset="0"/>
+                <a:cs typeface="Times New Roman" panose="02020603050405020304" pitchFamily="18" charset="0"/>
+              </a:rPr>
+              <a:t>Team members must be trained to learn or improve their accessibility skillset to implement in project.  </a:t>
+            </a:r>
           </a:p>
         </p:txBody>
       </p:sp>
@@ -5737,214 +8393,40 @@
           <a:chExt cx="0" cy="0"/>
         </a:xfrm>
       </p:grpSpPr>
-      <p:sp>
-        <p:nvSpPr>
-          <p:cNvPr id="2" name="Title 1">
+      <p:pic>
+        <p:nvPicPr>
+          <p:cNvPr id="4" name="Picture 3">
             <a:extLst>
               <a:ext uri="{FF2B5EF4-FFF2-40B4-BE49-F238E27FC236}">
-                <a16:creationId xmlns:a16="http://schemas.microsoft.com/office/drawing/2014/main" id="{080418FF-E9F2-4FF2-BBAA-9073769BB98B}"/>
+                <a16:creationId xmlns:a16="http://schemas.microsoft.com/office/drawing/2014/main" id="{BC029DB3-F893-4C95-9425-C6F931C73C71}"/>
               </a:ext>
             </a:extLst>
           </p:cNvPr>
-          <p:cNvSpPr>
-            <a:spLocks noGrp="1"/>
-          </p:cNvSpPr>
-          <p:nvPr>
-            <p:ph type="title"/>
-          </p:nvPr>
-        </p:nvSpPr>
+          <p:cNvPicPr>
+            <a:picLocks noChangeAspect="1"/>
+          </p:cNvPicPr>
+          <p:nvPr/>
+        </p:nvPicPr>
+        <p:blipFill>
+          <a:blip r:embed="rId2"/>
+          <a:stretch>
+            <a:fillRect/>
+          </a:stretch>
+        </p:blipFill>
         <p:spPr>
           <a:xfrm>
-            <a:off x="1097280" y="286603"/>
-            <a:ext cx="10058400" cy="818297"/>
+            <a:off x="0" y="162560"/>
+            <a:ext cx="12120880" cy="6400165"/>
           </a:xfrm>
+          <a:prstGeom prst="rect">
+            <a:avLst/>
+          </a:prstGeom>
         </p:spPr>
-        <p:txBody>
-          <a:bodyPr/>
-          <a:lstStyle/>
-          <a:p>
-            <a:r>
-              <a:rPr lang="en-US" dirty="0">
-                <a:solidFill>
-                  <a:schemeClr val="bg1">
-                    <a:lumMod val="50000"/>
-                  </a:schemeClr>
-                </a:solidFill>
-              </a:rPr>
-              <a:t>Story Arc</a:t>
-            </a:r>
-          </a:p>
-        </p:txBody>
-      </p:sp>
-      <p:sp>
-        <p:nvSpPr>
-          <p:cNvPr id="3" name="Content Placeholder 2">
-            <a:extLst>
-              <a:ext uri="{FF2B5EF4-FFF2-40B4-BE49-F238E27FC236}">
-                <a16:creationId xmlns:a16="http://schemas.microsoft.com/office/drawing/2014/main" id="{210AEE1B-B1F6-49D2-AA9A-4A1C123C81B2}"/>
-              </a:ext>
-            </a:extLst>
-          </p:cNvPr>
-          <p:cNvSpPr>
-            <a:spLocks noGrp="1"/>
-          </p:cNvSpPr>
-          <p:nvPr>
-            <p:ph idx="1"/>
-          </p:nvPr>
-        </p:nvSpPr>
-        <p:spPr/>
-        <p:txBody>
-          <a:bodyPr>
-            <a:normAutofit fontScale="85000" lnSpcReduction="10000"/>
-          </a:bodyPr>
-          <a:lstStyle/>
-          <a:p>
-            <a:r>
-              <a:rPr lang="en-US" b="1" dirty="0">
-                <a:solidFill>
-                  <a:srgbClr val="0070C0"/>
-                </a:solidFill>
-                <a:latin typeface="Times New Roman" panose="02020603050405020304" pitchFamily="18" charset="0"/>
-                <a:cs typeface="Times New Roman" panose="02020603050405020304" pitchFamily="18" charset="0"/>
-              </a:rPr>
-              <a:t>Introduction</a:t>
-            </a:r>
-            <a:r>
-              <a:rPr lang="en-US" dirty="0">
-                <a:solidFill>
-                  <a:srgbClr val="00B050"/>
-                </a:solidFill>
-                <a:latin typeface="Times New Roman" panose="02020603050405020304" pitchFamily="18" charset="0"/>
-                <a:cs typeface="Times New Roman" panose="02020603050405020304" pitchFamily="18" charset="0"/>
-              </a:rPr>
-              <a:t>: Digital accessibility is important to share information &amp;/or services for all including disable users to reach out to more users. </a:t>
-            </a:r>
-          </a:p>
-          <a:p>
-            <a:r>
-              <a:rPr lang="en-US" b="1" dirty="0">
-                <a:solidFill>
-                  <a:srgbClr val="0070C0"/>
-                </a:solidFill>
-                <a:latin typeface="Times New Roman" panose="02020603050405020304" pitchFamily="18" charset="0"/>
-                <a:cs typeface="Times New Roman" panose="02020603050405020304" pitchFamily="18" charset="0"/>
-              </a:rPr>
-              <a:t>Incident</a:t>
-            </a:r>
-            <a:r>
-              <a:rPr lang="en-US" dirty="0">
-                <a:solidFill>
-                  <a:srgbClr val="00B050"/>
-                </a:solidFill>
-                <a:latin typeface="Times New Roman" panose="02020603050405020304" pitchFamily="18" charset="0"/>
-                <a:cs typeface="Times New Roman" panose="02020603050405020304" pitchFamily="18" charset="0"/>
-              </a:rPr>
-              <a:t>: Disable individuals have issue with getting information they need because of lack of accessibility.</a:t>
-            </a:r>
-          </a:p>
-          <a:p>
-            <a:r>
-              <a:rPr lang="en-US" b="1" dirty="0">
-                <a:solidFill>
-                  <a:srgbClr val="0070C0"/>
-                </a:solidFill>
-                <a:latin typeface="Times New Roman" panose="02020603050405020304" pitchFamily="18" charset="0"/>
-                <a:cs typeface="Times New Roman" panose="02020603050405020304" pitchFamily="18" charset="0"/>
-              </a:rPr>
-              <a:t>Raising Action</a:t>
-            </a:r>
-            <a:r>
-              <a:rPr lang="en-US" dirty="0">
-                <a:solidFill>
-                  <a:srgbClr val="00B050"/>
-                </a:solidFill>
-                <a:latin typeface="Times New Roman" panose="02020603050405020304" pitchFamily="18" charset="0"/>
-                <a:cs typeface="Times New Roman" panose="02020603050405020304" pitchFamily="18" charset="0"/>
-              </a:rPr>
-              <a:t>: There are some instances of lawsuit action because of accessibility issue. </a:t>
-            </a:r>
-          </a:p>
-          <a:p>
-            <a:r>
-              <a:rPr lang="en-US" b="1" dirty="0">
-                <a:solidFill>
-                  <a:srgbClr val="0070C0"/>
-                </a:solidFill>
-                <a:latin typeface="Times New Roman" panose="02020603050405020304" pitchFamily="18" charset="0"/>
-                <a:cs typeface="Times New Roman" panose="02020603050405020304" pitchFamily="18" charset="0"/>
-              </a:rPr>
-              <a:t>Climax</a:t>
-            </a:r>
-            <a:r>
-              <a:rPr lang="en-US" dirty="0">
-                <a:solidFill>
-                  <a:srgbClr val="00B050"/>
-                </a:solidFill>
-                <a:latin typeface="Times New Roman" panose="02020603050405020304" pitchFamily="18" charset="0"/>
-                <a:cs typeface="Times New Roman" panose="02020603050405020304" pitchFamily="18" charset="0"/>
-              </a:rPr>
-              <a:t>: There are laws to make digital content &amp; services accessible. Team members must get training based on their role to create accessible project. </a:t>
-            </a:r>
-          </a:p>
-          <a:p>
-            <a:r>
-              <a:rPr lang="en-US" b="1" dirty="0">
-                <a:solidFill>
-                  <a:srgbClr val="0070C0"/>
-                </a:solidFill>
-                <a:latin typeface="Times New Roman" panose="02020603050405020304" pitchFamily="18" charset="0"/>
-                <a:cs typeface="Times New Roman" panose="02020603050405020304" pitchFamily="18" charset="0"/>
-              </a:rPr>
-              <a:t>Resolution</a:t>
-            </a:r>
-            <a:r>
-              <a:rPr lang="en-US" dirty="0">
-                <a:solidFill>
-                  <a:srgbClr val="00B050"/>
-                </a:solidFill>
-                <a:latin typeface="Times New Roman" panose="02020603050405020304" pitchFamily="18" charset="0"/>
-                <a:cs typeface="Times New Roman" panose="02020603050405020304" pitchFamily="18" charset="0"/>
-              </a:rPr>
-              <a:t>: We need to provide training for our team members to address accessibility at early phase of project. If possible, all disable groups should be addressed. </a:t>
-            </a:r>
-          </a:p>
-          <a:p>
-            <a:r>
-              <a:rPr lang="en-US" b="1" dirty="0">
-                <a:solidFill>
-                  <a:srgbClr val="0070C0"/>
-                </a:solidFill>
-                <a:latin typeface="Times New Roman" panose="02020603050405020304" pitchFamily="18" charset="0"/>
-                <a:cs typeface="Times New Roman" panose="02020603050405020304" pitchFamily="18" charset="0"/>
-              </a:rPr>
-              <a:t>Conclusion</a:t>
-            </a:r>
-            <a:r>
-              <a:rPr lang="en-US" dirty="0">
-                <a:solidFill>
-                  <a:srgbClr val="00B050"/>
-                </a:solidFill>
-                <a:latin typeface="Times New Roman" panose="02020603050405020304" pitchFamily="18" charset="0"/>
-                <a:cs typeface="Times New Roman" panose="02020603050405020304" pitchFamily="18" charset="0"/>
-              </a:rPr>
-              <a:t>: We must consider accessibility while developing  digital content or services, this is the law. </a:t>
-            </a:r>
-          </a:p>
-          <a:p>
-            <a:endParaRPr lang="en-US" dirty="0">
-              <a:solidFill>
-                <a:srgbClr val="00B050"/>
-              </a:solidFill>
-              <a:latin typeface="Times New Roman" panose="02020603050405020304" pitchFamily="18" charset="0"/>
-              <a:cs typeface="Times New Roman" panose="02020603050405020304" pitchFamily="18" charset="0"/>
-            </a:endParaRPr>
-          </a:p>
-        </p:txBody>
-      </p:sp>
+      </p:pic>
     </p:spTree>
     <p:extLst>
       <p:ext uri="{BB962C8B-B14F-4D97-AF65-F5344CB8AC3E}">
-        <p14:creationId xmlns:p14="http://schemas.microsoft.com/office/powerpoint/2010/main" val="1915328289"/>
+        <p14:creationId xmlns:p14="http://schemas.microsoft.com/office/powerpoint/2010/main" val="2607903845"/>
       </p:ext>
     </p:extLst>
   </p:cSld>
@@ -5976,7 +8458,7 @@
           <p:cNvPr id="2" name="Title 1">
             <a:extLst>
               <a:ext uri="{FF2B5EF4-FFF2-40B4-BE49-F238E27FC236}">
-                <a16:creationId xmlns:a16="http://schemas.microsoft.com/office/drawing/2014/main" id="{4EAF15F1-1064-4CA0-9FA3-F6ED922A0232}"/>
+                <a16:creationId xmlns:a16="http://schemas.microsoft.com/office/drawing/2014/main" id="{080418FF-E9F2-4FF2-BBAA-9073769BB98B}"/>
               </a:ext>
             </a:extLst>
           </p:cNvPr>
@@ -5987,7 +8469,12 @@
             <p:ph type="title"/>
           </p:nvPr>
         </p:nvSpPr>
-        <p:spPr/>
+        <p:spPr>
+          <a:xfrm>
+            <a:off x="1097280" y="286603"/>
+            <a:ext cx="10058400" cy="818297"/>
+          </a:xfrm>
+        </p:spPr>
         <p:txBody>
           <a:bodyPr/>
           <a:lstStyle/>
@@ -6000,7 +8487,7 @@
                   </a:schemeClr>
                 </a:solidFill>
               </a:rPr>
-              <a:t>Service Experience</a:t>
+              <a:t>Story Arc</a:t>
             </a:r>
           </a:p>
         </p:txBody>
@@ -6010,7 +8497,7 @@
           <p:cNvPr id="3" name="Content Placeholder 2">
             <a:extLst>
               <a:ext uri="{FF2B5EF4-FFF2-40B4-BE49-F238E27FC236}">
-                <a16:creationId xmlns:a16="http://schemas.microsoft.com/office/drawing/2014/main" id="{8A7F937B-F224-4CF5-BFB4-73144E1C46D8}"/>
+                <a16:creationId xmlns:a16="http://schemas.microsoft.com/office/drawing/2014/main" id="{210AEE1B-B1F6-49D2-AA9A-4A1C123C81B2}"/>
               </a:ext>
             </a:extLst>
           </p:cNvPr>
@@ -6023,46 +8510,157 @@
         </p:nvSpPr>
         <p:spPr/>
         <p:txBody>
-          <a:bodyPr/>
+          <a:bodyPr>
+            <a:normAutofit fontScale="92500" lnSpcReduction="10000"/>
+          </a:bodyPr>
           <a:lstStyle/>
           <a:p>
-            <a:pPr>
-              <a:buFont typeface="Wingdings" panose="05000000000000000000" pitchFamily="2" charset="2"/>
-              <a:buChar char="v"/>
-            </a:pPr>
-            <a:r>
-              <a:rPr lang="en-US" dirty="0">
-                <a:solidFill>
-                  <a:schemeClr val="accent6"/>
+            <a:r>
+              <a:rPr lang="en-US" b="1" dirty="0">
+                <a:solidFill>
+                  <a:srgbClr val="0070C0"/>
                 </a:solidFill>
                 <a:latin typeface="Times New Roman" panose="02020603050405020304" pitchFamily="18" charset="0"/>
                 <a:cs typeface="Times New Roman" panose="02020603050405020304" pitchFamily="18" charset="0"/>
               </a:rPr>
-              <a:t>Improve experience of disabled individuals while accessing digital information or services.</a:t>
-            </a:r>
-          </a:p>
-          <a:p>
-            <a:pPr>
-              <a:buFont typeface="Wingdings" panose="05000000000000000000" pitchFamily="2" charset="2"/>
-              <a:buChar char="v"/>
-            </a:pPr>
+              <a:t>Introduction</a:t>
+            </a:r>
             <a:r>
               <a:rPr lang="en-US" dirty="0">
                 <a:solidFill>
-                  <a:schemeClr val="accent6"/>
+                  <a:srgbClr val="00B050"/>
                 </a:solidFill>
                 <a:latin typeface="Times New Roman" panose="02020603050405020304" pitchFamily="18" charset="0"/>
                 <a:cs typeface="Times New Roman" panose="02020603050405020304" pitchFamily="18" charset="0"/>
               </a:rPr>
-              <a:t>Improve experience of team members who are developing, enhancing or maintaining digital information and services. </a:t>
-            </a:r>
+              <a:t>: Digital accessibility is important to share information &amp;/or services for all including disable users to reach out to more users. Team members should have knowledge to implement accessibility in their project. </a:t>
+            </a:r>
+          </a:p>
+          <a:p>
+            <a:r>
+              <a:rPr lang="en-US" b="1" dirty="0">
+                <a:solidFill>
+                  <a:srgbClr val="0070C0"/>
+                </a:solidFill>
+                <a:latin typeface="Times New Roman" panose="02020603050405020304" pitchFamily="18" charset="0"/>
+                <a:cs typeface="Times New Roman" panose="02020603050405020304" pitchFamily="18" charset="0"/>
+              </a:rPr>
+              <a:t>Incident</a:t>
+            </a:r>
+            <a:r>
+              <a:rPr lang="en-US" dirty="0">
+                <a:solidFill>
+                  <a:srgbClr val="00B050"/>
+                </a:solidFill>
+                <a:latin typeface="Times New Roman" panose="02020603050405020304" pitchFamily="18" charset="0"/>
+                <a:cs typeface="Times New Roman" panose="02020603050405020304" pitchFamily="18" charset="0"/>
+              </a:rPr>
+              <a:t>: Disable individuals have issue with getting information they need because of lack of accessibility. Team members might not have enough technical skillset about implementing accessibility. </a:t>
+            </a:r>
+          </a:p>
+          <a:p>
+            <a:r>
+              <a:rPr lang="en-US" b="1" dirty="0">
+                <a:solidFill>
+                  <a:srgbClr val="0070C0"/>
+                </a:solidFill>
+                <a:latin typeface="Times New Roman" panose="02020603050405020304" pitchFamily="18" charset="0"/>
+                <a:cs typeface="Times New Roman" panose="02020603050405020304" pitchFamily="18" charset="0"/>
+              </a:rPr>
+              <a:t>Raising Action</a:t>
+            </a:r>
+            <a:r>
+              <a:rPr lang="en-US" dirty="0">
+                <a:solidFill>
+                  <a:srgbClr val="00B050"/>
+                </a:solidFill>
+                <a:latin typeface="Times New Roman" panose="02020603050405020304" pitchFamily="18" charset="0"/>
+                <a:cs typeface="Times New Roman" panose="02020603050405020304" pitchFamily="18" charset="0"/>
+              </a:rPr>
+              <a:t>: There are some instances of lawsuit action because of accessibility laws. </a:t>
+            </a:r>
+          </a:p>
+          <a:p>
+            <a:r>
+              <a:rPr lang="en-US" b="1" dirty="0">
+                <a:solidFill>
+                  <a:srgbClr val="0070C0"/>
+                </a:solidFill>
+                <a:latin typeface="Times New Roman" panose="02020603050405020304" pitchFamily="18" charset="0"/>
+                <a:cs typeface="Times New Roman" panose="02020603050405020304" pitchFamily="18" charset="0"/>
+              </a:rPr>
+              <a:t>Climax</a:t>
+            </a:r>
+            <a:r>
+              <a:rPr lang="en-US" dirty="0">
+                <a:solidFill>
+                  <a:srgbClr val="00B050"/>
+                </a:solidFill>
+                <a:latin typeface="Times New Roman" panose="02020603050405020304" pitchFamily="18" charset="0"/>
+                <a:cs typeface="Times New Roman" panose="02020603050405020304" pitchFamily="18" charset="0"/>
+              </a:rPr>
+              <a:t>: Accessibility is the law not feature. Team members must get training based on their role to create accessible project. </a:t>
+            </a:r>
+          </a:p>
+          <a:p>
+            <a:r>
+              <a:rPr lang="en-US" b="1" dirty="0">
+                <a:solidFill>
+                  <a:srgbClr val="0070C0"/>
+                </a:solidFill>
+                <a:latin typeface="Times New Roman" panose="02020603050405020304" pitchFamily="18" charset="0"/>
+                <a:cs typeface="Times New Roman" panose="02020603050405020304" pitchFamily="18" charset="0"/>
+              </a:rPr>
+              <a:t>Resolution</a:t>
+            </a:r>
+            <a:r>
+              <a:rPr lang="en-US" dirty="0">
+                <a:solidFill>
+                  <a:srgbClr val="00B050"/>
+                </a:solidFill>
+                <a:latin typeface="Times New Roman" panose="02020603050405020304" pitchFamily="18" charset="0"/>
+                <a:cs typeface="Times New Roman" panose="02020603050405020304" pitchFamily="18" charset="0"/>
+              </a:rPr>
+              <a:t>: This tool will provide training for our team members  based on their roles and responsibilities. If possible, all disable groups should be addressed. </a:t>
+            </a:r>
+          </a:p>
+          <a:p>
+            <a:r>
+              <a:rPr lang="en-US" b="1" dirty="0">
+                <a:solidFill>
+                  <a:srgbClr val="0070C0"/>
+                </a:solidFill>
+                <a:latin typeface="Times New Roman" panose="02020603050405020304" pitchFamily="18" charset="0"/>
+                <a:cs typeface="Times New Roman" panose="02020603050405020304" pitchFamily="18" charset="0"/>
+              </a:rPr>
+              <a:t>Conclusion</a:t>
+            </a:r>
+            <a:r>
+              <a:rPr lang="en-US" dirty="0">
+                <a:solidFill>
+                  <a:srgbClr val="00B050"/>
+                </a:solidFill>
+                <a:latin typeface="Times New Roman" panose="02020603050405020304" pitchFamily="18" charset="0"/>
+                <a:cs typeface="Times New Roman" panose="02020603050405020304" pitchFamily="18" charset="0"/>
+              </a:rPr>
+              <a:t>: We must consider accessibility while developing  digital content or services. Accessibility must be considered every phases of SDLC. </a:t>
+            </a:r>
+          </a:p>
+          <a:p>
+            <a:endParaRPr lang="en-US" dirty="0">
+              <a:solidFill>
+                <a:srgbClr val="00B050"/>
+              </a:solidFill>
+              <a:latin typeface="Times New Roman" panose="02020603050405020304" pitchFamily="18" charset="0"/>
+              <a:cs typeface="Times New Roman" panose="02020603050405020304" pitchFamily="18" charset="0"/>
+            </a:endParaRPr>
           </a:p>
         </p:txBody>
       </p:sp>
     </p:spTree>
     <p:extLst>
       <p:ext uri="{BB962C8B-B14F-4D97-AF65-F5344CB8AC3E}">
-        <p14:creationId xmlns:p14="http://schemas.microsoft.com/office/powerpoint/2010/main" val="1153217681"/>
+        <p14:creationId xmlns:p14="http://schemas.microsoft.com/office/powerpoint/2010/main" val="1915328289"/>
       </p:ext>
     </p:extLst>
   </p:cSld>
@@ -6094,7 +8692,7 @@
           <p:cNvPr id="2" name="Title 1">
             <a:extLst>
               <a:ext uri="{FF2B5EF4-FFF2-40B4-BE49-F238E27FC236}">
-                <a16:creationId xmlns:a16="http://schemas.microsoft.com/office/drawing/2014/main" id="{AA1992BE-6622-4C81-AB3E-1C913B467D72}"/>
+                <a16:creationId xmlns:a16="http://schemas.microsoft.com/office/drawing/2014/main" id="{4EAF15F1-1064-4CA0-9FA3-F6ED922A0232}"/>
               </a:ext>
             </a:extLst>
           </p:cNvPr>
@@ -6111,8 +8709,14 @@
           <a:lstStyle/>
           <a:p>
             <a:r>
-              <a:rPr lang="en-US" dirty="0"/>
-              <a:t>Wireframe &amp; Prototype</a:t>
+              <a:rPr lang="en-US" dirty="0">
+                <a:solidFill>
+                  <a:schemeClr val="bg1">
+                    <a:lumMod val="50000"/>
+                  </a:schemeClr>
+                </a:solidFill>
+              </a:rPr>
+              <a:t>Service Experience</a:t>
             </a:r>
           </a:p>
         </p:txBody>
@@ -6122,7 +8726,7 @@
           <p:cNvPr id="3" name="Content Placeholder 2">
             <a:extLst>
               <a:ext uri="{FF2B5EF4-FFF2-40B4-BE49-F238E27FC236}">
-                <a16:creationId xmlns:a16="http://schemas.microsoft.com/office/drawing/2014/main" id="{DA092C91-7102-4FA8-BFC3-E7C480E072D1}"/>
+                <a16:creationId xmlns:a16="http://schemas.microsoft.com/office/drawing/2014/main" id="{8A7F937B-F224-4CF5-BFB4-73144E1C46D8}"/>
               </a:ext>
             </a:extLst>
           </p:cNvPr>
@@ -6135,168 +8739,38 @@
         </p:nvSpPr>
         <p:spPr/>
         <p:txBody>
-          <a:bodyPr>
-            <a:normAutofit lnSpcReduction="10000"/>
-          </a:bodyPr>
+          <a:bodyPr/>
           <a:lstStyle/>
           <a:p>
-            <a:endParaRPr lang="en-US" dirty="0">
-              <a:solidFill>
-                <a:srgbClr val="00B050"/>
-              </a:solidFill>
-              <a:latin typeface="Times New Roman" panose="02020603050405020304" pitchFamily="18" charset="0"/>
-              <a:cs typeface="Times New Roman" panose="02020603050405020304" pitchFamily="18" charset="0"/>
-            </a:endParaRPr>
-          </a:p>
-          <a:p>
-            <a:endParaRPr lang="en-US" dirty="0">
-              <a:solidFill>
-                <a:srgbClr val="00B050"/>
-              </a:solidFill>
-              <a:latin typeface="Times New Roman" panose="02020603050405020304" pitchFamily="18" charset="0"/>
-              <a:cs typeface="Times New Roman" panose="02020603050405020304" pitchFamily="18" charset="0"/>
-            </a:endParaRPr>
-          </a:p>
-          <a:p>
+            <a:pPr>
+              <a:buFont typeface="Wingdings" panose="05000000000000000000" pitchFamily="2" charset="2"/>
+              <a:buChar char="v"/>
+            </a:pPr>
             <a:r>
               <a:rPr lang="en-US" dirty="0">
                 <a:solidFill>
-                  <a:srgbClr val="00B050"/>
+                  <a:schemeClr val="accent2"/>
                 </a:solidFill>
                 <a:latin typeface="Times New Roman" panose="02020603050405020304" pitchFamily="18" charset="0"/>
                 <a:cs typeface="Times New Roman" panose="02020603050405020304" pitchFamily="18" charset="0"/>
               </a:rPr>
-              <a:t>Please check </a:t>
-            </a:r>
+              <a:t>Improve experience of disabled individuals while accessing digital information or services.</a:t>
+            </a:r>
+          </a:p>
+          <a:p>
+            <a:pPr>
+              <a:buFont typeface="Wingdings" panose="05000000000000000000" pitchFamily="2" charset="2"/>
+              <a:buChar char="v"/>
+            </a:pPr>
             <a:r>
               <a:rPr lang="en-US" dirty="0">
                 <a:solidFill>
-                  <a:srgbClr val="0070C0"/>
-                </a:solidFill>
-                <a:latin typeface="Times New Roman" panose="02020603050405020304" pitchFamily="18" charset="0"/>
-                <a:cs typeface="Times New Roman" panose="02020603050405020304" pitchFamily="18" charset="0"/>
-                <a:hlinkClick r:id="rId2">
-                  <a:extLst>
-                    <a:ext uri="{A12FA001-AC4F-418D-AE19-62706E023703}">
-                      <ahyp:hlinkClr xmlns:ahyp="http://schemas.microsoft.com/office/drawing/2018/hyperlinkcolor" val="tx"/>
-                    </a:ext>
-                  </a:extLst>
-                </a:hlinkClick>
-              </a:rPr>
-              <a:t>Wireframe &amp; Prototype in </a:t>
-            </a:r>
-            <a:r>
-              <a:rPr lang="en-US" dirty="0" err="1">
-                <a:solidFill>
-                  <a:srgbClr val="0070C0"/>
-                </a:solidFill>
-                <a:latin typeface="Times New Roman" panose="02020603050405020304" pitchFamily="18" charset="0"/>
-                <a:cs typeface="Times New Roman" panose="02020603050405020304" pitchFamily="18" charset="0"/>
-                <a:hlinkClick r:id="rId2">
-                  <a:extLst>
-                    <a:ext uri="{A12FA001-AC4F-418D-AE19-62706E023703}">
-                      <ahyp:hlinkClr xmlns:ahyp="http://schemas.microsoft.com/office/drawing/2018/hyperlinkcolor" val="tx"/>
-                    </a:ext>
-                  </a:extLst>
-                </a:hlinkClick>
-              </a:rPr>
-              <a:t>Figma</a:t>
-            </a:r>
-            <a:r>
-              <a:rPr lang="en-US" dirty="0">
+                  <a:schemeClr val="accent2"/>
+                </a:solidFill>
                 <a:latin typeface="Times New Roman" panose="02020603050405020304" pitchFamily="18" charset="0"/>
                 <a:cs typeface="Times New Roman" panose="02020603050405020304" pitchFamily="18" charset="0"/>
               </a:rPr>
-              <a:t> </a:t>
-            </a:r>
-          </a:p>
-          <a:p>
-            <a:endParaRPr lang="en-US" dirty="0">
-              <a:latin typeface="Times New Roman" panose="02020603050405020304" pitchFamily="18" charset="0"/>
-              <a:cs typeface="Times New Roman" panose="02020603050405020304" pitchFamily="18" charset="0"/>
-            </a:endParaRPr>
-          </a:p>
-          <a:p>
-            <a:r>
-              <a:rPr lang="en-US" dirty="0">
-                <a:solidFill>
-                  <a:schemeClr val="accent5"/>
-                </a:solidFill>
-                <a:latin typeface="Times New Roman" panose="02020603050405020304" pitchFamily="18" charset="0"/>
-                <a:cs typeface="Times New Roman" panose="02020603050405020304" pitchFamily="18" charset="0"/>
-              </a:rPr>
-              <a:t>For detail Document Please check</a:t>
-            </a:r>
-            <a:r>
-              <a:rPr lang="en-US" dirty="0">
-                <a:latin typeface="Times New Roman" panose="02020603050405020304" pitchFamily="18" charset="0"/>
-                <a:cs typeface="Times New Roman" panose="02020603050405020304" pitchFamily="18" charset="0"/>
-              </a:rPr>
-              <a:t> </a:t>
-            </a:r>
-            <a:r>
-              <a:rPr lang="en-US" dirty="0">
-                <a:solidFill>
-                  <a:srgbClr val="0070C0"/>
-                </a:solidFill>
-                <a:latin typeface="Times New Roman" panose="02020603050405020304" pitchFamily="18" charset="0"/>
-                <a:cs typeface="Times New Roman" panose="02020603050405020304" pitchFamily="18" charset="0"/>
-              </a:rPr>
-              <a:t> </a:t>
-            </a:r>
-            <a:r>
-              <a:rPr lang="en-US" dirty="0" err="1">
-                <a:solidFill>
-                  <a:srgbClr val="0070C0"/>
-                </a:solidFill>
-                <a:latin typeface="Times New Roman" panose="02020603050405020304" pitchFamily="18" charset="0"/>
-                <a:cs typeface="Times New Roman" panose="02020603050405020304" pitchFamily="18" charset="0"/>
-                <a:hlinkClick r:id="rId3">
-                  <a:extLst>
-                    <a:ext uri="{A12FA001-AC4F-418D-AE19-62706E023703}">
-                      <ahyp:hlinkClr xmlns:ahyp="http://schemas.microsoft.com/office/drawing/2018/hyperlinkcolor" val="tx"/>
-                    </a:ext>
-                  </a:extLst>
-                </a:hlinkClick>
-              </a:rPr>
-              <a:t>AccessibilityForDigitalContent&amp;Services</a:t>
-            </a:r>
-            <a:r>
-              <a:rPr lang="en-US" dirty="0">
-                <a:latin typeface="Times New Roman" panose="02020603050405020304" pitchFamily="18" charset="0"/>
-                <a:cs typeface="Times New Roman" panose="02020603050405020304" pitchFamily="18" charset="0"/>
-              </a:rPr>
-              <a:t>  </a:t>
-            </a:r>
-          </a:p>
-          <a:p>
-            <a:endParaRPr lang="en-US" dirty="0">
-              <a:latin typeface="Times New Roman" panose="02020603050405020304" pitchFamily="18" charset="0"/>
-              <a:cs typeface="Times New Roman" panose="02020603050405020304" pitchFamily="18" charset="0"/>
-            </a:endParaRPr>
-          </a:p>
-          <a:p>
-            <a:r>
-              <a:rPr lang="en-US" sz="4000" dirty="0">
-                <a:latin typeface="Times New Roman" panose="02020603050405020304" pitchFamily="18" charset="0"/>
-                <a:cs typeface="Times New Roman" panose="02020603050405020304" pitchFamily="18" charset="0"/>
-              </a:rPr>
-              <a:t>                </a:t>
-            </a:r>
-            <a:r>
-              <a:rPr lang="en-US" sz="4000" b="1" dirty="0">
-                <a:solidFill>
-                  <a:schemeClr val="accent6">
-                    <a:lumMod val="50000"/>
-                  </a:schemeClr>
-                </a:solidFill>
-                <a:highlight>
-                  <a:srgbClr val="FFFF00"/>
-                </a:highlight>
-                <a:latin typeface="Times New Roman" panose="02020603050405020304" pitchFamily="18" charset="0"/>
-                <a:cs typeface="Times New Roman" panose="02020603050405020304" pitchFamily="18" charset="0"/>
-              </a:rPr>
-              <a:t>ANY QUESTIONS ?</a:t>
+              <a:t>Improve skillset of team members who are developing, enhancing or maintaining digital information and services. </a:t>
             </a:r>
           </a:p>
         </p:txBody>
@@ -6304,7 +8778,7 @@
     </p:spTree>
     <p:extLst>
       <p:ext uri="{BB962C8B-B14F-4D97-AF65-F5344CB8AC3E}">
-        <p14:creationId xmlns:p14="http://schemas.microsoft.com/office/powerpoint/2010/main" val="276003323"/>
+        <p14:creationId xmlns:p14="http://schemas.microsoft.com/office/powerpoint/2010/main" val="1153217681"/>
       </p:ext>
     </p:extLst>
   </p:cSld>
@@ -6315,62 +8789,62 @@
 </file>
 
 <file path=ppt/theme/theme1.xml><?xml version="1.0" encoding="utf-8"?>
-<a:theme xmlns:a="http://schemas.openxmlformats.org/drawingml/2006/main" name="RetrospectVTI">
+<a:theme xmlns:a="http://schemas.openxmlformats.org/drawingml/2006/main" name="Facet">
   <a:themeElements>
-    <a:clrScheme name="">
+    <a:clrScheme name="Facet">
       <a:dk1>
-        <a:srgbClr val="000000"/>
+        <a:sysClr val="windowText" lastClr="000000"/>
       </a:dk1>
       <a:lt1>
-        <a:srgbClr val="FFFFFF"/>
+        <a:sysClr val="window" lastClr="FFFFFF"/>
       </a:lt1>
       <a:dk2>
-        <a:srgbClr val="243541"/>
+        <a:srgbClr val="2C3C43"/>
       </a:dk2>
       <a:lt2>
-        <a:srgbClr val="E2E5E8"/>
+        <a:srgbClr val="EBEBEB"/>
       </a:lt2>
       <a:accent1>
-        <a:srgbClr val="E88B33"/>
+        <a:srgbClr val="90C226"/>
       </a:accent1>
       <a:accent2>
-        <a:srgbClr val="AEA33A"/>
+        <a:srgbClr val="54A021"/>
       </a:accent2>
       <a:accent3>
-        <a:srgbClr val="8CAB4A"/>
+        <a:srgbClr val="E6B91E"/>
       </a:accent3>
       <a:accent4>
-        <a:srgbClr val="57B636"/>
+        <a:srgbClr val="E76618"/>
       </a:accent4>
       <a:accent5>
-        <a:srgbClr val="2EBA43"/>
+        <a:srgbClr val="C42F1A"/>
       </a:accent5>
       <a:accent6>
-        <a:srgbClr val="33B67D"/>
+        <a:srgbClr val="918655"/>
       </a:accent6>
       <a:hlink>
-        <a:srgbClr val="5F84A8"/>
+        <a:srgbClr val="99CA3C"/>
       </a:hlink>
       <a:folHlink>
-        <a:srgbClr val="7F7F7F"/>
+        <a:srgbClr val="B9D181"/>
       </a:folHlink>
     </a:clrScheme>
-    <a:fontScheme name="Retrospect">
+    <a:fontScheme name="Facet">
       <a:majorFont>
-        <a:latin typeface="Georgia Pro Cond Light" panose="020F0302020204030204"/>
+        <a:latin typeface="Trebuchet MS" panose="020B0603020202020204"/>
         <a:ea typeface=""/>
         <a:cs typeface=""/>
-        <a:font script="Jpan" typeface="ＭＳ Ｐゴシック"/>
+        <a:font script="Jpan" typeface="メイリオ"/>
         <a:font script="Hang" typeface="맑은 고딕"/>
-        <a:font script="Hans" typeface="宋体"/>
-        <a:font script="Hant" typeface="新細明體"/>
-        <a:font script="Arab" typeface="Times New Roman"/>
-        <a:font script="Hebr" typeface="Times New Roman"/>
-        <a:font script="Thai" typeface="Angsana New"/>
+        <a:font script="Hans" typeface="方正姚体"/>
+        <a:font script="Hant" typeface="微軟正黑體"/>
+        <a:font script="Arab" typeface="Tahoma"/>
+        <a:font script="Hebr" typeface="Arial"/>
+        <a:font script="Thai" typeface="Cordia New"/>
         <a:font script="Ethi" typeface="Nyala"/>
         <a:font script="Beng" typeface="Vrinda"/>
         <a:font script="Gujr" typeface="Shruti"/>
-        <a:font script="Khmr" typeface="MoolBoran"/>
+        <a:font script="Khmr" typeface="DaunPenh"/>
         <a:font script="Knda" typeface="Tunga"/>
         <a:font script="Guru" typeface="Raavi"/>
         <a:font script="Cans" typeface="Euphemia"/>
@@ -6387,21 +8861,21 @@
         <a:font script="Laoo" typeface="DokChampa"/>
         <a:font script="Sinh" typeface="Iskoola Pota"/>
         <a:font script="Mong" typeface="Mongolian Baiti"/>
-        <a:font script="Viet" typeface="Times New Roman"/>
+        <a:font script="Viet" typeface="Tahoma"/>
         <a:font script="Uigh" typeface="Microsoft Uighur"/>
         <a:font script="Geor" typeface="Sylfaen"/>
       </a:majorFont>
       <a:minorFont>
-        <a:latin typeface="Speak Pro" panose="020F0502020204030204"/>
+        <a:latin typeface="Trebuchet MS" panose="020B0603020202020204"/>
         <a:ea typeface=""/>
         <a:cs typeface=""/>
-        <a:font script="Jpan" typeface="ＭＳ Ｐゴシック"/>
-        <a:font script="Hang" typeface="맑은 고딕"/>
-        <a:font script="Hans" typeface="宋体"/>
-        <a:font script="Hant" typeface="新細明體"/>
-        <a:font script="Arab" typeface="Arial"/>
-        <a:font script="Hebr" typeface="Arial"/>
-        <a:font script="Thai" typeface="Cordia New"/>
+        <a:font script="Jpan" typeface="メイリオ"/>
+        <a:font script="Hang" typeface="HY그래픽M"/>
+        <a:font script="Hans" typeface="华文新魏"/>
+        <a:font script="Hant" typeface="微軟正黑體"/>
+        <a:font script="Arab" typeface="Tahoma"/>
+        <a:font script="Hebr" typeface="Gisha"/>
+        <a:font script="Thai" typeface="IrisUPC"/>
         <a:font script="Ethi" typeface="Nyala"/>
         <a:font script="Beng" typeface="Vrinda"/>
         <a:font script="Gujr" typeface="Shruti"/>
@@ -6427,7 +8901,7 @@
         <a:font script="Geor" typeface="Sylfaen"/>
       </a:minorFont>
     </a:fontScheme>
-    <a:fmtScheme name="Retrospect">
+    <a:fmtScheme name="Facet">
       <a:fillStyleLst>
         <a:solidFill>
           <a:schemeClr val="phClr"/>
@@ -6437,76 +8911,49 @@
             <a:gs pos="0">
               <a:schemeClr val="phClr">
                 <a:tint val="65000"/>
-                <a:shade val="92000"/>
-                <a:satMod val="130000"/>
+                <a:lumMod val="110000"/>
               </a:schemeClr>
             </a:gs>
-            <a:gs pos="45000">
+            <a:gs pos="88000">
               <a:schemeClr val="phClr">
-                <a:tint val="60000"/>
-                <a:shade val="99000"/>
-                <a:satMod val="120000"/>
-              </a:schemeClr>
-            </a:gs>
-            <a:gs pos="100000">
-              <a:schemeClr val="phClr">
-                <a:tint val="55000"/>
-                <a:satMod val="140000"/>
+                <a:tint val="90000"/>
               </a:schemeClr>
             </a:gs>
           </a:gsLst>
-          <a:path path="circle">
-            <a:fillToRect l="100000" t="100000" r="100000" b="100000"/>
-          </a:path>
+          <a:lin ang="5400000" scaled="0"/>
         </a:gradFill>
         <a:gradFill rotWithShape="1">
           <a:gsLst>
             <a:gs pos="0">
               <a:schemeClr val="phClr">
-                <a:shade val="85000"/>
-                <a:satMod val="130000"/>
+                <a:tint val="96000"/>
+                <a:lumMod val="100000"/>
               </a:schemeClr>
             </a:gs>
-            <a:gs pos="34000">
+            <a:gs pos="78000">
               <a:schemeClr val="phClr">
-                <a:shade val="87000"/>
-                <a:satMod val="125000"/>
-              </a:schemeClr>
-            </a:gs>
-            <a:gs pos="70000">
-              <a:schemeClr val="phClr">
-                <a:tint val="100000"/>
-                <a:shade val="90000"/>
-                <a:satMod val="130000"/>
-              </a:schemeClr>
-            </a:gs>
-            <a:gs pos="100000">
-              <a:schemeClr val="phClr">
-                <a:tint val="100000"/>
-                <a:shade val="100000"/>
-                <a:satMod val="110000"/>
+                <a:shade val="94000"/>
+                <a:lumMod val="94000"/>
               </a:schemeClr>
             </a:gs>
           </a:gsLst>
-          <a:path path="circle">
-            <a:fillToRect l="100000" t="100000" r="100000" b="100000"/>
-          </a:path>
+          <a:lin ang="5400000" scaled="0"/>
         </a:gradFill>
       </a:fillStyleLst>
       <a:lnStyleLst>
-        <a:ln w="12700" cap="flat" cmpd="sng" algn="ctr">
+        <a:ln w="12700" cap="rnd" cmpd="sng" algn="ctr">
           <a:solidFill>
             <a:schemeClr val="phClr"/>
           </a:solidFill>
           <a:prstDash val="solid"/>
         </a:ln>
-        <a:ln w="15875" cap="flat" cmpd="sng" algn="ctr">
+        <a:ln w="19050" cap="rnd" cmpd="sng" algn="ctr">
           <a:solidFill>
             <a:schemeClr val="phClr"/>
           </a:solidFill>
           <a:prstDash val="solid"/>
         </a:ln>
-        <a:ln w="25400" cap="flat" cmpd="sng" algn="ctr">
+        <a:ln w="25400" cap="rnd" cmpd="sng" algn="ctr">
           <a:solidFill>
             <a:schemeClr val="phClr"/>
           </a:solidFill>
@@ -6519,18 +8966,18 @@
         </a:effectStyle>
         <a:effectStyle>
           <a:effectLst>
-            <a:outerShdw blurRad="38100" dist="25400" dir="2700000" algn="br" rotWithShape="0">
+            <a:outerShdw blurRad="38100" dist="25400" dir="5400000" rotWithShape="0">
               <a:srgbClr val="000000">
-                <a:alpha val="60000"/>
+                <a:alpha val="35000"/>
               </a:srgbClr>
             </a:outerShdw>
           </a:effectLst>
         </a:effectStyle>
         <a:effectStyle>
           <a:effectLst>
-            <a:outerShdw blurRad="44450" dist="25400" dir="2700000" algn="br" rotWithShape="0">
+            <a:outerShdw blurRad="50800" dist="38100" dir="5400000" rotWithShape="0">
               <a:srgbClr val="000000">
-                <a:alpha val="60000"/>
+                <a:alpha val="35000"/>
               </a:srgbClr>
             </a:outerShdw>
           </a:effectLst>
@@ -6538,12 +8985,10 @@
             <a:camera prst="orthographicFront">
               <a:rot lat="0" lon="0" rev="0"/>
             </a:camera>
-            <a:lightRig rig="threePt" dir="t">
-              <a:rot lat="0" lon="0" rev="19800000"/>
-            </a:lightRig>
+            <a:lightRig rig="threePt" dir="tl"/>
           </a:scene3d>
-          <a:sp3d prstMaterial="flat">
-            <a:bevelT w="25400" h="31750"/>
+          <a:sp3d prstMaterial="plastic">
+            <a:bevelT w="0" h="0"/>
           </a:sp3d>
         </a:effectStyle>
       </a:effectStyleLst>
@@ -6551,38 +8996,41 @@
         <a:solidFill>
           <a:schemeClr val="phClr"/>
         </a:solidFill>
-        <a:solidFill>
-          <a:schemeClr val="phClr">
-            <a:tint val="90000"/>
-            <a:shade val="97000"/>
-            <a:satMod val="130000"/>
-          </a:schemeClr>
-        </a:solidFill>
         <a:gradFill rotWithShape="1">
           <a:gsLst>
             <a:gs pos="0">
               <a:schemeClr val="phClr">
-                <a:tint val="96000"/>
-                <a:shade val="99000"/>
-                <a:satMod val="140000"/>
+                <a:tint val="90000"/>
+                <a:lumMod val="104000"/>
               </a:schemeClr>
             </a:gs>
-            <a:gs pos="65000">
+            <a:gs pos="94000">
               <a:schemeClr val="phClr">
-                <a:tint val="100000"/>
-                <a:shade val="80000"/>
-                <a:satMod val="130000"/>
+                <a:shade val="96000"/>
+                <a:lumMod val="82000"/>
+              </a:schemeClr>
+            </a:gs>
+          </a:gsLst>
+          <a:lin ang="5400000" scaled="0"/>
+        </a:gradFill>
+        <a:gradFill rotWithShape="1">
+          <a:gsLst>
+            <a:gs pos="0">
+              <a:schemeClr val="phClr">
+                <a:tint val="90000"/>
+                <a:lumMod val="110000"/>
               </a:schemeClr>
             </a:gs>
             <a:gs pos="100000">
               <a:schemeClr val="phClr">
-                <a:tint val="100000"/>
-                <a:shade val="48000"/>
-                <a:satMod val="120000"/>
+                <a:shade val="94000"/>
+                <a:lumMod val="96000"/>
               </a:schemeClr>
             </a:gs>
           </a:gsLst>
-          <a:lin ang="16200000" scaled="0"/>
+          <a:path path="circle">
+            <a:fillToRect l="50000" t="50000" r="100000" b="100000"/>
+          </a:path>
         </a:gradFill>
       </a:bgFillStyleLst>
     </a:fmtScheme>
@@ -6591,74 +9039,13 @@
   <a:extraClrSchemeLst/>
   <a:extLst>
     <a:ext uri="{05A4C25C-085E-4340-85A3-A5531E510DB2}">
-      <thm15:themeFamily xmlns:thm15="http://schemas.microsoft.com/office/thememl/2012/main" name="RetrospectVTI" id="{ABE3C30C-0FC0-4450-828E-52DE70F1BCCB}" vid="{A6E2497D-935A-4CFD-B9FD-6DCB15FA68BF}"/>
+      <thm15:themeFamily xmlns:thm15="http://schemas.microsoft.com/office/thememl/2012/main" name="Facet" id="{C0C680CD-088A-49FC-A102-D699147F32B2}" vid="{CFBC31BA-B70F-4F30-BCAA-4F3011E16C4D}"/>
     </a:ext>
   </a:extLst>
 </a:theme>
 </file>
 
-<file path=ppt/theme/themeOverride1.xml><?xml version="1.0" encoding="utf-8"?>
-<a:themeOverride xmlns:a="http://schemas.openxmlformats.org/drawingml/2006/main">
-  <a:clrScheme name="Custom 40">
-    <a:dk1>
-      <a:sysClr val="windowText" lastClr="000000"/>
-    </a:dk1>
-    <a:lt1>
-      <a:sysClr val="window" lastClr="FFFFFF"/>
-    </a:lt1>
-    <a:dk2>
-      <a:srgbClr val="545D57"/>
-    </a:dk2>
-    <a:lt2>
-      <a:srgbClr val="EBEBE8"/>
-    </a:lt2>
-    <a:accent1>
-      <a:srgbClr val="579858"/>
-    </a:accent1>
-    <a:accent2>
-      <a:srgbClr val="ED583E"/>
-    </a:accent2>
-    <a:accent3>
-      <a:srgbClr val="D3BA59"/>
-    </a:accent3>
-    <a:accent4>
-      <a:srgbClr val="4C94AC"/>
-    </a:accent4>
-    <a:accent5>
-      <a:srgbClr val="A09E84"/>
-    </a:accent5>
-    <a:accent6>
-      <a:srgbClr val="FC7D4A"/>
-    </a:accent6>
-    <a:hlink>
-      <a:srgbClr val="04A2DA"/>
-    </a:hlink>
-    <a:folHlink>
-      <a:srgbClr val="808080"/>
-    </a:folHlink>
-  </a:clrScheme>
-</a:themeOverride>
-</file>
-
 <file path=customXml/item1.xml><?xml version="1.0" encoding="utf-8"?>
-<p:properties xmlns:p="http://schemas.microsoft.com/office/2006/metadata/properties" xmlns:xsi="http://www.w3.org/2001/XMLSchema-instance" xmlns:pc="http://schemas.microsoft.com/office/infopath/2007/PartnerControls">
-  <documentManagement>
-    <Status xmlns="71af3243-3dd4-4a8d-8c0d-dd76da1f02a5">Not started</Status>
-    <MediaServiceKeyPoints xmlns="71af3243-3dd4-4a8d-8c0d-dd76da1f02a5" xsi:nil="true"/>
-  </documentManagement>
-</p:properties>
-</file>
-
-<file path=customXml/item2.xml><?xml version="1.0" encoding="utf-8"?>
-<?mso-contentType ?>
-<FormTemplates xmlns="http://schemas.microsoft.com/sharepoint/v3/contenttype/forms">
-  <Display>DocumentLibraryForm</Display>
-  <Edit>DocumentLibraryForm</Edit>
-  <New>DocumentLibraryForm</New>
-</FormTemplates>
-</file>
-
-<file path=customXml/item3.xml><?xml version="1.0" encoding="utf-8"?>
 <ct:contentTypeSchema xmlns:ct="http://schemas.microsoft.com/office/2006/metadata/contentType" xmlns:ma="http://schemas.microsoft.com/office/2006/metadata/properties/metaAttributes" ct:_="" ma:_="" ma:contentTypeName="Document" ma:contentTypeID="0x01010079F111ED35F8CC479449609E8A0923A6" ma:contentTypeVersion="12" ma:contentTypeDescription="Create a new document." ma:contentTypeScope="" ma:versionID="a410dd7f93c95333ffa1b60ed6adedd1">
   <xsd:schema xmlns:xsd="http://www.w3.org/2001/XMLSchema" xmlns:xs="http://www.w3.org/2001/XMLSchema" xmlns:p="http://schemas.microsoft.com/office/2006/metadata/properties" xmlns:ns2="71af3243-3dd4-4a8d-8c0d-dd76da1f02a5" xmlns:ns3="16c05727-aa75-4e4a-9b5f-8a80a1165891" targetNamespace="http://schemas.microsoft.com/office/2006/metadata/properties" ma:root="true" ma:fieldsID="a936d9baba76aa3866493feff160faab" ns2:_="" ns3:_="">
     <xsd:import namespace="71af3243-3dd4-4a8d-8c0d-dd76da1f02a5"/>
@@ -6879,32 +9266,25 @@
 </ct:contentTypeSchema>
 </file>
 
-<file path=customXml/itemProps1.xml><?xml version="1.0" encoding="utf-8"?>
-<ds:datastoreItem xmlns:ds="http://schemas.openxmlformats.org/officeDocument/2006/customXml" ds:itemID="{8F3CD65D-61A5-43C9-A837-6EC73C7DA8AB}">
-  <ds:schemaRefs>
-    <ds:schemaRef ds:uri="http://schemas.microsoft.com/office/infopath/2007/PartnerControls"/>
-    <ds:schemaRef ds:uri="http://schemas.openxmlformats.org/package/2006/metadata/core-properties"/>
-    <ds:schemaRef ds:uri="http://purl.org/dc/elements/1.1/"/>
-    <ds:schemaRef ds:uri="http://schemas.microsoft.com/office/2006/documentManagement/types"/>
-    <ds:schemaRef ds:uri="http://schemas.microsoft.com/office/2006/metadata/properties"/>
-    <ds:schemaRef ds:uri="16c05727-aa75-4e4a-9b5f-8a80a1165891"/>
-    <ds:schemaRef ds:uri="http://purl.org/dc/terms/"/>
-    <ds:schemaRef ds:uri="http://purl.org/dc/dcmitype/"/>
-    <ds:schemaRef ds:uri="71af3243-3dd4-4a8d-8c0d-dd76da1f02a5"/>
-    <ds:schemaRef ds:uri="http://www.w3.org/XML/1998/namespace"/>
-  </ds:schemaRefs>
-</ds:datastoreItem>
+<file path=customXml/item2.xml><?xml version="1.0" encoding="utf-8"?>
+<?mso-contentType ?>
+<FormTemplates xmlns="http://schemas.microsoft.com/sharepoint/v3/contenttype/forms">
+  <Display>DocumentLibraryForm</Display>
+  <Edit>DocumentLibraryForm</Edit>
+  <New>DocumentLibraryForm</New>
+</FormTemplates>
 </file>
 
-<file path=customXml/itemProps2.xml><?xml version="1.0" encoding="utf-8"?>
-<ds:datastoreItem xmlns:ds="http://schemas.openxmlformats.org/officeDocument/2006/customXml" ds:itemID="{31F006B4-A9E1-4F39-85C8-FB836F919348}">
-  <ds:schemaRefs>
-    <ds:schemaRef ds:uri="http://schemas.microsoft.com/sharepoint/v3/contenttype/forms"/>
-  </ds:schemaRefs>
-</ds:datastoreItem>
+<file path=customXml/item3.xml><?xml version="1.0" encoding="utf-8"?>
+<p:properties xmlns:p="http://schemas.microsoft.com/office/2006/metadata/properties" xmlns:xsi="http://www.w3.org/2001/XMLSchema-instance" xmlns:pc="http://schemas.microsoft.com/office/infopath/2007/PartnerControls">
+  <documentManagement>
+    <Status xmlns="71af3243-3dd4-4a8d-8c0d-dd76da1f02a5">Not started</Status>
+    <MediaServiceKeyPoints xmlns="71af3243-3dd4-4a8d-8c0d-dd76da1f02a5" xsi:nil="true"/>
+  </documentManagement>
+</p:properties>
 </file>
 
-<file path=customXml/itemProps3.xml><?xml version="1.0" encoding="utf-8"?>
+<file path=customXml/itemProps1.xml><?xml version="1.0" encoding="utf-8"?>
 <ds:datastoreItem xmlns:ds="http://schemas.openxmlformats.org/officeDocument/2006/customXml" ds:itemID="{16377351-63A1-4C2E-8C9A-66CDD70F16AC}">
   <ds:schemaRefs>
     <ds:schemaRef ds:uri="http://schemas.microsoft.com/office/2006/metadata/contentType"/>
@@ -6921,4 +9301,29 @@
     <ds:schemaRef ds:uri="http://schemas.microsoft.com/internal/obd"/>
   </ds:schemaRefs>
 </ds:datastoreItem>
+</file>
+
+<file path=customXml/itemProps2.xml><?xml version="1.0" encoding="utf-8"?>
+<ds:datastoreItem xmlns:ds="http://schemas.openxmlformats.org/officeDocument/2006/customXml" ds:itemID="{31F006B4-A9E1-4F39-85C8-FB836F919348}">
+  <ds:schemaRefs>
+    <ds:schemaRef ds:uri="http://schemas.microsoft.com/sharepoint/v3/contenttype/forms"/>
+  </ds:schemaRefs>
+</ds:datastoreItem>
+</file>
+
+<file path=customXml/itemProps3.xml><?xml version="1.0" encoding="utf-8"?>
+<ds:datastoreItem xmlns:ds="http://schemas.openxmlformats.org/officeDocument/2006/customXml" ds:itemID="{8F3CD65D-61A5-43C9-A837-6EC73C7DA8AB}">
+  <ds:schemaRefs>
+    <ds:schemaRef ds:uri="http://schemas.microsoft.com/office/infopath/2007/PartnerControls"/>
+    <ds:schemaRef ds:uri="http://schemas.openxmlformats.org/package/2006/metadata/core-properties"/>
+    <ds:schemaRef ds:uri="http://purl.org/dc/elements/1.1/"/>
+    <ds:schemaRef ds:uri="http://schemas.microsoft.com/office/2006/documentManagement/types"/>
+    <ds:schemaRef ds:uri="http://schemas.microsoft.com/office/2006/metadata/properties"/>
+    <ds:schemaRef ds:uri="16c05727-aa75-4e4a-9b5f-8a80a1165891"/>
+    <ds:schemaRef ds:uri="http://purl.org/dc/terms/"/>
+    <ds:schemaRef ds:uri="http://purl.org/dc/dcmitype/"/>
+    <ds:schemaRef ds:uri="71af3243-3dd4-4a8d-8c0d-dd76da1f02a5"/>
+    <ds:schemaRef ds:uri="http://www.w3.org/XML/1998/namespace"/>
+  </ds:schemaRefs>
+</ds:datastoreItem>
 </file>
--- a/Presentation/Accessibility For Digital Content & Services.pptx
+++ b/Presentation/Accessibility For Digital Content & Services.pptx
@@ -6041,7 +6041,7 @@
                   </a:schemeClr>
                 </a:solidFill>
               </a:rPr>
-              <a:t>Wireframe &amp; Prototype</a:t>
+              <a:t>Wireframe &amp; Quick Demo</a:t>
             </a:r>
           </a:p>
         </p:txBody>
@@ -6069,6 +6069,10 @@
           </a:bodyPr>
           <a:lstStyle/>
           <a:p>
+            <a:pPr>
+              <a:buFont typeface="Wingdings" panose="05000000000000000000" pitchFamily="2" charset="2"/>
+              <a:buChar char="v"/>
+            </a:pPr>
             <a:endParaRPr lang="en-US" dirty="0">
               <a:solidFill>
                 <a:srgbClr val="00B050"/>
@@ -6078,6 +6082,10 @@
             </a:endParaRPr>
           </a:p>
           <a:p>
+            <a:pPr>
+              <a:buFont typeface="Wingdings" panose="05000000000000000000" pitchFamily="2" charset="2"/>
+              <a:buChar char="v"/>
+            </a:pPr>
             <a:endParaRPr lang="en-US" dirty="0">
               <a:solidFill>
                 <a:srgbClr val="00B050"/>
@@ -6087,6 +6095,10 @@
             </a:endParaRPr>
           </a:p>
           <a:p>
+            <a:pPr>
+              <a:buFont typeface="Wingdings" panose="05000000000000000000" pitchFamily="2" charset="2"/>
+              <a:buChar char="v"/>
+            </a:pPr>
             <a:r>
               <a:rPr lang="en-US" dirty="0">
                 <a:solidFill>
@@ -6112,7 +6124,7 @@
                   </a:extLst>
                 </a:hlinkClick>
               </a:rPr>
-              <a:t>Wireframe &amp; Prototype in </a:t>
+              <a:t>Wireframe &amp; Design in </a:t>
             </a:r>
             <a:r>
               <a:rPr lang="en-US" dirty="0" err="1">
@@ -6138,8 +6150,19 @@
               </a:rPr>
               <a:t> </a:t>
             </a:r>
-          </a:p>
-          <a:p>
+            <a:endParaRPr lang="en-US" dirty="0">
+              <a:solidFill>
+                <a:srgbClr val="00B050"/>
+              </a:solidFill>
+              <a:latin typeface="Times New Roman" panose="02020603050405020304" pitchFamily="18" charset="0"/>
+              <a:cs typeface="Times New Roman" panose="02020603050405020304" pitchFamily="18" charset="0"/>
+            </a:endParaRPr>
+          </a:p>
+          <a:p>
+            <a:pPr>
+              <a:buFont typeface="Wingdings" panose="05000000000000000000" pitchFamily="2" charset="2"/>
+              <a:buChar char="v"/>
+            </a:pPr>
             <a:r>
               <a:rPr lang="en-US" dirty="0">
                 <a:solidFill>
@@ -6176,12 +6199,42 @@
             </a:endParaRPr>
           </a:p>
           <a:p>
+            <a:pPr>
+              <a:buFont typeface="Wingdings" panose="05000000000000000000" pitchFamily="2" charset="2"/>
+              <a:buChar char="v"/>
+            </a:pPr>
+            <a:r>
+              <a:rPr lang="en-US" dirty="0">
+                <a:solidFill>
+                  <a:srgbClr val="00B050"/>
+                </a:solidFill>
+                <a:latin typeface="Times New Roman" panose="02020603050405020304" pitchFamily="18" charset="0"/>
+                <a:cs typeface="Times New Roman" panose="02020603050405020304" pitchFamily="18" charset="0"/>
+              </a:rPr>
+              <a:t>Quick demo by running tool in browser (Source code is available in GitHub above)</a:t>
+            </a:r>
+            <a:endParaRPr lang="en-US" dirty="0">
+              <a:solidFill>
+                <a:srgbClr val="0070C0"/>
+              </a:solidFill>
+              <a:latin typeface="Times New Roman" panose="02020603050405020304" pitchFamily="18" charset="0"/>
+              <a:cs typeface="Times New Roman" panose="02020603050405020304" pitchFamily="18" charset="0"/>
+            </a:endParaRPr>
+          </a:p>
+          <a:p>
+            <a:pPr>
+              <a:buFont typeface="Wingdings" panose="05000000000000000000" pitchFamily="2" charset="2"/>
+              <a:buChar char="v"/>
+            </a:pPr>
             <a:endParaRPr lang="en-US" dirty="0">
               <a:latin typeface="Times New Roman" panose="02020603050405020304" pitchFamily="18" charset="0"/>
               <a:cs typeface="Times New Roman" panose="02020603050405020304" pitchFamily="18" charset="0"/>
             </a:endParaRPr>
           </a:p>
           <a:p>
+            <a:pPr marL="0" indent="0">
+              <a:buNone/>
+            </a:pPr>
             <a:r>
               <a:rPr lang="en-US" sz="4000" b="1" dirty="0">
                 <a:solidFill>
@@ -9046,6 +9099,24 @@
 </file>
 
 <file path=customXml/item1.xml><?xml version="1.0" encoding="utf-8"?>
+<p:properties xmlns:p="http://schemas.microsoft.com/office/2006/metadata/properties" xmlns:xsi="http://www.w3.org/2001/XMLSchema-instance" xmlns:pc="http://schemas.microsoft.com/office/infopath/2007/PartnerControls">
+  <documentManagement>
+    <Status xmlns="71af3243-3dd4-4a8d-8c0d-dd76da1f02a5">Not started</Status>
+    <MediaServiceKeyPoints xmlns="71af3243-3dd4-4a8d-8c0d-dd76da1f02a5" xsi:nil="true"/>
+  </documentManagement>
+</p:properties>
+</file>
+
+<file path=customXml/item2.xml><?xml version="1.0" encoding="utf-8"?>
+<?mso-contentType ?>
+<FormTemplates xmlns="http://schemas.microsoft.com/sharepoint/v3/contenttype/forms">
+  <Display>DocumentLibraryForm</Display>
+  <Edit>DocumentLibraryForm</Edit>
+  <New>DocumentLibraryForm</New>
+</FormTemplates>
+</file>
+
+<file path=customXml/item3.xml><?xml version="1.0" encoding="utf-8"?>
 <ct:contentTypeSchema xmlns:ct="http://schemas.microsoft.com/office/2006/metadata/contentType" xmlns:ma="http://schemas.microsoft.com/office/2006/metadata/properties/metaAttributes" ct:_="" ma:_="" ma:contentTypeName="Document" ma:contentTypeID="0x01010079F111ED35F8CC479449609E8A0923A6" ma:contentTypeVersion="12" ma:contentTypeDescription="Create a new document." ma:contentTypeScope="" ma:versionID="a410dd7f93c95333ffa1b60ed6adedd1">
   <xsd:schema xmlns:xsd="http://www.w3.org/2001/XMLSchema" xmlns:xs="http://www.w3.org/2001/XMLSchema" xmlns:p="http://schemas.microsoft.com/office/2006/metadata/properties" xmlns:ns2="71af3243-3dd4-4a8d-8c0d-dd76da1f02a5" xmlns:ns3="16c05727-aa75-4e4a-9b5f-8a80a1165891" targetNamespace="http://schemas.microsoft.com/office/2006/metadata/properties" ma:root="true" ma:fieldsID="a936d9baba76aa3866493feff160faab" ns2:_="" ns3:_="">
     <xsd:import namespace="71af3243-3dd4-4a8d-8c0d-dd76da1f02a5"/>
@@ -9266,25 +9337,32 @@
 </ct:contentTypeSchema>
 </file>
 
-<file path=customXml/item2.xml><?xml version="1.0" encoding="utf-8"?>
-<?mso-contentType ?>
-<FormTemplates xmlns="http://schemas.microsoft.com/sharepoint/v3/contenttype/forms">
-  <Display>DocumentLibraryForm</Display>
-  <Edit>DocumentLibraryForm</Edit>
-  <New>DocumentLibraryForm</New>
-</FormTemplates>
+<file path=customXml/itemProps1.xml><?xml version="1.0" encoding="utf-8"?>
+<ds:datastoreItem xmlns:ds="http://schemas.openxmlformats.org/officeDocument/2006/customXml" ds:itemID="{8F3CD65D-61A5-43C9-A837-6EC73C7DA8AB}">
+  <ds:schemaRefs>
+    <ds:schemaRef ds:uri="http://schemas.microsoft.com/office/infopath/2007/PartnerControls"/>
+    <ds:schemaRef ds:uri="http://schemas.openxmlformats.org/package/2006/metadata/core-properties"/>
+    <ds:schemaRef ds:uri="http://purl.org/dc/elements/1.1/"/>
+    <ds:schemaRef ds:uri="http://schemas.microsoft.com/office/2006/documentManagement/types"/>
+    <ds:schemaRef ds:uri="http://schemas.microsoft.com/office/2006/metadata/properties"/>
+    <ds:schemaRef ds:uri="16c05727-aa75-4e4a-9b5f-8a80a1165891"/>
+    <ds:schemaRef ds:uri="http://purl.org/dc/terms/"/>
+    <ds:schemaRef ds:uri="http://purl.org/dc/dcmitype/"/>
+    <ds:schemaRef ds:uri="71af3243-3dd4-4a8d-8c0d-dd76da1f02a5"/>
+    <ds:schemaRef ds:uri="http://www.w3.org/XML/1998/namespace"/>
+  </ds:schemaRefs>
+</ds:datastoreItem>
 </file>
 
-<file path=customXml/item3.xml><?xml version="1.0" encoding="utf-8"?>
-<p:properties xmlns:p="http://schemas.microsoft.com/office/2006/metadata/properties" xmlns:xsi="http://www.w3.org/2001/XMLSchema-instance" xmlns:pc="http://schemas.microsoft.com/office/infopath/2007/PartnerControls">
-  <documentManagement>
-    <Status xmlns="71af3243-3dd4-4a8d-8c0d-dd76da1f02a5">Not started</Status>
-    <MediaServiceKeyPoints xmlns="71af3243-3dd4-4a8d-8c0d-dd76da1f02a5" xsi:nil="true"/>
-  </documentManagement>
-</p:properties>
+<file path=customXml/itemProps2.xml><?xml version="1.0" encoding="utf-8"?>
+<ds:datastoreItem xmlns:ds="http://schemas.openxmlformats.org/officeDocument/2006/customXml" ds:itemID="{31F006B4-A9E1-4F39-85C8-FB836F919348}">
+  <ds:schemaRefs>
+    <ds:schemaRef ds:uri="http://schemas.microsoft.com/sharepoint/v3/contenttype/forms"/>
+  </ds:schemaRefs>
+</ds:datastoreItem>
 </file>
 
-<file path=customXml/itemProps1.xml><?xml version="1.0" encoding="utf-8"?>
+<file path=customXml/itemProps3.xml><?xml version="1.0" encoding="utf-8"?>
 <ds:datastoreItem xmlns:ds="http://schemas.openxmlformats.org/officeDocument/2006/customXml" ds:itemID="{16377351-63A1-4C2E-8C9A-66CDD70F16AC}">
   <ds:schemaRefs>
     <ds:schemaRef ds:uri="http://schemas.microsoft.com/office/2006/metadata/contentType"/>
@@ -9301,29 +9379,4 @@
     <ds:schemaRef ds:uri="http://schemas.microsoft.com/internal/obd"/>
   </ds:schemaRefs>
 </ds:datastoreItem>
-</file>
-
-<file path=customXml/itemProps2.xml><?xml version="1.0" encoding="utf-8"?>
-<ds:datastoreItem xmlns:ds="http://schemas.openxmlformats.org/officeDocument/2006/customXml" ds:itemID="{31F006B4-A9E1-4F39-85C8-FB836F919348}">
-  <ds:schemaRefs>
-    <ds:schemaRef ds:uri="http://schemas.microsoft.com/sharepoint/v3/contenttype/forms"/>
-  </ds:schemaRefs>
-</ds:datastoreItem>
-</file>
-
-<file path=customXml/itemProps3.xml><?xml version="1.0" encoding="utf-8"?>
-<ds:datastoreItem xmlns:ds="http://schemas.openxmlformats.org/officeDocument/2006/customXml" ds:itemID="{8F3CD65D-61A5-43C9-A837-6EC73C7DA8AB}">
-  <ds:schemaRefs>
-    <ds:schemaRef ds:uri="http://schemas.microsoft.com/office/infopath/2007/PartnerControls"/>
-    <ds:schemaRef ds:uri="http://schemas.openxmlformats.org/package/2006/metadata/core-properties"/>
-    <ds:schemaRef ds:uri="http://purl.org/dc/elements/1.1/"/>
-    <ds:schemaRef ds:uri="http://schemas.microsoft.com/office/2006/documentManagement/types"/>
-    <ds:schemaRef ds:uri="http://schemas.microsoft.com/office/2006/metadata/properties"/>
-    <ds:schemaRef ds:uri="16c05727-aa75-4e4a-9b5f-8a80a1165891"/>
-    <ds:schemaRef ds:uri="http://purl.org/dc/terms/"/>
-    <ds:schemaRef ds:uri="http://purl.org/dc/dcmitype/"/>
-    <ds:schemaRef ds:uri="71af3243-3dd4-4a8d-8c0d-dd76da1f02a5"/>
-    <ds:schemaRef ds:uri="http://www.w3.org/XML/1998/namespace"/>
-  </ds:schemaRefs>
-</ds:datastoreItem>
 </file>